--- a/paper/images/architecture-openapi.pptx
+++ b/paper/images/architecture-openapi.pptx
@@ -105,6 +105,11 @@
       </a:defRPr>
     </a:lvl9pPr>
   </p:defaultTextStyle>
+  <p:extLst>
+    <p:ext uri="{EFAFB233-063F-42B5-8137-9DF3F51BA10A}">
+      <p15:sldGuideLst xmlns:p15="http://schemas.microsoft.com/office/powerpoint/2012/main"/>
+    </p:ext>
+  </p:extLst>
 </p:presentation>
 </file>
 
@@ -3389,7 +3394,6 @@
               <a:rPr lang="en-US"/>
               <a:t>Click to edit Master title style</a:t>
             </a:r>
-            <a:endParaRPr lang="en-US"/>
           </a:p>
         </p:txBody>
       </p:sp>
@@ -3454,7 +3458,6 @@
               <a:rPr lang="en-US"/>
               <a:t>Click to edit Master subtitle style</a:t>
             </a:r>
-            <a:endParaRPr lang="en-US"/>
           </a:p>
         </p:txBody>
       </p:sp>
@@ -3475,7 +3478,7 @@
           <a:p>
             <a:fld id="{E634F0D4-E015-4F4B-8B75-37EF721F9C3B}" type="datetimeFigureOut">
               <a:rPr lang="en-US" smtClean="0"/>
-              <a:t>11/23/2020</a:t>
+              <a:t>11/30/20</a:t>
             </a:fld>
             <a:endParaRPr lang="en-US"/>
           </a:p>
@@ -3572,7 +3575,6 @@
               <a:rPr lang="en-US"/>
               <a:t>Click to edit Master title style</a:t>
             </a:r>
-            <a:endParaRPr lang="en-US"/>
           </a:p>
         </p:txBody>
       </p:sp>
@@ -3624,7 +3626,6 @@
               <a:rPr lang="en-US"/>
               <a:t>Fifth level</a:t>
             </a:r>
-            <a:endParaRPr lang="en-US"/>
           </a:p>
         </p:txBody>
       </p:sp>
@@ -3645,7 +3646,7 @@
           <a:p>
             <a:fld id="{E634F0D4-E015-4F4B-8B75-37EF721F9C3B}" type="datetimeFigureOut">
               <a:rPr lang="en-US" smtClean="0"/>
-              <a:t>11/23/2020</a:t>
+              <a:t>11/30/20</a:t>
             </a:fld>
             <a:endParaRPr lang="en-US"/>
           </a:p>
@@ -3747,7 +3748,6 @@
               <a:rPr lang="en-US"/>
               <a:t>Click to edit Master title style</a:t>
             </a:r>
-            <a:endParaRPr lang="en-US"/>
           </a:p>
         </p:txBody>
       </p:sp>
@@ -3804,7 +3804,6 @@
               <a:rPr lang="en-US"/>
               <a:t>Fifth level</a:t>
             </a:r>
-            <a:endParaRPr lang="en-US"/>
           </a:p>
         </p:txBody>
       </p:sp>
@@ -3825,7 +3824,7 @@
           <a:p>
             <a:fld id="{E634F0D4-E015-4F4B-8B75-37EF721F9C3B}" type="datetimeFigureOut">
               <a:rPr lang="en-US" smtClean="0"/>
-              <a:t>11/23/2020</a:t>
+              <a:t>11/30/20</a:t>
             </a:fld>
             <a:endParaRPr lang="en-US"/>
           </a:p>
@@ -3922,7 +3921,6 @@
               <a:rPr lang="en-US"/>
               <a:t>Click to edit Master title style</a:t>
             </a:r>
-            <a:endParaRPr lang="en-US"/>
           </a:p>
         </p:txBody>
       </p:sp>
@@ -3974,7 +3972,6 @@
               <a:rPr lang="en-US"/>
               <a:t>Fifth level</a:t>
             </a:r>
-            <a:endParaRPr lang="en-US"/>
           </a:p>
         </p:txBody>
       </p:sp>
@@ -3995,7 +3992,7 @@
           <a:p>
             <a:fld id="{E634F0D4-E015-4F4B-8B75-37EF721F9C3B}" type="datetimeFigureOut">
               <a:rPr lang="en-US" smtClean="0"/>
-              <a:t>11/23/2020</a:t>
+              <a:t>11/30/20</a:t>
             </a:fld>
             <a:endParaRPr lang="en-US"/>
           </a:p>
@@ -4101,7 +4098,6 @@
               <a:rPr lang="en-US"/>
               <a:t>Click to edit Master title style</a:t>
             </a:r>
-            <a:endParaRPr lang="en-US"/>
           </a:p>
         </p:txBody>
       </p:sp>
@@ -4241,7 +4237,7 @@
           <a:p>
             <a:fld id="{E634F0D4-E015-4F4B-8B75-37EF721F9C3B}" type="datetimeFigureOut">
               <a:rPr lang="en-US" smtClean="0"/>
-              <a:t>11/23/2020</a:t>
+              <a:t>11/30/20</a:t>
             </a:fld>
             <a:endParaRPr lang="en-US"/>
           </a:p>
@@ -4338,7 +4334,6 @@
               <a:rPr lang="en-US"/>
               <a:t>Click to edit Master title style</a:t>
             </a:r>
-            <a:endParaRPr lang="en-US"/>
           </a:p>
         </p:txBody>
       </p:sp>
@@ -4395,7 +4390,6 @@
               <a:rPr lang="en-US"/>
               <a:t>Fifth level</a:t>
             </a:r>
-            <a:endParaRPr lang="en-US"/>
           </a:p>
         </p:txBody>
       </p:sp>
@@ -4452,7 +4446,6 @@
               <a:rPr lang="en-US"/>
               <a:t>Fifth level</a:t>
             </a:r>
-            <a:endParaRPr lang="en-US"/>
           </a:p>
         </p:txBody>
       </p:sp>
@@ -4473,7 +4466,7 @@
           <a:p>
             <a:fld id="{E634F0D4-E015-4F4B-8B75-37EF721F9C3B}" type="datetimeFigureOut">
               <a:rPr lang="en-US" smtClean="0"/>
-              <a:t>11/23/2020</a:t>
+              <a:t>11/30/20</a:t>
             </a:fld>
             <a:endParaRPr lang="en-US"/>
           </a:p>
@@ -4575,7 +4568,6 @@
               <a:rPr lang="en-US"/>
               <a:t>Click to edit Master title style</a:t>
             </a:r>
-            <a:endParaRPr lang="en-US"/>
           </a:p>
         </p:txBody>
       </p:sp>
@@ -4697,7 +4689,6 @@
               <a:rPr lang="en-US"/>
               <a:t>Fifth level</a:t>
             </a:r>
-            <a:endParaRPr lang="en-US"/>
           </a:p>
         </p:txBody>
       </p:sp>
@@ -4819,7 +4810,6 @@
               <a:rPr lang="en-US"/>
               <a:t>Fifth level</a:t>
             </a:r>
-            <a:endParaRPr lang="en-US"/>
           </a:p>
         </p:txBody>
       </p:sp>
@@ -4840,7 +4830,7 @@
           <a:p>
             <a:fld id="{E634F0D4-E015-4F4B-8B75-37EF721F9C3B}" type="datetimeFigureOut">
               <a:rPr lang="en-US" smtClean="0"/>
-              <a:t>11/23/2020</a:t>
+              <a:t>11/30/20</a:t>
             </a:fld>
             <a:endParaRPr lang="en-US"/>
           </a:p>
@@ -4937,7 +4927,6 @@
               <a:rPr lang="en-US"/>
               <a:t>Click to edit Master title style</a:t>
             </a:r>
-            <a:endParaRPr lang="en-US"/>
           </a:p>
         </p:txBody>
       </p:sp>
@@ -4958,7 +4947,7 @@
           <a:p>
             <a:fld id="{E634F0D4-E015-4F4B-8B75-37EF721F9C3B}" type="datetimeFigureOut">
               <a:rPr lang="en-US" smtClean="0"/>
-              <a:t>11/23/2020</a:t>
+              <a:t>11/30/20</a:t>
             </a:fld>
             <a:endParaRPr lang="en-US"/>
           </a:p>
@@ -5053,7 +5042,7 @@
           <a:p>
             <a:fld id="{E634F0D4-E015-4F4B-8B75-37EF721F9C3B}" type="datetimeFigureOut">
               <a:rPr lang="en-US" smtClean="0"/>
-              <a:t>11/23/2020</a:t>
+              <a:t>11/30/20</a:t>
             </a:fld>
             <a:endParaRPr lang="en-US"/>
           </a:p>
@@ -5159,7 +5148,6 @@
               <a:rPr lang="en-US"/>
               <a:t>Click to edit Master title style</a:t>
             </a:r>
-            <a:endParaRPr lang="en-US"/>
           </a:p>
         </p:txBody>
       </p:sp>
@@ -5244,7 +5232,6 @@
               <a:rPr lang="en-US"/>
               <a:t>Fifth level</a:t>
             </a:r>
-            <a:endParaRPr lang="en-US"/>
           </a:p>
         </p:txBody>
       </p:sp>
@@ -5330,7 +5317,7 @@
           <a:p>
             <a:fld id="{E634F0D4-E015-4F4B-8B75-37EF721F9C3B}" type="datetimeFigureOut">
               <a:rPr lang="en-US" smtClean="0"/>
-              <a:t>11/23/2020</a:t>
+              <a:t>11/30/20</a:t>
             </a:fld>
             <a:endParaRPr lang="en-US"/>
           </a:p>
@@ -5436,7 +5423,6 @@
               <a:rPr lang="en-US"/>
               <a:t>Click to edit Master title style</a:t>
             </a:r>
-            <a:endParaRPr lang="en-US"/>
           </a:p>
         </p:txBody>
       </p:sp>
@@ -5583,7 +5569,7 @@
           <a:p>
             <a:fld id="{E634F0D4-E015-4F4B-8B75-37EF721F9C3B}" type="datetimeFigureOut">
               <a:rPr lang="en-US" smtClean="0"/>
-              <a:t>11/23/2020</a:t>
+              <a:t>11/30/20</a:t>
             </a:fld>
             <a:endParaRPr lang="en-US"/>
           </a:p>
@@ -5695,7 +5681,6 @@
               <a:rPr lang="en-US"/>
               <a:t>Click to edit Master title style</a:t>
             </a:r>
-            <a:endParaRPr lang="en-US"/>
           </a:p>
         </p:txBody>
       </p:sp>
@@ -5757,7 +5742,6 @@
               <a:rPr lang="en-US"/>
               <a:t>Fifth level</a:t>
             </a:r>
-            <a:endParaRPr lang="en-US"/>
           </a:p>
         </p:txBody>
       </p:sp>
@@ -5796,7 +5780,7 @@
           <a:p>
             <a:fld id="{E634F0D4-E015-4F4B-8B75-37EF721F9C3B}" type="datetimeFigureOut">
               <a:rPr lang="en-US" smtClean="0"/>
-              <a:t>11/23/2020</a:t>
+              <a:t>11/30/20</a:t>
             </a:fld>
             <a:endParaRPr lang="en-US"/>
           </a:p>
@@ -6208,7 +6192,7 @@
           <p:nvPr>
             <p:extLst>
               <p:ext uri="{D42A27DB-BD31-4B8C-83A1-F6EECF244321}">
-                <p14:modId xmlns:p14="http://schemas.microsoft.com/office/powerpoint/2010/main" val="1282910686"/>
+                <p14:modId xmlns:p14="http://schemas.microsoft.com/office/powerpoint/2010/main" val="1775732394"/>
               </p:ext>
             </p:extLst>
           </p:nvPr>
@@ -6236,6 +6220,13 @@
             <a:chOff x="0" y="0"/>
             <a:chExt cx="3829136" cy="702008"/>
           </a:xfrm>
+          <a:effectLst>
+            <a:outerShdw blurRad="50800" dist="38100" dir="2700000" algn="tl" rotWithShape="0">
+              <a:prstClr val="black">
+                <a:alpha val="40000"/>
+              </a:prstClr>
+            </a:outerShdw>
+          </a:effectLst>
         </p:grpSpPr>
         <p:sp>
           <p:nvSpPr>
@@ -6253,36 +6244,29 @@
                 <a:gd name="adj" fmla="val 10000"/>
               </a:avLst>
             </a:prstGeom>
+            <a:ln/>
           </p:spPr>
           <p:style>
-            <a:lnRef idx="2">
-              <a:schemeClr val="lt1">
-                <a:hueOff val="0"/>
-                <a:satOff val="0"/>
-                <a:lumOff val="0"/>
-                <a:alphaOff val="0"/>
-              </a:schemeClr>
+            <a:lnRef idx="1">
+              <a:schemeClr val="accent2"/>
             </a:lnRef>
-            <a:fillRef idx="1">
-              <a:schemeClr val="accent2">
-                <a:hueOff val="0"/>
-                <a:satOff val="0"/>
-                <a:lumOff val="0"/>
-                <a:alphaOff val="0"/>
-              </a:schemeClr>
+            <a:fillRef idx="2">
+              <a:schemeClr val="accent2"/>
             </a:fillRef>
-            <a:effectRef idx="0">
-              <a:schemeClr val="accent2">
-                <a:hueOff val="0"/>
-                <a:satOff val="0"/>
-                <a:lumOff val="0"/>
-                <a:alphaOff val="0"/>
-              </a:schemeClr>
+            <a:effectRef idx="1">
+              <a:schemeClr val="accent2"/>
             </a:effectRef>
             <a:fontRef idx="minor">
-              <a:schemeClr val="lt1"/>
+              <a:schemeClr val="dk1"/>
             </a:fontRef>
           </p:style>
+          <p:txBody>
+            <a:bodyPr/>
+            <a:lstStyle/>
+            <a:p>
+              <a:endParaRPr lang="en-US"/>
+            </a:p>
+          </p:txBody>
         </p:sp>
         <p:sp>
           <p:nvSpPr>
@@ -6298,19 +6282,22 @@
             <a:prstGeom prst="rect">
               <a:avLst/>
             </a:prstGeom>
+            <a:ln>
+              <a:noFill/>
+            </a:ln>
           </p:spPr>
           <p:style>
-            <a:lnRef idx="0">
-              <a:scrgbClr r="0" g="0" b="0"/>
+            <a:lnRef idx="1">
+              <a:schemeClr val="accent2"/>
             </a:lnRef>
-            <a:fillRef idx="0">
-              <a:scrgbClr r="0" g="0" b="0"/>
+            <a:fillRef idx="2">
+              <a:schemeClr val="accent2"/>
             </a:fillRef>
-            <a:effectRef idx="0">
-              <a:scrgbClr r="0" g="0" b="0"/>
+            <a:effectRef idx="1">
+              <a:schemeClr val="accent2"/>
             </a:effectRef>
             <a:fontRef idx="minor">
-              <a:schemeClr val="lt1"/>
+              <a:schemeClr val="dk1"/>
             </a:fontRef>
           </p:style>
           <p:txBody>
@@ -6332,7 +6319,11 @@
                 <a:buNone/>
               </a:pPr>
               <a:r>
-                <a:rPr lang="en-US" sz="3000" kern="1200" dirty="0"/>
+                <a:rPr lang="en-US" sz="3000" kern="1200" dirty="0">
+                  <a:solidFill>
+                    <a:schemeClr val="tx1"/>
+                  </a:solidFill>
+                </a:rPr>
                 <a:t>Download Data</a:t>
               </a:r>
             </a:p>
@@ -6355,6 +6346,13 @@
           <a:solidFill>
             <a:srgbClr val="00B050"/>
           </a:solidFill>
+          <a:effectLst>
+            <a:outerShdw blurRad="50800" dist="38100" dir="2700000" algn="tl" rotWithShape="0">
+              <a:prstClr val="black">
+                <a:alpha val="40000"/>
+              </a:prstClr>
+            </a:outerShdw>
+          </a:effectLst>
         </p:grpSpPr>
         <p:sp>
           <p:nvSpPr>
@@ -6372,35 +6370,19 @@
                 <a:gd name="adj" fmla="val 10000"/>
               </a:avLst>
             </a:prstGeom>
-            <a:grpFill/>
           </p:spPr>
           <p:style>
-            <a:lnRef idx="2">
-              <a:schemeClr val="lt1">
-                <a:hueOff val="0"/>
-                <a:satOff val="0"/>
-                <a:lumOff val="0"/>
-                <a:alphaOff val="0"/>
-              </a:schemeClr>
+            <a:lnRef idx="1">
+              <a:schemeClr val="accent6"/>
             </a:lnRef>
-            <a:fillRef idx="1">
-              <a:schemeClr val="accent3">
-                <a:hueOff val="0"/>
-                <a:satOff val="0"/>
-                <a:lumOff val="0"/>
-                <a:alphaOff val="0"/>
-              </a:schemeClr>
+            <a:fillRef idx="2">
+              <a:schemeClr val="accent6"/>
             </a:fillRef>
-            <a:effectRef idx="0">
-              <a:schemeClr val="accent3">
-                <a:hueOff val="0"/>
-                <a:satOff val="0"/>
-                <a:lumOff val="0"/>
-                <a:alphaOff val="0"/>
-              </a:schemeClr>
+            <a:effectRef idx="1">
+              <a:schemeClr val="accent6"/>
             </a:effectRef>
             <a:fontRef idx="minor">
-              <a:schemeClr val="lt1"/>
+              <a:schemeClr val="dk1"/>
             </a:fontRef>
           </p:style>
         </p:sp>
@@ -6418,20 +6400,22 @@
             <a:prstGeom prst="rect">
               <a:avLst/>
             </a:prstGeom>
-            <a:grpFill/>
+            <a:ln>
+              <a:noFill/>
+            </a:ln>
           </p:spPr>
           <p:style>
-            <a:lnRef idx="0">
-              <a:scrgbClr r="0" g="0" b="0"/>
+            <a:lnRef idx="1">
+              <a:schemeClr val="accent6"/>
             </a:lnRef>
-            <a:fillRef idx="0">
-              <a:scrgbClr r="0" g="0" b="0"/>
+            <a:fillRef idx="2">
+              <a:schemeClr val="accent6"/>
             </a:fillRef>
-            <a:effectRef idx="0">
-              <a:scrgbClr r="0" g="0" b="0"/>
+            <a:effectRef idx="1">
+              <a:schemeClr val="accent6"/>
             </a:effectRef>
             <a:fontRef idx="minor">
-              <a:schemeClr val="lt1"/>
+              <a:schemeClr val="dk1"/>
             </a:fontRef>
           </p:style>
           <p:txBody>
@@ -6453,7 +6437,11 @@
                 <a:buNone/>
               </a:pPr>
               <a:r>
-                <a:rPr lang="en-US" sz="3000" kern="1200" dirty="0"/>
+                <a:rPr lang="en-US" sz="3000" kern="1200" dirty="0">
+                  <a:solidFill>
+                    <a:schemeClr val="tx1"/>
+                  </a:solidFill>
+                </a:rPr>
                 <a:t>Train</a:t>
               </a:r>
             </a:p>
@@ -6473,6 +6461,13 @@
             <a:chOff x="636593" y="1659292"/>
             <a:chExt cx="3829136" cy="702008"/>
           </a:xfrm>
+          <a:effectLst>
+            <a:outerShdw blurRad="50800" dist="38100" dir="2700000" algn="tl" rotWithShape="0">
+              <a:prstClr val="black">
+                <a:alpha val="40000"/>
+              </a:prstClr>
+            </a:outerShdw>
+          </a:effectLst>
         </p:grpSpPr>
         <p:sp>
           <p:nvSpPr>
@@ -6492,32 +6487,17 @@
             </a:prstGeom>
           </p:spPr>
           <p:style>
-            <a:lnRef idx="2">
-              <a:schemeClr val="lt1">
-                <a:hueOff val="0"/>
-                <a:satOff val="0"/>
-                <a:lumOff val="0"/>
-                <a:alphaOff val="0"/>
-              </a:schemeClr>
+            <a:lnRef idx="1">
+              <a:schemeClr val="accent4"/>
             </a:lnRef>
-            <a:fillRef idx="1">
-              <a:schemeClr val="accent4">
-                <a:hueOff val="0"/>
-                <a:satOff val="0"/>
-                <a:lumOff val="0"/>
-                <a:alphaOff val="0"/>
-              </a:schemeClr>
+            <a:fillRef idx="2">
+              <a:schemeClr val="accent4"/>
             </a:fillRef>
-            <a:effectRef idx="0">
-              <a:schemeClr val="accent4">
-                <a:hueOff val="0"/>
-                <a:satOff val="0"/>
-                <a:lumOff val="0"/>
-                <a:alphaOff val="0"/>
-              </a:schemeClr>
+            <a:effectRef idx="1">
+              <a:schemeClr val="accent4"/>
             </a:effectRef>
             <a:fontRef idx="minor">
-              <a:schemeClr val="lt1"/>
+              <a:schemeClr val="dk1"/>
             </a:fontRef>
           </p:style>
         </p:sp>
@@ -6535,19 +6515,22 @@
             <a:prstGeom prst="rect">
               <a:avLst/>
             </a:prstGeom>
+            <a:ln>
+              <a:noFill/>
+            </a:ln>
           </p:spPr>
           <p:style>
-            <a:lnRef idx="0">
-              <a:scrgbClr r="0" g="0" b="0"/>
+            <a:lnRef idx="1">
+              <a:schemeClr val="accent4"/>
             </a:lnRef>
-            <a:fillRef idx="0">
-              <a:scrgbClr r="0" g="0" b="0"/>
+            <a:fillRef idx="2">
+              <a:schemeClr val="accent4"/>
             </a:fillRef>
-            <a:effectRef idx="0">
-              <a:scrgbClr r="0" g="0" b="0"/>
+            <a:effectRef idx="1">
+              <a:schemeClr val="accent4"/>
             </a:effectRef>
             <a:fontRef idx="minor">
-              <a:schemeClr val="lt1"/>
+              <a:schemeClr val="dk1"/>
             </a:fontRef>
           </p:style>
           <p:txBody>
@@ -6569,7 +6552,11 @@
                 <a:buNone/>
               </a:pPr>
               <a:r>
-                <a:rPr lang="en-US" sz="3000" kern="1200" dirty="0"/>
+                <a:rPr lang="en-US" sz="3000" kern="1200" dirty="0">
+                  <a:solidFill>
+                    <a:schemeClr val="tx1"/>
+                  </a:solidFill>
+                </a:rPr>
                 <a:t>Upload</a:t>
               </a:r>
             </a:p>
@@ -6589,6 +6576,13 @@
             <a:chOff x="957284" y="2488938"/>
             <a:chExt cx="3829136" cy="702008"/>
           </a:xfrm>
+          <a:effectLst>
+            <a:outerShdw blurRad="50800" dist="38100" dir="2700000" algn="tl" rotWithShape="0">
+              <a:prstClr val="black">
+                <a:alpha val="40000"/>
+              </a:prstClr>
+            </a:outerShdw>
+          </a:effectLst>
         </p:grpSpPr>
         <p:sp>
           <p:nvSpPr>
@@ -6608,32 +6602,17 @@
             </a:prstGeom>
           </p:spPr>
           <p:style>
-            <a:lnRef idx="2">
-              <a:schemeClr val="lt1">
-                <a:hueOff val="0"/>
-                <a:satOff val="0"/>
-                <a:lumOff val="0"/>
-                <a:alphaOff val="0"/>
-              </a:schemeClr>
+            <a:lnRef idx="1">
+              <a:schemeClr val="accent5"/>
             </a:lnRef>
-            <a:fillRef idx="1">
-              <a:schemeClr val="accent5">
-                <a:hueOff val="0"/>
-                <a:satOff val="0"/>
-                <a:lumOff val="0"/>
-                <a:alphaOff val="0"/>
-              </a:schemeClr>
+            <a:fillRef idx="2">
+              <a:schemeClr val="accent5"/>
             </a:fillRef>
-            <a:effectRef idx="0">
-              <a:schemeClr val="accent5">
-                <a:hueOff val="0"/>
-                <a:satOff val="0"/>
-                <a:lumOff val="0"/>
-                <a:alphaOff val="0"/>
-              </a:schemeClr>
+            <a:effectRef idx="1">
+              <a:schemeClr val="accent5"/>
             </a:effectRef>
             <a:fontRef idx="minor">
-              <a:schemeClr val="lt1"/>
+              <a:schemeClr val="dk1"/>
             </a:fontRef>
           </p:style>
         </p:sp>
@@ -6651,19 +6630,22 @@
             <a:prstGeom prst="rect">
               <a:avLst/>
             </a:prstGeom>
+            <a:ln>
+              <a:noFill/>
+            </a:ln>
           </p:spPr>
           <p:style>
-            <a:lnRef idx="0">
-              <a:scrgbClr r="0" g="0" b="0"/>
+            <a:lnRef idx="1">
+              <a:schemeClr val="accent5"/>
             </a:lnRef>
-            <a:fillRef idx="0">
-              <a:scrgbClr r="0" g="0" b="0"/>
+            <a:fillRef idx="2">
+              <a:schemeClr val="accent5"/>
             </a:fillRef>
-            <a:effectRef idx="0">
-              <a:scrgbClr r="0" g="0" b="0"/>
+            <a:effectRef idx="1">
+              <a:schemeClr val="accent5"/>
             </a:effectRef>
             <a:fontRef idx="minor">
-              <a:schemeClr val="lt1"/>
+              <a:schemeClr val="dk1"/>
             </a:fontRef>
           </p:style>
           <p:txBody>
@@ -6685,208 +6667,205 @@
                 <a:buNone/>
               </a:pPr>
               <a:r>
-                <a:rPr lang="en-US" sz="3000" kern="1200" dirty="0"/>
+                <a:rPr lang="en-US" sz="3000" kern="1200" dirty="0">
+                  <a:solidFill>
+                    <a:schemeClr val="tx1"/>
+                  </a:solidFill>
+                </a:rPr>
                 <a:t>Predict</a:t>
               </a:r>
             </a:p>
           </p:txBody>
         </p:sp>
       </p:grpSp>
-      <p:grpSp>
-        <p:nvGrpSpPr>
-          <p:cNvPr id="37" name="Group 36"/>
-          <p:cNvGrpSpPr/>
+      <p:sp>
+        <p:nvSpPr>
+          <p:cNvPr id="20" name="Rectangle 19"/>
+          <p:cNvSpPr/>
           <p:nvPr/>
-        </p:nvGrpSpPr>
-        <p:grpSpPr>
+        </p:nvSpPr>
+        <p:spPr>
           <a:xfrm>
             <a:off x="2839868" y="2405848"/>
             <a:ext cx="5619565" cy="3861786"/>
-            <a:chOff x="2777724" y="1997475"/>
-            <a:chExt cx="5619565" cy="4083729"/>
           </a:xfrm>
-        </p:grpSpPr>
-        <p:sp>
-          <p:nvSpPr>
-            <p:cNvPr id="20" name="Rectangle 19"/>
-            <p:cNvSpPr/>
-            <p:nvPr/>
-          </p:nvSpPr>
-          <p:spPr>
-            <a:xfrm>
-              <a:off x="2777724" y="1997475"/>
-              <a:ext cx="5619565" cy="4083729"/>
-            </a:xfrm>
-            <a:prstGeom prst="rect">
-              <a:avLst/>
-            </a:prstGeom>
-            <a:noFill/>
-            <a:ln w="28575">
+          <a:prstGeom prst="rect">
+            <a:avLst/>
+          </a:prstGeom>
+          <a:noFill/>
+          <a:ln w="28575">
+            <a:solidFill>
+              <a:schemeClr val="tx1"/>
+            </a:solidFill>
+          </a:ln>
+          <a:effectLst>
+            <a:outerShdw blurRad="50800" dist="38100" dir="2700000" algn="tl" rotWithShape="0">
+              <a:prstClr val="black">
+                <a:alpha val="40000"/>
+              </a:prstClr>
+            </a:outerShdw>
+          </a:effectLst>
+        </p:spPr>
+        <p:style>
+          <a:lnRef idx="2">
+            <a:schemeClr val="accent1">
+              <a:shade val="50000"/>
+            </a:schemeClr>
+          </a:lnRef>
+          <a:fillRef idx="1">
+            <a:schemeClr val="accent1"/>
+          </a:fillRef>
+          <a:effectRef idx="0">
+            <a:schemeClr val="accent1"/>
+          </a:effectRef>
+          <a:fontRef idx="minor">
+            <a:schemeClr val="lt1"/>
+          </a:fontRef>
+        </p:style>
+        <p:txBody>
+          <a:bodyPr rtlCol="0" anchor="ctr"/>
+          <a:lstStyle/>
+          <a:p>
+            <a:pPr algn="ctr"/>
+            <a:endParaRPr lang="en-US">
               <a:solidFill>
                 <a:schemeClr val="tx1"/>
               </a:solidFill>
-            </a:ln>
-          </p:spPr>
-          <p:style>
-            <a:lnRef idx="2">
-              <a:schemeClr val="accent1">
-                <a:shade val="50000"/>
-              </a:schemeClr>
-            </a:lnRef>
-            <a:fillRef idx="1">
-              <a:schemeClr val="accent1"/>
-            </a:fillRef>
-            <a:effectRef idx="0">
-              <a:schemeClr val="accent1"/>
-            </a:effectRef>
-            <a:fontRef idx="minor">
-              <a:schemeClr val="lt1"/>
-            </a:fontRef>
-          </p:style>
-          <p:txBody>
-            <a:bodyPr rtlCol="0" anchor="ctr"/>
-            <a:lstStyle/>
-            <a:p>
-              <a:pPr algn="ctr"/>
-              <a:endParaRPr lang="en-US"/>
-            </a:p>
-          </p:txBody>
-        </p:sp>
-        <p:sp>
-          <p:nvSpPr>
-            <p:cNvPr id="21" name="TextBox 20"/>
-            <p:cNvSpPr txBox="1"/>
-            <p:nvPr/>
-          </p:nvSpPr>
-          <p:spPr>
-            <a:xfrm>
-              <a:off x="2777724" y="2019338"/>
-              <a:ext cx="2157273" cy="369332"/>
-            </a:xfrm>
-            <a:prstGeom prst="rect">
-              <a:avLst/>
-            </a:prstGeom>
+            </a:endParaRPr>
+          </a:p>
+        </p:txBody>
+      </p:sp>
+      <p:sp>
+        <p:nvSpPr>
+          <p:cNvPr id="21" name="TextBox 20"/>
+          <p:cNvSpPr txBox="1"/>
+          <p:nvPr/>
+        </p:nvSpPr>
+        <p:spPr>
+          <a:xfrm>
+            <a:off x="2839868" y="2426523"/>
+            <a:ext cx="2157273" cy="369332"/>
+          </a:xfrm>
+          <a:prstGeom prst="rect">
+            <a:avLst/>
+          </a:prstGeom>
+          <a:noFill/>
+          <a:ln>
             <a:noFill/>
-            <a:ln>
-              <a:noFill/>
-            </a:ln>
-          </p:spPr>
-          <p:txBody>
-            <a:bodyPr wrap="square" rtlCol="0">
-              <a:spAutoFit/>
-            </a:bodyPr>
-            <a:lstStyle/>
-            <a:p>
-              <a:r>
-                <a:rPr lang="en-US" dirty="0" err="1"/>
-                <a:t>Cloudmesh</a:t>
-              </a:r>
-              <a:r>
-                <a:rPr lang="en-US" dirty="0"/>
-                <a:t> </a:t>
-              </a:r>
-              <a:r>
-                <a:rPr lang="en-US" dirty="0" err="1"/>
-                <a:t>OpenAPI</a:t>
-              </a:r>
-              <a:endParaRPr lang="en-US" dirty="0"/>
-            </a:p>
-          </p:txBody>
-        </p:sp>
-      </p:grpSp>
-      <p:grpSp>
-        <p:nvGrpSpPr>
-          <p:cNvPr id="38" name="Group 37"/>
-          <p:cNvGrpSpPr/>
+          </a:ln>
+        </p:spPr>
+        <p:txBody>
+          <a:bodyPr wrap="square" rtlCol="0">
+            <a:spAutoFit/>
+          </a:bodyPr>
+          <a:lstStyle/>
+          <a:p>
+            <a:r>
+              <a:rPr lang="en-US" dirty="0" err="1"/>
+              <a:t>Cloudmesh</a:t>
+            </a:r>
+            <a:r>
+              <a:rPr lang="en-US" dirty="0"/>
+              <a:t> </a:t>
+            </a:r>
+            <a:r>
+              <a:rPr lang="en-US" dirty="0" err="1"/>
+              <a:t>OpenAPI</a:t>
+            </a:r>
+            <a:endParaRPr lang="en-US" dirty="0"/>
+          </a:p>
+        </p:txBody>
+      </p:sp>
+      <p:sp>
+        <p:nvSpPr>
+          <p:cNvPr id="22" name="Rectangle 21"/>
+          <p:cNvSpPr/>
           <p:nvPr/>
-        </p:nvGrpSpPr>
-        <p:grpSpPr>
+        </p:nvSpPr>
+        <p:spPr>
           <a:xfrm>
-            <a:off x="2496782" y="1953087"/>
-            <a:ext cx="6309867" cy="4643021"/>
-            <a:chOff x="2434638" y="1488355"/>
-            <a:chExt cx="6309867" cy="5258675"/>
+            <a:off x="2496783" y="1953087"/>
+            <a:ext cx="6309866" cy="4643021"/>
           </a:xfrm>
-        </p:grpSpPr>
-        <p:sp>
-          <p:nvSpPr>
-            <p:cNvPr id="22" name="Rectangle 21"/>
-            <p:cNvSpPr/>
-            <p:nvPr/>
-          </p:nvSpPr>
-          <p:spPr>
-            <a:xfrm>
-              <a:off x="2434639" y="1488355"/>
-              <a:ext cx="6309866" cy="5258675"/>
-            </a:xfrm>
-            <a:prstGeom prst="rect">
-              <a:avLst/>
-            </a:prstGeom>
-            <a:noFill/>
-            <a:ln w="28575">
+          <a:prstGeom prst="rect">
+            <a:avLst/>
+          </a:prstGeom>
+          <a:noFill/>
+          <a:ln w="28575">
+            <a:solidFill>
+              <a:schemeClr val="tx1"/>
+            </a:solidFill>
+          </a:ln>
+          <a:effectLst>
+            <a:outerShdw blurRad="50800" dist="38100" dir="2700000" algn="tl" rotWithShape="0">
+              <a:prstClr val="black">
+                <a:alpha val="40000"/>
+              </a:prstClr>
+            </a:outerShdw>
+          </a:effectLst>
+        </p:spPr>
+        <p:style>
+          <a:lnRef idx="2">
+            <a:schemeClr val="accent1">
+              <a:shade val="50000"/>
+            </a:schemeClr>
+          </a:lnRef>
+          <a:fillRef idx="1">
+            <a:schemeClr val="accent1"/>
+          </a:fillRef>
+          <a:effectRef idx="0">
+            <a:schemeClr val="accent1"/>
+          </a:effectRef>
+          <a:fontRef idx="minor">
+            <a:schemeClr val="lt1"/>
+          </a:fontRef>
+        </p:style>
+        <p:txBody>
+          <a:bodyPr rtlCol="0" anchor="ctr"/>
+          <a:lstStyle/>
+          <a:p>
+            <a:pPr algn="ctr"/>
+            <a:endParaRPr lang="en-US">
               <a:solidFill>
                 <a:schemeClr val="tx1"/>
               </a:solidFill>
-            </a:ln>
-          </p:spPr>
-          <p:style>
-            <a:lnRef idx="2">
-              <a:schemeClr val="accent1">
-                <a:shade val="50000"/>
-              </a:schemeClr>
-            </a:lnRef>
-            <a:fillRef idx="1">
-              <a:schemeClr val="accent1"/>
-            </a:fillRef>
-            <a:effectRef idx="0">
-              <a:schemeClr val="accent1"/>
-            </a:effectRef>
-            <a:fontRef idx="minor">
-              <a:schemeClr val="lt1"/>
-            </a:fontRef>
-          </p:style>
-          <p:txBody>
-            <a:bodyPr rtlCol="0" anchor="ctr"/>
-            <a:lstStyle/>
-            <a:p>
-              <a:pPr algn="ctr"/>
-              <a:endParaRPr lang="en-US"/>
-            </a:p>
-          </p:txBody>
-        </p:sp>
-        <p:sp>
-          <p:nvSpPr>
-            <p:cNvPr id="23" name="TextBox 22"/>
-            <p:cNvSpPr txBox="1"/>
-            <p:nvPr/>
-          </p:nvSpPr>
-          <p:spPr>
-            <a:xfrm>
-              <a:off x="2434638" y="1510218"/>
-              <a:ext cx="3105027" cy="418305"/>
-            </a:xfrm>
-            <a:prstGeom prst="rect">
-              <a:avLst/>
-            </a:prstGeom>
+            </a:endParaRPr>
+          </a:p>
+        </p:txBody>
+      </p:sp>
+      <p:sp>
+        <p:nvSpPr>
+          <p:cNvPr id="23" name="TextBox 22"/>
+          <p:cNvSpPr txBox="1"/>
+          <p:nvPr/>
+        </p:nvSpPr>
+        <p:spPr>
+          <a:xfrm>
+            <a:off x="2496782" y="1972390"/>
+            <a:ext cx="3105027" cy="369332"/>
+          </a:xfrm>
+          <a:prstGeom prst="rect">
+            <a:avLst/>
+          </a:prstGeom>
+          <a:noFill/>
+          <a:ln>
             <a:noFill/>
-            <a:ln>
-              <a:noFill/>
-            </a:ln>
-          </p:spPr>
-          <p:txBody>
-            <a:bodyPr wrap="square" rtlCol="0">
-              <a:spAutoFit/>
-            </a:bodyPr>
-            <a:lstStyle/>
-            <a:p>
-              <a:r>
-                <a:rPr lang="en-US" dirty="0"/>
-                <a:t>Cloud Hosted Virtual Machine</a:t>
-              </a:r>
-            </a:p>
-          </p:txBody>
-        </p:sp>
-      </p:grpSp>
+          </a:ln>
+          <a:effectLst/>
+        </p:spPr>
+        <p:txBody>
+          <a:bodyPr wrap="square" rtlCol="0">
+            <a:spAutoFit/>
+          </a:bodyPr>
+          <a:lstStyle/>
+          <a:p>
+            <a:r>
+              <a:rPr lang="en-US" dirty="0"/>
+              <a:t>Cloud Hosted Virtual Machine</a:t>
+            </a:r>
+          </a:p>
+        </p:txBody>
+      </p:sp>
       <p:grpSp>
         <p:nvGrpSpPr>
           <p:cNvPr id="27" name="Group 26"/>
@@ -6943,7 +6922,11 @@
             <a:lstStyle/>
             <a:p>
               <a:pPr algn="ctr"/>
-              <a:endParaRPr lang="en-US"/>
+              <a:endParaRPr lang="en-US">
+                <a:solidFill>
+                  <a:schemeClr val="tx1"/>
+                </a:solidFill>
+              </a:endParaRPr>
             </a:p>
           </p:txBody>
         </p:sp>
@@ -7033,7 +7016,11 @@
             <a:lstStyle/>
             <a:p>
               <a:pPr algn="ctr"/>
-              <a:endParaRPr lang="en-US"/>
+              <a:endParaRPr lang="en-US">
+                <a:solidFill>
+                  <a:schemeClr val="tx1"/>
+                </a:solidFill>
+              </a:endParaRPr>
             </a:p>
           </p:txBody>
         </p:sp>
@@ -7123,7 +7110,11 @@
             <a:lstStyle/>
             <a:p>
               <a:pPr algn="ctr"/>
-              <a:endParaRPr lang="en-US"/>
+              <a:endParaRPr lang="en-US">
+                <a:solidFill>
+                  <a:schemeClr val="tx1"/>
+                </a:solidFill>
+              </a:endParaRPr>
             </a:p>
           </p:txBody>
         </p:sp>
@@ -7213,7 +7204,11 @@
             <a:lstStyle/>
             <a:p>
               <a:pPr algn="ctr"/>
-              <a:endParaRPr lang="en-US"/>
+              <a:endParaRPr lang="en-US">
+                <a:solidFill>
+                  <a:schemeClr val="tx1"/>
+                </a:solidFill>
+              </a:endParaRPr>
             </a:p>
           </p:txBody>
         </p:sp>
@@ -7255,11 +7250,18 @@
         </p:nvGrpSpPr>
         <p:grpSpPr>
           <a:xfrm>
-            <a:off x="4915975" y="459323"/>
-            <a:ext cx="2089892" cy="433459"/>
+            <a:off x="4441631" y="333018"/>
+            <a:ext cx="3201083" cy="1053660"/>
             <a:chOff x="4864963" y="346883"/>
-            <a:chExt cx="2089892" cy="433459"/>
+            <a:chExt cx="2089892" cy="852645"/>
           </a:xfrm>
+          <a:effectLst>
+            <a:outerShdw blurRad="50800" dist="38100" dir="2700000" algn="tl" rotWithShape="0">
+              <a:prstClr val="black">
+                <a:alpha val="40000"/>
+              </a:prstClr>
+            </a:outerShdw>
+          </a:effectLst>
         </p:grpSpPr>
         <p:sp>
           <p:nvSpPr>
@@ -7307,7 +7309,7 @@
             <a:lstStyle/>
             <a:p>
               <a:pPr algn="ctr"/>
-              <a:endParaRPr lang="en-US"/>
+              <a:endParaRPr lang="en-US" sz="2400"/>
             </a:p>
           </p:txBody>
         </p:sp>
@@ -7320,7 +7322,7 @@
           <p:spPr>
             <a:xfrm>
               <a:off x="5119996" y="368531"/>
-              <a:ext cx="1834859" cy="369332"/>
+              <a:ext cx="1834859" cy="830997"/>
             </a:xfrm>
             <a:prstGeom prst="rect">
               <a:avLst/>
@@ -7337,7 +7339,7 @@
             <a:lstStyle/>
             <a:p>
               <a:r>
-                <a:rPr lang="en-US" dirty="0"/>
+                <a:rPr lang="en-US" sz="2400" dirty="0"/>
                 <a:t>Remote Client</a:t>
               </a:r>
             </a:p>
@@ -7504,78 +7506,6 @@
           <a:chExt cx="0" cy="0"/>
         </a:xfrm>
       </p:grpSpPr>
-      <p:cxnSp>
-        <p:nvCxnSpPr>
-          <p:cNvPr id="2" name="Straight Arrow Connector 1"/>
-          <p:cNvCxnSpPr/>
-          <p:nvPr/>
-        </p:nvCxnSpPr>
-        <p:spPr>
-          <a:xfrm flipH="1">
-            <a:off x="3056170" y="2383446"/>
-            <a:ext cx="1" cy="1906951"/>
-          </a:xfrm>
-          <a:prstGeom prst="straightConnector1">
-            <a:avLst/>
-          </a:prstGeom>
-          <a:ln w="38100">
-            <a:solidFill>
-              <a:schemeClr val="tx1"/>
-            </a:solidFill>
-            <a:tailEnd type="triangle"/>
-          </a:ln>
-        </p:spPr>
-        <p:style>
-          <a:lnRef idx="1">
-            <a:schemeClr val="accent1"/>
-          </a:lnRef>
-          <a:fillRef idx="0">
-            <a:schemeClr val="accent1"/>
-          </a:fillRef>
-          <a:effectRef idx="0">
-            <a:schemeClr val="accent1"/>
-          </a:effectRef>
-          <a:fontRef idx="minor">
-            <a:schemeClr val="tx1"/>
-          </a:fontRef>
-        </p:style>
-      </p:cxnSp>
-      <p:cxnSp>
-        <p:nvCxnSpPr>
-          <p:cNvPr id="3" name="Straight Arrow Connector 2"/>
-          <p:cNvCxnSpPr/>
-          <p:nvPr/>
-        </p:nvCxnSpPr>
-        <p:spPr>
-          <a:xfrm flipV="1">
-            <a:off x="3681316" y="2383446"/>
-            <a:ext cx="0" cy="1906951"/>
-          </a:xfrm>
-          <a:prstGeom prst="straightConnector1">
-            <a:avLst/>
-          </a:prstGeom>
-          <a:ln w="38100">
-            <a:solidFill>
-              <a:schemeClr val="tx1"/>
-            </a:solidFill>
-            <a:tailEnd type="triangle"/>
-          </a:ln>
-        </p:spPr>
-        <p:style>
-          <a:lnRef idx="1">
-            <a:schemeClr val="accent1"/>
-          </a:lnRef>
-          <a:fillRef idx="0">
-            <a:schemeClr val="accent1"/>
-          </a:fillRef>
-          <a:effectRef idx="0">
-            <a:schemeClr val="accent1"/>
-          </a:effectRef>
-          <a:fontRef idx="minor">
-            <a:schemeClr val="tx1"/>
-          </a:fontRef>
-        </p:style>
-      </p:cxnSp>
       <p:sp>
         <p:nvSpPr>
           <p:cNvPr id="4" name="TextBox 3"/>
@@ -7583,8 +7513,8 @@
           <p:nvPr/>
         </p:nvSpPr>
         <p:spPr>
-          <a:xfrm>
-            <a:off x="2155731" y="3128384"/>
+          <a:xfrm rot="16200000">
+            <a:off x="2233202" y="3424218"/>
             <a:ext cx="900439" cy="369332"/>
           </a:xfrm>
           <a:prstGeom prst="rect">
@@ -7612,8 +7542,8 @@
           <p:nvPr/>
         </p:nvSpPr>
         <p:spPr>
-          <a:xfrm>
-            <a:off x="3681316" y="3128384"/>
+          <a:xfrm rot="16200000">
+            <a:off x="3384985" y="3411393"/>
             <a:ext cx="1037656" cy="369332"/>
           </a:xfrm>
           <a:prstGeom prst="rect">
@@ -7641,8 +7571,8 @@
           <p:nvPr/>
         </p:nvSpPr>
         <p:spPr>
-          <a:xfrm>
-            <a:off x="4718972" y="3128384"/>
+          <a:xfrm rot="16200000">
+            <a:off x="4796443" y="3424218"/>
             <a:ext cx="900439" cy="369332"/>
           </a:xfrm>
           <a:prstGeom prst="rect">
@@ -7670,8 +7600,8 @@
           <p:nvPr/>
         </p:nvSpPr>
         <p:spPr>
-          <a:xfrm>
-            <a:off x="6201794" y="3128384"/>
+          <a:xfrm rot="16200000">
+            <a:off x="5932810" y="3424218"/>
             <a:ext cx="1037656" cy="369332"/>
           </a:xfrm>
           <a:prstGeom prst="rect">
@@ -7699,8 +7629,8 @@
           <p:nvPr/>
         </p:nvSpPr>
         <p:spPr>
-          <a:xfrm>
-            <a:off x="7242055" y="3128384"/>
+          <a:xfrm rot="16200000">
+            <a:off x="7319526" y="3424218"/>
             <a:ext cx="900439" cy="369332"/>
           </a:xfrm>
           <a:prstGeom prst="rect">
@@ -7728,8 +7658,8 @@
           <p:nvPr/>
         </p:nvSpPr>
         <p:spPr>
-          <a:xfrm>
-            <a:off x="8807798" y="3128384"/>
+          <a:xfrm rot="16200000">
+            <a:off x="8507642" y="3411392"/>
             <a:ext cx="1037656" cy="369332"/>
           </a:xfrm>
           <a:prstGeom prst="rect">
@@ -7758,35 +7688,33 @@
         </p:nvSpPr>
         <p:spPr>
           <a:xfrm>
-            <a:off x="2452591" y="4290397"/>
-            <a:ext cx="1988598" cy="1349406"/>
+            <a:off x="2452590" y="4290397"/>
+            <a:ext cx="2195249" cy="900581"/>
           </a:xfrm>
           <a:prstGeom prst="rect">
             <a:avLst/>
           </a:prstGeom>
-          <a:solidFill>
-            <a:srgbClr val="FFC000"/>
-          </a:solidFill>
-          <a:ln w="28575">
-            <a:solidFill>
-              <a:schemeClr val="tx1"/>
-            </a:solidFill>
-          </a:ln>
+          <a:ln/>
+          <a:effectLst>
+            <a:outerShdw blurRad="50800" dist="38100" dir="2700000" algn="tl" rotWithShape="0">
+              <a:prstClr val="black">
+                <a:alpha val="40000"/>
+              </a:prstClr>
+            </a:outerShdw>
+          </a:effectLst>
         </p:spPr>
         <p:style>
-          <a:lnRef idx="2">
-            <a:schemeClr val="accent1">
-              <a:shade val="50000"/>
-            </a:schemeClr>
+          <a:lnRef idx="1">
+            <a:schemeClr val="accent4"/>
           </a:lnRef>
-          <a:fillRef idx="1">
-            <a:schemeClr val="accent1"/>
+          <a:fillRef idx="2">
+            <a:schemeClr val="accent4"/>
           </a:fillRef>
-          <a:effectRef idx="0">
-            <a:schemeClr val="accent1"/>
+          <a:effectRef idx="1">
+            <a:schemeClr val="accent4"/>
           </a:effectRef>
           <a:fontRef idx="minor">
-            <a:schemeClr val="lt1"/>
+            <a:schemeClr val="dk1"/>
           </a:fontRef>
         </p:style>
         <p:txBody>
@@ -7794,11 +7722,29 @@
           <a:lstStyle/>
           <a:p>
             <a:pPr algn="ctr"/>
-            <a:endParaRPr lang="en-US">
-              <a:solidFill>
-                <a:schemeClr val="bg1"/>
-              </a:solidFill>
-            </a:endParaRPr>
+            <a:r>
+              <a:rPr lang="en-US" sz="2400" dirty="0">
+                <a:solidFill>
+                  <a:schemeClr val="tx1"/>
+                </a:solidFill>
+              </a:rPr>
+              <a:t>Provider 1</a:t>
+            </a:r>
+            <a:br>
+              <a:rPr lang="en-US" sz="2400" dirty="0">
+                <a:solidFill>
+                  <a:schemeClr val="tx1"/>
+                </a:solidFill>
+              </a:rPr>
+            </a:br>
+            <a:r>
+              <a:rPr lang="en-US" sz="2400" dirty="0">
+                <a:solidFill>
+                  <a:schemeClr val="tx1"/>
+                </a:solidFill>
+              </a:rPr>
+              <a:t>AWS</a:t>
+            </a:r>
           </a:p>
         </p:txBody>
       </p:sp>
@@ -7810,35 +7756,33 @@
         </p:nvSpPr>
         <p:spPr>
           <a:xfrm>
-            <a:off x="4939818" y="4290397"/>
-            <a:ext cx="1988598" cy="1349406"/>
+            <a:off x="4939817" y="4290397"/>
+            <a:ext cx="2195249" cy="900581"/>
           </a:xfrm>
           <a:prstGeom prst="rect">
             <a:avLst/>
           </a:prstGeom>
-          <a:solidFill>
-            <a:srgbClr val="373CFB"/>
-          </a:solidFill>
-          <a:ln w="28575">
-            <a:solidFill>
-              <a:schemeClr val="tx1"/>
-            </a:solidFill>
-          </a:ln>
+          <a:ln/>
+          <a:effectLst>
+            <a:outerShdw blurRad="50800" dist="38100" dir="2700000" algn="tl" rotWithShape="0">
+              <a:prstClr val="black">
+                <a:alpha val="40000"/>
+              </a:prstClr>
+            </a:outerShdw>
+          </a:effectLst>
         </p:spPr>
         <p:style>
-          <a:lnRef idx="2">
-            <a:schemeClr val="accent1">
-              <a:shade val="50000"/>
-            </a:schemeClr>
+          <a:lnRef idx="1">
+            <a:schemeClr val="accent5"/>
           </a:lnRef>
-          <a:fillRef idx="1">
-            <a:schemeClr val="accent1"/>
+          <a:fillRef idx="2">
+            <a:schemeClr val="accent5"/>
           </a:fillRef>
-          <a:effectRef idx="0">
-            <a:schemeClr val="accent1"/>
+          <a:effectRef idx="1">
+            <a:schemeClr val="accent5"/>
           </a:effectRef>
           <a:fontRef idx="minor">
-            <a:schemeClr val="lt1"/>
+            <a:schemeClr val="dk1"/>
           </a:fontRef>
         </p:style>
         <p:txBody>
@@ -7846,11 +7790,29 @@
           <a:lstStyle/>
           <a:p>
             <a:pPr algn="ctr"/>
-            <a:endParaRPr lang="en-US">
-              <a:solidFill>
-                <a:schemeClr val="bg1"/>
-              </a:solidFill>
-            </a:endParaRPr>
+            <a:r>
+              <a:rPr lang="en-US" sz="2400" dirty="0">
+                <a:solidFill>
+                  <a:schemeClr val="tx1"/>
+                </a:solidFill>
+              </a:rPr>
+              <a:t>Provider 2</a:t>
+            </a:r>
+            <a:br>
+              <a:rPr lang="en-US" sz="2400" dirty="0">
+                <a:solidFill>
+                  <a:schemeClr val="tx1"/>
+                </a:solidFill>
+              </a:rPr>
+            </a:br>
+            <a:r>
+              <a:rPr lang="en-US" sz="2400" dirty="0">
+                <a:solidFill>
+                  <a:schemeClr val="tx1"/>
+                </a:solidFill>
+              </a:rPr>
+              <a:t>Azure</a:t>
+            </a:r>
           </a:p>
         </p:txBody>
       </p:sp>
@@ -7862,35 +7824,33 @@
         </p:nvSpPr>
         <p:spPr>
           <a:xfrm>
-            <a:off x="7427045" y="4290397"/>
-            <a:ext cx="1988598" cy="1349406"/>
+            <a:off x="7427044" y="4290397"/>
+            <a:ext cx="2195249" cy="900581"/>
           </a:xfrm>
           <a:prstGeom prst="rect">
             <a:avLst/>
           </a:prstGeom>
-          <a:solidFill>
-            <a:srgbClr val="009242"/>
-          </a:solidFill>
-          <a:ln w="28575">
-            <a:solidFill>
-              <a:schemeClr val="tx1"/>
-            </a:solidFill>
-          </a:ln>
+          <a:ln/>
+          <a:effectLst>
+            <a:outerShdw blurRad="50800" dist="38100" dir="2700000" algn="tl" rotWithShape="0">
+              <a:prstClr val="black">
+                <a:alpha val="40000"/>
+              </a:prstClr>
+            </a:outerShdw>
+          </a:effectLst>
         </p:spPr>
         <p:style>
-          <a:lnRef idx="2">
-            <a:schemeClr val="accent1">
-              <a:shade val="50000"/>
-            </a:schemeClr>
+          <a:lnRef idx="1">
+            <a:schemeClr val="accent6"/>
           </a:lnRef>
-          <a:fillRef idx="1">
-            <a:schemeClr val="accent1"/>
+          <a:fillRef idx="2">
+            <a:schemeClr val="accent6"/>
           </a:fillRef>
-          <a:effectRef idx="0">
-            <a:schemeClr val="accent1"/>
+          <a:effectRef idx="1">
+            <a:schemeClr val="accent6"/>
           </a:effectRef>
           <a:fontRef idx="minor">
-            <a:schemeClr val="lt1"/>
+            <a:schemeClr val="dk1"/>
           </a:fontRef>
         </p:style>
         <p:txBody>
@@ -7898,11 +7858,29 @@
           <a:lstStyle/>
           <a:p>
             <a:pPr algn="ctr"/>
-            <a:endParaRPr lang="en-US">
-              <a:solidFill>
-                <a:schemeClr val="bg1"/>
-              </a:solidFill>
-            </a:endParaRPr>
+            <a:r>
+              <a:rPr lang="en-US" sz="2400" dirty="0">
+                <a:solidFill>
+                  <a:schemeClr val="tx1"/>
+                </a:solidFill>
+              </a:rPr>
+              <a:t>Provider 3</a:t>
+            </a:r>
+            <a:br>
+              <a:rPr lang="en-US" sz="2400" dirty="0">
+                <a:solidFill>
+                  <a:schemeClr val="tx1"/>
+                </a:solidFill>
+              </a:rPr>
+            </a:br>
+            <a:r>
+              <a:rPr lang="en-US" sz="2400" dirty="0">
+                <a:solidFill>
+                  <a:schemeClr val="tx1"/>
+                </a:solidFill>
+              </a:rPr>
+              <a:t>Google</a:t>
+            </a:r>
           </a:p>
         </p:txBody>
       </p:sp>
@@ -7914,37 +7892,33 @@
         </p:nvSpPr>
         <p:spPr>
           <a:xfrm>
-            <a:off x="2769833" y="1433535"/>
-            <a:ext cx="6338657" cy="949911"/>
+            <a:off x="2769834" y="2067951"/>
+            <a:ext cx="6338657" cy="613758"/>
           </a:xfrm>
           <a:prstGeom prst="rect">
             <a:avLst/>
           </a:prstGeom>
-          <a:solidFill>
-            <a:schemeClr val="bg1">
-              <a:lumMod val="75000"/>
-            </a:schemeClr>
-          </a:solidFill>
-          <a:ln w="28575">
-            <a:solidFill>
-              <a:schemeClr val="tx1"/>
-            </a:solidFill>
-          </a:ln>
+          <a:ln/>
+          <a:effectLst>
+            <a:outerShdw blurRad="50800" dist="38100" dir="2700000" algn="tl" rotWithShape="0">
+              <a:prstClr val="black">
+                <a:alpha val="40000"/>
+              </a:prstClr>
+            </a:outerShdw>
+          </a:effectLst>
         </p:spPr>
         <p:style>
-          <a:lnRef idx="2">
-            <a:schemeClr val="accent1">
-              <a:shade val="50000"/>
-            </a:schemeClr>
+          <a:lnRef idx="1">
+            <a:schemeClr val="accent3"/>
           </a:lnRef>
-          <a:fillRef idx="1">
-            <a:schemeClr val="accent1"/>
+          <a:fillRef idx="2">
+            <a:schemeClr val="accent3"/>
           </a:fillRef>
-          <a:effectRef idx="0">
-            <a:schemeClr val="accent1"/>
+          <a:effectRef idx="1">
+            <a:schemeClr val="accent3"/>
           </a:effectRef>
           <a:fontRef idx="minor">
-            <a:schemeClr val="lt1"/>
+            <a:schemeClr val="dk1"/>
           </a:fontRef>
         </p:style>
         <p:txBody>
@@ -7952,426 +7926,266 @@
           <a:lstStyle/>
           <a:p>
             <a:pPr algn="ctr"/>
-            <a:endParaRPr lang="en-US"/>
+            <a:r>
+              <a:rPr lang="en-US" sz="2400" dirty="0">
+                <a:solidFill>
+                  <a:schemeClr val="tx1"/>
+                </a:solidFill>
+              </a:rPr>
+              <a:t>Remote Client</a:t>
+            </a:r>
           </a:p>
         </p:txBody>
       </p:sp>
-      <p:sp>
-        <p:nvSpPr>
-          <p:cNvPr id="37" name="TextBox 36"/>
-          <p:cNvSpPr txBox="1"/>
+      <p:grpSp>
+        <p:nvGrpSpPr>
+          <p:cNvPr id="13" name="Group 12">
+            <a:extLst>
+              <a:ext uri="{FF2B5EF4-FFF2-40B4-BE49-F238E27FC236}">
+                <a16:creationId xmlns:a16="http://schemas.microsoft.com/office/drawing/2014/main" id="{B2A24A3C-CC12-F44F-A620-76B047FFAB9D}"/>
+              </a:ext>
+            </a:extLst>
+          </p:cNvPr>
+          <p:cNvGrpSpPr/>
           <p:nvPr/>
-        </p:nvSpPr>
-        <p:spPr>
+        </p:nvGrpSpPr>
+        <p:grpSpPr>
           <a:xfrm>
-            <a:off x="5156209" y="1723824"/>
-            <a:ext cx="1834859" cy="369332"/>
+            <a:off x="3056170" y="2715065"/>
+            <a:ext cx="5730104" cy="1584803"/>
+            <a:chOff x="3056170" y="2383445"/>
+            <a:chExt cx="5730104" cy="1916423"/>
           </a:xfrm>
-          <a:prstGeom prst="rect">
-            <a:avLst/>
-          </a:prstGeom>
-          <a:noFill/>
-          <a:ln>
-            <a:noFill/>
-          </a:ln>
-        </p:spPr>
-        <p:txBody>
-          <a:bodyPr wrap="square" rtlCol="0">
-            <a:spAutoFit/>
-          </a:bodyPr>
-          <a:lstStyle/>
-          <a:p>
-            <a:r>
-              <a:rPr lang="en-US" dirty="0"/>
-              <a:t>Remote Client</a:t>
-            </a:r>
-          </a:p>
-        </p:txBody>
-      </p:sp>
-      <p:sp>
-        <p:nvSpPr>
-          <p:cNvPr id="39" name="TextBox 38"/>
-          <p:cNvSpPr txBox="1"/>
-          <p:nvPr/>
-        </p:nvSpPr>
-        <p:spPr>
-          <a:xfrm>
-            <a:off x="5316267" y="4481337"/>
-            <a:ext cx="1240976" cy="923330"/>
-          </a:xfrm>
-          <a:prstGeom prst="rect">
-            <a:avLst/>
-          </a:prstGeom>
-          <a:noFill/>
-          <a:ln>
-            <a:noFill/>
-          </a:ln>
-        </p:spPr>
-        <p:txBody>
-          <a:bodyPr wrap="square" rtlCol="0">
-            <a:spAutoFit/>
-          </a:bodyPr>
-          <a:lstStyle/>
-          <a:p>
-            <a:pPr algn="ctr"/>
-            <a:r>
-              <a:rPr lang="en-US" dirty="0">
-                <a:solidFill>
-                  <a:schemeClr val="bg1"/>
-                </a:solidFill>
-              </a:rPr>
-              <a:t>Provider 2</a:t>
-            </a:r>
-            <a:br>
-              <a:rPr lang="en-US" dirty="0">
-                <a:solidFill>
-                  <a:schemeClr val="bg1"/>
-                </a:solidFill>
-              </a:rPr>
-            </a:br>
-            <a:r>
-              <a:rPr lang="en-US" dirty="0">
-                <a:solidFill>
-                  <a:schemeClr val="bg1"/>
-                </a:solidFill>
-              </a:rPr>
-              <a:t>Azure </a:t>
-            </a:r>
-            <a:r>
-              <a:rPr lang="en-US" dirty="0">
-                <a:solidFill>
-                  <a:schemeClr val="bg1"/>
-                </a:solidFill>
-              </a:rPr>
-              <a:t>VM</a:t>
-            </a:r>
-            <a:br>
-              <a:rPr lang="en-US" dirty="0">
-                <a:solidFill>
-                  <a:schemeClr val="bg1"/>
-                </a:solidFill>
-              </a:rPr>
-            </a:br>
-            <a:r>
-              <a:rPr lang="en-US" dirty="0">
-                <a:solidFill>
-                  <a:schemeClr val="bg1"/>
-                </a:solidFill>
-              </a:rPr>
-              <a:t>AI Service</a:t>
-            </a:r>
-            <a:endParaRPr lang="en-US" dirty="0">
+        </p:grpSpPr>
+        <p:cxnSp>
+          <p:nvCxnSpPr>
+            <p:cNvPr id="2" name="Straight Arrow Connector 1"/>
+            <p:cNvCxnSpPr>
+              <a:cxnSpLocks/>
+            </p:cNvCxnSpPr>
+            <p:nvPr/>
+          </p:nvCxnSpPr>
+          <p:spPr>
+            <a:xfrm flipH="1">
+              <a:off x="3056170" y="2383446"/>
+              <a:ext cx="1" cy="1906951"/>
+            </a:xfrm>
+            <a:prstGeom prst="straightConnector1">
+              <a:avLst/>
+            </a:prstGeom>
+            <a:ln w="38100">
               <a:solidFill>
-                <a:schemeClr val="bg1"/>
+                <a:schemeClr val="tx1"/>
               </a:solidFill>
-            </a:endParaRPr>
-          </a:p>
-        </p:txBody>
-      </p:sp>
-      <p:cxnSp>
-        <p:nvCxnSpPr>
-          <p:cNvPr id="54" name="Straight Arrow Connector 53"/>
-          <p:cNvCxnSpPr/>
-          <p:nvPr/>
-        </p:nvCxnSpPr>
-        <p:spPr>
-          <a:xfrm flipH="1">
-            <a:off x="5619409" y="2383445"/>
-            <a:ext cx="1" cy="1906951"/>
-          </a:xfrm>
-          <a:prstGeom prst="straightConnector1">
-            <a:avLst/>
-          </a:prstGeom>
-          <a:ln w="38100">
-            <a:solidFill>
+              <a:tailEnd type="triangle"/>
+            </a:ln>
+          </p:spPr>
+          <p:style>
+            <a:lnRef idx="1">
+              <a:schemeClr val="accent1"/>
+            </a:lnRef>
+            <a:fillRef idx="0">
+              <a:schemeClr val="accent1"/>
+            </a:fillRef>
+            <a:effectRef idx="0">
+              <a:schemeClr val="accent1"/>
+            </a:effectRef>
+            <a:fontRef idx="minor">
               <a:schemeClr val="tx1"/>
-            </a:solidFill>
-            <a:tailEnd type="triangle"/>
-          </a:ln>
-        </p:spPr>
-        <p:style>
-          <a:lnRef idx="1">
-            <a:schemeClr val="accent1"/>
-          </a:lnRef>
-          <a:fillRef idx="0">
-            <a:schemeClr val="accent1"/>
-          </a:fillRef>
-          <a:effectRef idx="0">
-            <a:schemeClr val="accent1"/>
-          </a:effectRef>
-          <a:fontRef idx="minor">
-            <a:schemeClr val="tx1"/>
-          </a:fontRef>
-        </p:style>
-      </p:cxnSp>
-      <p:cxnSp>
-        <p:nvCxnSpPr>
-          <p:cNvPr id="55" name="Straight Arrow Connector 54"/>
-          <p:cNvCxnSpPr/>
-          <p:nvPr/>
-        </p:nvCxnSpPr>
-        <p:spPr>
-          <a:xfrm flipV="1">
-            <a:off x="6244555" y="2383445"/>
-            <a:ext cx="0" cy="1906951"/>
-          </a:xfrm>
-          <a:prstGeom prst="straightConnector1">
-            <a:avLst/>
-          </a:prstGeom>
-          <a:ln w="38100">
-            <a:solidFill>
+            </a:fontRef>
+          </p:style>
+        </p:cxnSp>
+        <p:cxnSp>
+          <p:nvCxnSpPr>
+            <p:cNvPr id="3" name="Straight Arrow Connector 2"/>
+            <p:cNvCxnSpPr>
+              <a:cxnSpLocks/>
+            </p:cNvCxnSpPr>
+            <p:nvPr/>
+          </p:nvCxnSpPr>
+          <p:spPr>
+            <a:xfrm flipV="1">
+              <a:off x="3681316" y="2383446"/>
+              <a:ext cx="0" cy="1906951"/>
+            </a:xfrm>
+            <a:prstGeom prst="straightConnector1">
+              <a:avLst/>
+            </a:prstGeom>
+            <a:ln w="38100">
+              <a:solidFill>
+                <a:schemeClr val="tx1"/>
+              </a:solidFill>
+              <a:tailEnd type="triangle"/>
+            </a:ln>
+          </p:spPr>
+          <p:style>
+            <a:lnRef idx="1">
+              <a:schemeClr val="accent1"/>
+            </a:lnRef>
+            <a:fillRef idx="0">
+              <a:schemeClr val="accent1"/>
+            </a:fillRef>
+            <a:effectRef idx="0">
+              <a:schemeClr val="accent1"/>
+            </a:effectRef>
+            <a:fontRef idx="minor">
               <a:schemeClr val="tx1"/>
-            </a:solidFill>
-            <a:tailEnd type="triangle"/>
-          </a:ln>
-        </p:spPr>
-        <p:style>
-          <a:lnRef idx="1">
-            <a:schemeClr val="accent1"/>
-          </a:lnRef>
-          <a:fillRef idx="0">
-            <a:schemeClr val="accent1"/>
-          </a:fillRef>
-          <a:effectRef idx="0">
-            <a:schemeClr val="accent1"/>
-          </a:effectRef>
-          <a:fontRef idx="minor">
-            <a:schemeClr val="tx1"/>
-          </a:fontRef>
-        </p:style>
-      </p:cxnSp>
-      <p:cxnSp>
-        <p:nvCxnSpPr>
-          <p:cNvPr id="56" name="Straight Arrow Connector 55"/>
-          <p:cNvCxnSpPr/>
-          <p:nvPr/>
-        </p:nvCxnSpPr>
-        <p:spPr>
-          <a:xfrm flipH="1">
-            <a:off x="8161128" y="2392917"/>
-            <a:ext cx="1" cy="1906951"/>
-          </a:xfrm>
-          <a:prstGeom prst="straightConnector1">
-            <a:avLst/>
-          </a:prstGeom>
-          <a:ln w="38100">
-            <a:solidFill>
+            </a:fontRef>
+          </p:style>
+        </p:cxnSp>
+        <p:cxnSp>
+          <p:nvCxnSpPr>
+            <p:cNvPr id="54" name="Straight Arrow Connector 53"/>
+            <p:cNvCxnSpPr>
+              <a:cxnSpLocks/>
+            </p:cNvCxnSpPr>
+            <p:nvPr/>
+          </p:nvCxnSpPr>
+          <p:spPr>
+            <a:xfrm flipH="1">
+              <a:off x="5619409" y="2383445"/>
+              <a:ext cx="1" cy="1906951"/>
+            </a:xfrm>
+            <a:prstGeom prst="straightConnector1">
+              <a:avLst/>
+            </a:prstGeom>
+            <a:ln w="38100">
+              <a:solidFill>
+                <a:schemeClr val="tx1"/>
+              </a:solidFill>
+              <a:tailEnd type="triangle"/>
+            </a:ln>
+          </p:spPr>
+          <p:style>
+            <a:lnRef idx="1">
+              <a:schemeClr val="accent1"/>
+            </a:lnRef>
+            <a:fillRef idx="0">
+              <a:schemeClr val="accent1"/>
+            </a:fillRef>
+            <a:effectRef idx="0">
+              <a:schemeClr val="accent1"/>
+            </a:effectRef>
+            <a:fontRef idx="minor">
               <a:schemeClr val="tx1"/>
-            </a:solidFill>
-            <a:tailEnd type="triangle"/>
-          </a:ln>
-        </p:spPr>
-        <p:style>
-          <a:lnRef idx="1">
-            <a:schemeClr val="accent1"/>
-          </a:lnRef>
-          <a:fillRef idx="0">
-            <a:schemeClr val="accent1"/>
-          </a:fillRef>
-          <a:effectRef idx="0">
-            <a:schemeClr val="accent1"/>
-          </a:effectRef>
-          <a:fontRef idx="minor">
-            <a:schemeClr val="tx1"/>
-          </a:fontRef>
-        </p:style>
-      </p:cxnSp>
-      <p:cxnSp>
-        <p:nvCxnSpPr>
-          <p:cNvPr id="57" name="Straight Arrow Connector 56"/>
-          <p:cNvCxnSpPr/>
-          <p:nvPr/>
-        </p:nvCxnSpPr>
-        <p:spPr>
-          <a:xfrm flipV="1">
-            <a:off x="8786274" y="2392917"/>
-            <a:ext cx="0" cy="1906951"/>
-          </a:xfrm>
-          <a:prstGeom prst="straightConnector1">
-            <a:avLst/>
-          </a:prstGeom>
-          <a:ln w="38100">
-            <a:solidFill>
+            </a:fontRef>
+          </p:style>
+        </p:cxnSp>
+        <p:cxnSp>
+          <p:nvCxnSpPr>
+            <p:cNvPr id="55" name="Straight Arrow Connector 54"/>
+            <p:cNvCxnSpPr>
+              <a:cxnSpLocks/>
+            </p:cNvCxnSpPr>
+            <p:nvPr/>
+          </p:nvCxnSpPr>
+          <p:spPr>
+            <a:xfrm flipV="1">
+              <a:off x="6244555" y="2383445"/>
+              <a:ext cx="0" cy="1906951"/>
+            </a:xfrm>
+            <a:prstGeom prst="straightConnector1">
+              <a:avLst/>
+            </a:prstGeom>
+            <a:ln w="38100">
+              <a:solidFill>
+                <a:schemeClr val="tx1"/>
+              </a:solidFill>
+              <a:tailEnd type="triangle"/>
+            </a:ln>
+          </p:spPr>
+          <p:style>
+            <a:lnRef idx="1">
+              <a:schemeClr val="accent1"/>
+            </a:lnRef>
+            <a:fillRef idx="0">
+              <a:schemeClr val="accent1"/>
+            </a:fillRef>
+            <a:effectRef idx="0">
+              <a:schemeClr val="accent1"/>
+            </a:effectRef>
+            <a:fontRef idx="minor">
               <a:schemeClr val="tx1"/>
-            </a:solidFill>
-            <a:tailEnd type="triangle"/>
-          </a:ln>
-        </p:spPr>
-        <p:style>
-          <a:lnRef idx="1">
-            <a:schemeClr val="accent1"/>
-          </a:lnRef>
-          <a:fillRef idx="0">
-            <a:schemeClr val="accent1"/>
-          </a:fillRef>
-          <a:effectRef idx="0">
-            <a:schemeClr val="accent1"/>
-          </a:effectRef>
-          <a:fontRef idx="minor">
-            <a:schemeClr val="tx1"/>
-          </a:fontRef>
-        </p:style>
-      </p:cxnSp>
-      <p:sp>
-        <p:nvSpPr>
-          <p:cNvPr id="61" name="TextBox 60"/>
-          <p:cNvSpPr txBox="1"/>
-          <p:nvPr/>
-        </p:nvSpPr>
-        <p:spPr>
-          <a:xfrm>
-            <a:off x="7800856" y="4481337"/>
-            <a:ext cx="1240976" cy="923330"/>
-          </a:xfrm>
-          <a:prstGeom prst="rect">
-            <a:avLst/>
-          </a:prstGeom>
-          <a:noFill/>
-          <a:ln>
-            <a:noFill/>
-          </a:ln>
-        </p:spPr>
-        <p:txBody>
-          <a:bodyPr wrap="square" rtlCol="0">
-            <a:spAutoFit/>
-          </a:bodyPr>
-          <a:lstStyle/>
-          <a:p>
-            <a:pPr algn="ctr"/>
-            <a:r>
-              <a:rPr lang="en-US" dirty="0">
-                <a:solidFill>
-                  <a:schemeClr val="bg1"/>
-                </a:solidFill>
-              </a:rPr>
-              <a:t>Provider 3</a:t>
-            </a:r>
-            <a:br>
-              <a:rPr lang="en-US" dirty="0">
-                <a:solidFill>
-                  <a:schemeClr val="bg1"/>
-                </a:solidFill>
-              </a:rPr>
-            </a:br>
-            <a:r>
-              <a:rPr lang="en-US" dirty="0">
-                <a:solidFill>
-                  <a:schemeClr val="bg1"/>
-                </a:solidFill>
-              </a:rPr>
-              <a:t>Google </a:t>
-            </a:r>
-            <a:r>
-              <a:rPr lang="en-US" dirty="0">
-                <a:solidFill>
-                  <a:schemeClr val="bg1"/>
-                </a:solidFill>
-              </a:rPr>
-              <a:t>VM</a:t>
-            </a:r>
-            <a:br>
-              <a:rPr lang="en-US" dirty="0">
-                <a:solidFill>
-                  <a:schemeClr val="bg1"/>
-                </a:solidFill>
-              </a:rPr>
-            </a:br>
-            <a:r>
-              <a:rPr lang="en-US" dirty="0">
-                <a:solidFill>
-                  <a:schemeClr val="bg1"/>
-                </a:solidFill>
-              </a:rPr>
-              <a:t>AI Service</a:t>
-            </a:r>
-            <a:endParaRPr lang="en-US" dirty="0">
+            </a:fontRef>
+          </p:style>
+        </p:cxnSp>
+        <p:cxnSp>
+          <p:nvCxnSpPr>
+            <p:cNvPr id="56" name="Straight Arrow Connector 55"/>
+            <p:cNvCxnSpPr>
+              <a:cxnSpLocks/>
+            </p:cNvCxnSpPr>
+            <p:nvPr/>
+          </p:nvCxnSpPr>
+          <p:spPr>
+            <a:xfrm flipH="1">
+              <a:off x="8161128" y="2392917"/>
+              <a:ext cx="1" cy="1906951"/>
+            </a:xfrm>
+            <a:prstGeom prst="straightConnector1">
+              <a:avLst/>
+            </a:prstGeom>
+            <a:ln w="38100">
               <a:solidFill>
-                <a:schemeClr val="bg1"/>
+                <a:schemeClr val="tx1"/>
               </a:solidFill>
-            </a:endParaRPr>
-          </a:p>
-        </p:txBody>
-      </p:sp>
-      <p:sp>
-        <p:nvSpPr>
-          <p:cNvPr id="62" name="TextBox 61"/>
-          <p:cNvSpPr txBox="1"/>
-          <p:nvPr/>
-        </p:nvSpPr>
-        <p:spPr>
-          <a:xfrm>
-            <a:off x="2829040" y="4503435"/>
-            <a:ext cx="1240976" cy="923330"/>
-          </a:xfrm>
-          <a:prstGeom prst="rect">
-            <a:avLst/>
-          </a:prstGeom>
-          <a:noFill/>
-          <a:ln>
-            <a:noFill/>
-          </a:ln>
-        </p:spPr>
-        <p:txBody>
-          <a:bodyPr wrap="square" rtlCol="0">
-            <a:spAutoFit/>
-          </a:bodyPr>
-          <a:lstStyle/>
-          <a:p>
-            <a:pPr algn="ctr"/>
-            <a:r>
-              <a:rPr lang="en-US" dirty="0">
-                <a:solidFill>
-                  <a:schemeClr val="bg1"/>
-                </a:solidFill>
-              </a:rPr>
-              <a:t>Provider 1</a:t>
-            </a:r>
-            <a:br>
-              <a:rPr lang="en-US" dirty="0">
-                <a:solidFill>
-                  <a:schemeClr val="bg1"/>
-                </a:solidFill>
-              </a:rPr>
-            </a:br>
-            <a:r>
-              <a:rPr lang="en-US" dirty="0">
-                <a:solidFill>
-                  <a:schemeClr val="bg1"/>
-                </a:solidFill>
-              </a:rPr>
-              <a:t>AWS </a:t>
-            </a:r>
-            <a:r>
-              <a:rPr lang="en-US" dirty="0">
-                <a:solidFill>
-                  <a:schemeClr val="bg1"/>
-                </a:solidFill>
-              </a:rPr>
-              <a:t>VM</a:t>
-            </a:r>
-            <a:br>
-              <a:rPr lang="en-US" dirty="0">
-                <a:solidFill>
-                  <a:schemeClr val="bg1"/>
-                </a:solidFill>
-              </a:rPr>
-            </a:br>
-            <a:r>
-              <a:rPr lang="en-US" dirty="0">
-                <a:solidFill>
-                  <a:schemeClr val="bg1"/>
-                </a:solidFill>
-              </a:rPr>
-              <a:t>AI Service</a:t>
-            </a:r>
-            <a:endParaRPr lang="en-US" dirty="0">
+              <a:tailEnd type="triangle"/>
+            </a:ln>
+          </p:spPr>
+          <p:style>
+            <a:lnRef idx="1">
+              <a:schemeClr val="accent1"/>
+            </a:lnRef>
+            <a:fillRef idx="0">
+              <a:schemeClr val="accent1"/>
+            </a:fillRef>
+            <a:effectRef idx="0">
+              <a:schemeClr val="accent1"/>
+            </a:effectRef>
+            <a:fontRef idx="minor">
+              <a:schemeClr val="tx1"/>
+            </a:fontRef>
+          </p:style>
+        </p:cxnSp>
+        <p:cxnSp>
+          <p:nvCxnSpPr>
+            <p:cNvPr id="57" name="Straight Arrow Connector 56"/>
+            <p:cNvCxnSpPr>
+              <a:cxnSpLocks/>
+            </p:cNvCxnSpPr>
+            <p:nvPr/>
+          </p:nvCxnSpPr>
+          <p:spPr>
+            <a:xfrm flipV="1">
+              <a:off x="8786274" y="2392917"/>
+              <a:ext cx="0" cy="1906951"/>
+            </a:xfrm>
+            <a:prstGeom prst="straightConnector1">
+              <a:avLst/>
+            </a:prstGeom>
+            <a:ln w="38100">
               <a:solidFill>
-                <a:schemeClr val="bg1"/>
+                <a:schemeClr val="tx1"/>
               </a:solidFill>
-            </a:endParaRPr>
-          </a:p>
-        </p:txBody>
-      </p:sp>
+              <a:tailEnd type="triangle"/>
+            </a:ln>
+          </p:spPr>
+          <p:style>
+            <a:lnRef idx="1">
+              <a:schemeClr val="accent1"/>
+            </a:lnRef>
+            <a:fillRef idx="0">
+              <a:schemeClr val="accent1"/>
+            </a:fillRef>
+            <a:effectRef idx="0">
+              <a:schemeClr val="accent1"/>
+            </a:effectRef>
+            <a:fontRef idx="minor">
+              <a:schemeClr val="tx1"/>
+            </a:fontRef>
+          </p:style>
+        </p:cxnSp>
+      </p:grpSp>
     </p:spTree>
     <p:extLst>
       <p:ext uri="{BB962C8B-B14F-4D97-AF65-F5344CB8AC3E}">

--- a/paper/images/architecture-openapi.pptx
+++ b/paper/images/architecture-openapi.pptx
@@ -6192,7 +6192,7 @@
           <p:nvPr>
             <p:extLst>
               <p:ext uri="{D42A27DB-BD31-4B8C-83A1-F6EECF244321}">
-                <p14:modId xmlns:p14="http://schemas.microsoft.com/office/powerpoint/2010/main" val="1775732394"/>
+                <p14:modId xmlns:p14="http://schemas.microsoft.com/office/powerpoint/2010/main" val="2401374800"/>
               </p:ext>
             </p:extLst>
           </p:nvPr>
@@ -6723,56 +6723,38 @@
           </a:fontRef>
         </p:style>
         <p:txBody>
-          <a:bodyPr rtlCol="0" anchor="ctr"/>
+          <a:bodyPr rtlCol="0" anchor="t"/>
           <a:lstStyle/>
           <a:p>
-            <a:pPr algn="ctr"/>
-            <a:endParaRPr lang="en-US">
+            <a:r>
+              <a:rPr lang="en-US" dirty="0" err="1">
+                <a:solidFill>
+                  <a:schemeClr val="tx1"/>
+                </a:solidFill>
+              </a:rPr>
+              <a:t>Cloudmesh</a:t>
+            </a:r>
+            <a:r>
+              <a:rPr lang="en-US" dirty="0">
+                <a:solidFill>
+                  <a:schemeClr val="tx1"/>
+                </a:solidFill>
+              </a:rPr>
+              <a:t> </a:t>
+            </a:r>
+            <a:r>
+              <a:rPr lang="en-US" dirty="0" err="1">
+                <a:solidFill>
+                  <a:schemeClr val="tx1"/>
+                </a:solidFill>
+              </a:rPr>
+              <a:t>OpenAPI</a:t>
+            </a:r>
+            <a:endParaRPr lang="en-US" dirty="0">
               <a:solidFill>
                 <a:schemeClr val="tx1"/>
               </a:solidFill>
             </a:endParaRPr>
-          </a:p>
-        </p:txBody>
-      </p:sp>
-      <p:sp>
-        <p:nvSpPr>
-          <p:cNvPr id="21" name="TextBox 20"/>
-          <p:cNvSpPr txBox="1"/>
-          <p:nvPr/>
-        </p:nvSpPr>
-        <p:spPr>
-          <a:xfrm>
-            <a:off x="2839868" y="2426523"/>
-            <a:ext cx="2157273" cy="369332"/>
-          </a:xfrm>
-          <a:prstGeom prst="rect">
-            <a:avLst/>
-          </a:prstGeom>
-          <a:noFill/>
-          <a:ln>
-            <a:noFill/>
-          </a:ln>
-        </p:spPr>
-        <p:txBody>
-          <a:bodyPr wrap="square" rtlCol="0">
-            <a:spAutoFit/>
-          </a:bodyPr>
-          <a:lstStyle/>
-          <a:p>
-            <a:r>
-              <a:rPr lang="en-US" dirty="0" err="1"/>
-              <a:t>Cloudmesh</a:t>
-            </a:r>
-            <a:r>
-              <a:rPr lang="en-US" dirty="0"/>
-              <a:t> </a:t>
-            </a:r>
-            <a:r>
-              <a:rPr lang="en-US" dirty="0" err="1"/>
-              <a:t>OpenAPI</a:t>
-            </a:r>
-            <a:endParaRPr lang="en-US" dirty="0"/>
           </a:p>
         </p:txBody>
       </p:sp>
@@ -6821,48 +6803,24 @@
           </a:fontRef>
         </p:style>
         <p:txBody>
-          <a:bodyPr rtlCol="0" anchor="ctr"/>
+          <a:bodyPr rtlCol="0" anchor="t"/>
           <a:lstStyle/>
           <a:p>
-            <a:pPr algn="ctr"/>
-            <a:endParaRPr lang="en-US">
+            <a:r>
+              <a:rPr lang="en-US" dirty="0">
+                <a:solidFill>
+                  <a:schemeClr val="tx1"/>
+                </a:solidFill>
+              </a:rPr>
+              <a:t>Cloud Hosted Virtual Machine</a:t>
+            </a:r>
+          </a:p>
+          <a:p>
+            <a:endParaRPr lang="en-US" dirty="0">
               <a:solidFill>
                 <a:schemeClr val="tx1"/>
               </a:solidFill>
             </a:endParaRPr>
-          </a:p>
-        </p:txBody>
-      </p:sp>
-      <p:sp>
-        <p:nvSpPr>
-          <p:cNvPr id="23" name="TextBox 22"/>
-          <p:cNvSpPr txBox="1"/>
-          <p:nvPr/>
-        </p:nvSpPr>
-        <p:spPr>
-          <a:xfrm>
-            <a:off x="2496782" y="1972390"/>
-            <a:ext cx="3105027" cy="369332"/>
-          </a:xfrm>
-          <a:prstGeom prst="rect">
-            <a:avLst/>
-          </a:prstGeom>
-          <a:noFill/>
-          <a:ln>
-            <a:noFill/>
-          </a:ln>
-          <a:effectLst/>
-        </p:spPr>
-        <p:txBody>
-          <a:bodyPr wrap="square" rtlCol="0">
-            <a:spAutoFit/>
-          </a:bodyPr>
-          <a:lstStyle/>
-          <a:p>
-            <a:r>
-              <a:rPr lang="en-US" dirty="0"/>
-              <a:t>Cloud Hosted Virtual Machine</a:t>
-            </a:r>
           </a:p>
         </p:txBody>
       </p:sp>

--- a/paper/images/architecture-openapi.pptx
+++ b/paper/images/architecture-openapi.pptx
@@ -7,6 +7,7 @@
   <p:sldIdLst>
     <p:sldId id="257" r:id="rId2"/>
     <p:sldId id="258" r:id="rId3"/>
+    <p:sldId id="259" r:id="rId4"/>
   </p:sldIdLst>
   <p:sldSz cx="12192000" cy="6858000"/>
   <p:notesSz cx="6858000" cy="9144000"/>
@@ -1032,6 +1033,813 @@
 </dgm:colorsDef>
 </file>
 
+<file path=ppt/diagrams/colors2.xml><?xml version="1.0" encoding="utf-8"?>
+<dgm:colorsDef xmlns:dgm="http://schemas.openxmlformats.org/drawingml/2006/diagram" xmlns:a="http://schemas.openxmlformats.org/drawingml/2006/main" uniqueId="urn:microsoft.com/office/officeart/2005/8/colors/accent0_1">
+  <dgm:title val=""/>
+  <dgm:desc val=""/>
+  <dgm:catLst>
+    <dgm:cat type="mainScheme" pri="10100"/>
+  </dgm:catLst>
+  <dgm:styleLbl name="node0">
+    <dgm:fillClrLst meth="repeat">
+      <a:schemeClr val="lt1"/>
+    </dgm:fillClrLst>
+    <dgm:linClrLst meth="repeat">
+      <a:schemeClr val="dk1">
+        <a:shade val="80000"/>
+      </a:schemeClr>
+    </dgm:linClrLst>
+    <dgm:effectClrLst/>
+    <dgm:txLinClrLst/>
+    <dgm:txFillClrLst meth="repeat">
+      <a:schemeClr val="dk1"/>
+    </dgm:txFillClrLst>
+    <dgm:txEffectClrLst/>
+  </dgm:styleLbl>
+  <dgm:styleLbl name="node1">
+    <dgm:fillClrLst meth="repeat">
+      <a:schemeClr val="lt1"/>
+    </dgm:fillClrLst>
+    <dgm:linClrLst meth="repeat">
+      <a:schemeClr val="dk1">
+        <a:shade val="80000"/>
+      </a:schemeClr>
+    </dgm:linClrLst>
+    <dgm:effectClrLst/>
+    <dgm:txLinClrLst/>
+    <dgm:txFillClrLst meth="repeat">
+      <a:schemeClr val="dk1"/>
+    </dgm:txFillClrLst>
+    <dgm:txEffectClrLst/>
+  </dgm:styleLbl>
+  <dgm:styleLbl name="alignNode1">
+    <dgm:fillClrLst meth="repeat">
+      <a:schemeClr val="lt1"/>
+    </dgm:fillClrLst>
+    <dgm:linClrLst meth="repeat">
+      <a:schemeClr val="dk1">
+        <a:shade val="80000"/>
+      </a:schemeClr>
+    </dgm:linClrLst>
+    <dgm:effectClrLst/>
+    <dgm:txLinClrLst/>
+    <dgm:txFillClrLst meth="repeat">
+      <a:schemeClr val="dk1"/>
+    </dgm:txFillClrLst>
+    <dgm:txEffectClrLst/>
+  </dgm:styleLbl>
+  <dgm:styleLbl name="lnNode1">
+    <dgm:fillClrLst meth="repeat">
+      <a:schemeClr val="lt1"/>
+    </dgm:fillClrLst>
+    <dgm:linClrLst meth="repeat">
+      <a:schemeClr val="dk1">
+        <a:shade val="80000"/>
+      </a:schemeClr>
+    </dgm:linClrLst>
+    <dgm:effectClrLst/>
+    <dgm:txLinClrLst/>
+    <dgm:txFillClrLst meth="repeat">
+      <a:schemeClr val="dk1"/>
+    </dgm:txFillClrLst>
+    <dgm:txEffectClrLst/>
+  </dgm:styleLbl>
+  <dgm:styleLbl name="vennNode1">
+    <dgm:fillClrLst meth="repeat">
+      <a:schemeClr val="lt1">
+        <a:alpha val="50000"/>
+      </a:schemeClr>
+    </dgm:fillClrLst>
+    <dgm:linClrLst meth="repeat">
+      <a:schemeClr val="dk1">
+        <a:shade val="80000"/>
+      </a:schemeClr>
+    </dgm:linClrLst>
+    <dgm:effectClrLst/>
+    <dgm:txLinClrLst/>
+    <dgm:txFillClrLst/>
+    <dgm:txEffectClrLst/>
+  </dgm:styleLbl>
+  <dgm:styleLbl name="node2">
+    <dgm:fillClrLst meth="repeat">
+      <a:schemeClr val="lt1"/>
+    </dgm:fillClrLst>
+    <dgm:linClrLst meth="repeat">
+      <a:schemeClr val="dk1">
+        <a:shade val="80000"/>
+      </a:schemeClr>
+    </dgm:linClrLst>
+    <dgm:effectClrLst/>
+    <dgm:txLinClrLst/>
+    <dgm:txFillClrLst meth="repeat">
+      <a:schemeClr val="dk1"/>
+    </dgm:txFillClrLst>
+    <dgm:txEffectClrLst/>
+  </dgm:styleLbl>
+  <dgm:styleLbl name="node3">
+    <dgm:fillClrLst meth="repeat">
+      <a:schemeClr val="lt1"/>
+    </dgm:fillClrLst>
+    <dgm:linClrLst meth="repeat">
+      <a:schemeClr val="dk1">
+        <a:shade val="80000"/>
+      </a:schemeClr>
+    </dgm:linClrLst>
+    <dgm:effectClrLst/>
+    <dgm:txLinClrLst/>
+    <dgm:txFillClrLst meth="repeat">
+      <a:schemeClr val="dk1"/>
+    </dgm:txFillClrLst>
+    <dgm:txEffectClrLst/>
+  </dgm:styleLbl>
+  <dgm:styleLbl name="node4">
+    <dgm:fillClrLst meth="repeat">
+      <a:schemeClr val="lt1"/>
+    </dgm:fillClrLst>
+    <dgm:linClrLst meth="repeat">
+      <a:schemeClr val="dk1">
+        <a:shade val="80000"/>
+      </a:schemeClr>
+    </dgm:linClrLst>
+    <dgm:effectClrLst/>
+    <dgm:txLinClrLst/>
+    <dgm:txFillClrLst meth="repeat">
+      <a:schemeClr val="dk1"/>
+    </dgm:txFillClrLst>
+    <dgm:txEffectClrLst/>
+  </dgm:styleLbl>
+  <dgm:styleLbl name="fgImgPlace1">
+    <dgm:fillClrLst meth="repeat">
+      <a:schemeClr val="dk1">
+        <a:tint val="40000"/>
+      </a:schemeClr>
+    </dgm:fillClrLst>
+    <dgm:linClrLst meth="repeat">
+      <a:schemeClr val="dk1">
+        <a:shade val="80000"/>
+      </a:schemeClr>
+    </dgm:linClrLst>
+    <dgm:effectClrLst/>
+    <dgm:txLinClrLst/>
+    <dgm:txFillClrLst meth="repeat">
+      <a:schemeClr val="lt1"/>
+    </dgm:txFillClrLst>
+    <dgm:txEffectClrLst/>
+  </dgm:styleLbl>
+  <dgm:styleLbl name="alignImgPlace1">
+    <dgm:fillClrLst meth="repeat">
+      <a:schemeClr val="dk1">
+        <a:tint val="40000"/>
+      </a:schemeClr>
+    </dgm:fillClrLst>
+    <dgm:linClrLst meth="repeat">
+      <a:schemeClr val="dk1">
+        <a:shade val="80000"/>
+      </a:schemeClr>
+    </dgm:linClrLst>
+    <dgm:effectClrLst/>
+    <dgm:txLinClrLst/>
+    <dgm:txFillClrLst meth="repeat">
+      <a:schemeClr val="lt1"/>
+    </dgm:txFillClrLst>
+    <dgm:txEffectClrLst/>
+  </dgm:styleLbl>
+  <dgm:styleLbl name="bgImgPlace1">
+    <dgm:fillClrLst meth="repeat">
+      <a:schemeClr val="dk1">
+        <a:tint val="40000"/>
+      </a:schemeClr>
+    </dgm:fillClrLst>
+    <dgm:linClrLst meth="repeat">
+      <a:schemeClr val="dk1">
+        <a:shade val="80000"/>
+      </a:schemeClr>
+    </dgm:linClrLst>
+    <dgm:effectClrLst/>
+    <dgm:txLinClrLst/>
+    <dgm:txFillClrLst meth="repeat">
+      <a:schemeClr val="lt1"/>
+    </dgm:txFillClrLst>
+    <dgm:txEffectClrLst/>
+  </dgm:styleLbl>
+  <dgm:styleLbl name="sibTrans2D1">
+    <dgm:fillClrLst meth="repeat">
+      <a:schemeClr val="dk1">
+        <a:tint val="60000"/>
+      </a:schemeClr>
+    </dgm:fillClrLst>
+    <dgm:linClrLst meth="repeat">
+      <a:schemeClr val="dk1">
+        <a:tint val="60000"/>
+      </a:schemeClr>
+    </dgm:linClrLst>
+    <dgm:effectClrLst/>
+    <dgm:txLinClrLst/>
+    <dgm:txFillClrLst meth="repeat">
+      <a:schemeClr val="dk1"/>
+    </dgm:txFillClrLst>
+    <dgm:txEffectClrLst/>
+  </dgm:styleLbl>
+  <dgm:styleLbl name="fgSibTrans2D1">
+    <dgm:fillClrLst meth="repeat">
+      <a:schemeClr val="dk1">
+        <a:tint val="60000"/>
+      </a:schemeClr>
+    </dgm:fillClrLst>
+    <dgm:linClrLst meth="repeat">
+      <a:schemeClr val="dk1">
+        <a:tint val="60000"/>
+      </a:schemeClr>
+    </dgm:linClrLst>
+    <dgm:effectClrLst/>
+    <dgm:txLinClrLst/>
+    <dgm:txFillClrLst meth="repeat">
+      <a:schemeClr val="dk1"/>
+    </dgm:txFillClrLst>
+    <dgm:txEffectClrLst/>
+  </dgm:styleLbl>
+  <dgm:styleLbl name="bgSibTrans2D1">
+    <dgm:fillClrLst meth="repeat">
+      <a:schemeClr val="dk1">
+        <a:tint val="60000"/>
+      </a:schemeClr>
+    </dgm:fillClrLst>
+    <dgm:linClrLst meth="repeat">
+      <a:schemeClr val="dk1">
+        <a:tint val="60000"/>
+      </a:schemeClr>
+    </dgm:linClrLst>
+    <dgm:effectClrLst/>
+    <dgm:txLinClrLst/>
+    <dgm:txFillClrLst meth="repeat">
+      <a:schemeClr val="dk1"/>
+    </dgm:txFillClrLst>
+    <dgm:txEffectClrLst/>
+  </dgm:styleLbl>
+  <dgm:styleLbl name="sibTrans1D1">
+    <dgm:fillClrLst meth="repeat">
+      <a:schemeClr val="dk1"/>
+    </dgm:fillClrLst>
+    <dgm:linClrLst meth="repeat">
+      <a:schemeClr val="dk1"/>
+    </dgm:linClrLst>
+    <dgm:effectClrLst/>
+    <dgm:txLinClrLst/>
+    <dgm:txFillClrLst meth="repeat">
+      <a:schemeClr val="tx1"/>
+    </dgm:txFillClrLst>
+    <dgm:txEffectClrLst/>
+  </dgm:styleLbl>
+  <dgm:styleLbl name="callout">
+    <dgm:fillClrLst meth="repeat">
+      <a:schemeClr val="dk1"/>
+    </dgm:fillClrLst>
+    <dgm:linClrLst meth="repeat">
+      <a:schemeClr val="dk1"/>
+    </dgm:linClrLst>
+    <dgm:effectClrLst/>
+    <dgm:txLinClrLst/>
+    <dgm:txFillClrLst meth="repeat">
+      <a:schemeClr val="tx1"/>
+    </dgm:txFillClrLst>
+    <dgm:txEffectClrLst/>
+  </dgm:styleLbl>
+  <dgm:styleLbl name="asst0">
+    <dgm:fillClrLst meth="repeat">
+      <a:schemeClr val="lt1"/>
+    </dgm:fillClrLst>
+    <dgm:linClrLst meth="repeat">
+      <a:schemeClr val="dk1">
+        <a:shade val="80000"/>
+      </a:schemeClr>
+    </dgm:linClrLst>
+    <dgm:effectClrLst/>
+    <dgm:txLinClrLst/>
+    <dgm:txFillClrLst meth="repeat">
+      <a:schemeClr val="dk1"/>
+    </dgm:txFillClrLst>
+    <dgm:txEffectClrLst/>
+  </dgm:styleLbl>
+  <dgm:styleLbl name="asst1">
+    <dgm:fillClrLst meth="repeat">
+      <a:schemeClr val="lt1"/>
+    </dgm:fillClrLst>
+    <dgm:linClrLst meth="repeat">
+      <a:schemeClr val="dk1">
+        <a:shade val="80000"/>
+      </a:schemeClr>
+    </dgm:linClrLst>
+    <dgm:effectClrLst/>
+    <dgm:txLinClrLst/>
+    <dgm:txFillClrLst meth="repeat">
+      <a:schemeClr val="dk1"/>
+    </dgm:txFillClrLst>
+    <dgm:txEffectClrLst/>
+  </dgm:styleLbl>
+  <dgm:styleLbl name="asst2">
+    <dgm:fillClrLst meth="repeat">
+      <a:schemeClr val="lt1"/>
+    </dgm:fillClrLst>
+    <dgm:linClrLst meth="repeat">
+      <a:schemeClr val="dk1">
+        <a:shade val="80000"/>
+      </a:schemeClr>
+    </dgm:linClrLst>
+    <dgm:effectClrLst/>
+    <dgm:txLinClrLst/>
+    <dgm:txFillClrLst meth="repeat">
+      <a:schemeClr val="dk1"/>
+    </dgm:txFillClrLst>
+    <dgm:txEffectClrLst/>
+  </dgm:styleLbl>
+  <dgm:styleLbl name="asst3">
+    <dgm:fillClrLst meth="repeat">
+      <a:schemeClr val="lt1"/>
+    </dgm:fillClrLst>
+    <dgm:linClrLst meth="repeat">
+      <a:schemeClr val="dk1">
+        <a:shade val="80000"/>
+      </a:schemeClr>
+    </dgm:linClrLst>
+    <dgm:effectClrLst/>
+    <dgm:txLinClrLst/>
+    <dgm:txFillClrLst meth="repeat">
+      <a:schemeClr val="dk1"/>
+    </dgm:txFillClrLst>
+    <dgm:txEffectClrLst/>
+  </dgm:styleLbl>
+  <dgm:styleLbl name="asst4">
+    <dgm:fillClrLst meth="repeat">
+      <a:schemeClr val="lt1"/>
+    </dgm:fillClrLst>
+    <dgm:linClrLst meth="repeat">
+      <a:schemeClr val="dk1">
+        <a:shade val="80000"/>
+      </a:schemeClr>
+    </dgm:linClrLst>
+    <dgm:effectClrLst/>
+    <dgm:txLinClrLst/>
+    <dgm:txFillClrLst meth="repeat">
+      <a:schemeClr val="dk1"/>
+    </dgm:txFillClrLst>
+    <dgm:txEffectClrLst/>
+  </dgm:styleLbl>
+  <dgm:styleLbl name="parChTrans2D1">
+    <dgm:fillClrLst meth="repeat">
+      <a:schemeClr val="dk1">
+        <a:tint val="60000"/>
+      </a:schemeClr>
+    </dgm:fillClrLst>
+    <dgm:linClrLst meth="repeat">
+      <a:schemeClr val="dk1">
+        <a:tint val="60000"/>
+      </a:schemeClr>
+    </dgm:linClrLst>
+    <dgm:effectClrLst/>
+    <dgm:txLinClrLst/>
+    <dgm:txFillClrLst/>
+    <dgm:txEffectClrLst/>
+  </dgm:styleLbl>
+  <dgm:styleLbl name="parChTrans2D2">
+    <dgm:fillClrLst meth="repeat">
+      <a:schemeClr val="dk1"/>
+    </dgm:fillClrLst>
+    <dgm:linClrLst meth="repeat">
+      <a:schemeClr val="dk1"/>
+    </dgm:linClrLst>
+    <dgm:effectClrLst/>
+    <dgm:txLinClrLst/>
+    <dgm:txFillClrLst/>
+    <dgm:txEffectClrLst/>
+  </dgm:styleLbl>
+  <dgm:styleLbl name="parChTrans2D3">
+    <dgm:fillClrLst meth="repeat">
+      <a:schemeClr val="dk1"/>
+    </dgm:fillClrLst>
+    <dgm:linClrLst meth="repeat">
+      <a:schemeClr val="dk1"/>
+    </dgm:linClrLst>
+    <dgm:effectClrLst/>
+    <dgm:txLinClrLst/>
+    <dgm:txFillClrLst/>
+    <dgm:txEffectClrLst/>
+  </dgm:styleLbl>
+  <dgm:styleLbl name="parChTrans2D4">
+    <dgm:fillClrLst meth="repeat">
+      <a:schemeClr val="dk1"/>
+    </dgm:fillClrLst>
+    <dgm:linClrLst meth="repeat">
+      <a:schemeClr val="dk1"/>
+    </dgm:linClrLst>
+    <dgm:effectClrLst/>
+    <dgm:txLinClrLst/>
+    <dgm:txFillClrLst meth="repeat">
+      <a:schemeClr val="lt1"/>
+    </dgm:txFillClrLst>
+    <dgm:txEffectClrLst/>
+  </dgm:styleLbl>
+  <dgm:styleLbl name="parChTrans1D1">
+    <dgm:fillClrLst meth="repeat">
+      <a:schemeClr val="dk1"/>
+    </dgm:fillClrLst>
+    <dgm:linClrLst meth="repeat">
+      <a:schemeClr val="dk1">
+        <a:shade val="60000"/>
+      </a:schemeClr>
+    </dgm:linClrLst>
+    <dgm:effectClrLst/>
+    <dgm:txLinClrLst/>
+    <dgm:txFillClrLst meth="repeat">
+      <a:schemeClr val="tx1"/>
+    </dgm:txFillClrLst>
+    <dgm:txEffectClrLst/>
+  </dgm:styleLbl>
+  <dgm:styleLbl name="parChTrans1D2">
+    <dgm:fillClrLst meth="repeat">
+      <a:schemeClr val="dk1"/>
+    </dgm:fillClrLst>
+    <dgm:linClrLst meth="repeat">
+      <a:schemeClr val="dk1">
+        <a:shade val="60000"/>
+      </a:schemeClr>
+    </dgm:linClrLst>
+    <dgm:effectClrLst/>
+    <dgm:txLinClrLst/>
+    <dgm:txFillClrLst meth="repeat">
+      <a:schemeClr val="tx1"/>
+    </dgm:txFillClrLst>
+    <dgm:txEffectClrLst/>
+  </dgm:styleLbl>
+  <dgm:styleLbl name="parChTrans1D3">
+    <dgm:fillClrLst meth="repeat">
+      <a:schemeClr val="dk1"/>
+    </dgm:fillClrLst>
+    <dgm:linClrLst meth="repeat">
+      <a:schemeClr val="dk1">
+        <a:shade val="80000"/>
+      </a:schemeClr>
+    </dgm:linClrLst>
+    <dgm:effectClrLst/>
+    <dgm:txLinClrLst/>
+    <dgm:txFillClrLst meth="repeat">
+      <a:schemeClr val="tx1"/>
+    </dgm:txFillClrLst>
+    <dgm:txEffectClrLst/>
+  </dgm:styleLbl>
+  <dgm:styleLbl name="parChTrans1D4">
+    <dgm:fillClrLst meth="repeat">
+      <a:schemeClr val="dk1"/>
+    </dgm:fillClrLst>
+    <dgm:linClrLst meth="repeat">
+      <a:schemeClr val="dk1">
+        <a:shade val="80000"/>
+      </a:schemeClr>
+    </dgm:linClrLst>
+    <dgm:effectClrLst/>
+    <dgm:txLinClrLst/>
+    <dgm:txFillClrLst meth="repeat">
+      <a:schemeClr val="tx1"/>
+    </dgm:txFillClrLst>
+    <dgm:txEffectClrLst/>
+  </dgm:styleLbl>
+  <dgm:styleLbl name="fgAcc1">
+    <dgm:fillClrLst meth="repeat">
+      <a:schemeClr val="dk1">
+        <a:alpha val="90000"/>
+        <a:tint val="40000"/>
+      </a:schemeClr>
+    </dgm:fillClrLst>
+    <dgm:linClrLst meth="repeat">
+      <a:schemeClr val="dk1"/>
+    </dgm:linClrLst>
+    <dgm:effectClrLst/>
+    <dgm:txLinClrLst/>
+    <dgm:txFillClrLst meth="repeat">
+      <a:schemeClr val="dk1"/>
+    </dgm:txFillClrLst>
+    <dgm:txEffectClrLst/>
+  </dgm:styleLbl>
+  <dgm:styleLbl name="conFgAcc1">
+    <dgm:fillClrLst meth="repeat">
+      <a:schemeClr val="dk1">
+        <a:alpha val="90000"/>
+        <a:tint val="40000"/>
+      </a:schemeClr>
+    </dgm:fillClrLst>
+    <dgm:linClrLst meth="repeat">
+      <a:schemeClr val="dk1"/>
+    </dgm:linClrLst>
+    <dgm:effectClrLst/>
+    <dgm:txLinClrLst/>
+    <dgm:txFillClrLst meth="repeat">
+      <a:schemeClr val="dk1"/>
+    </dgm:txFillClrLst>
+    <dgm:txEffectClrLst/>
+  </dgm:styleLbl>
+  <dgm:styleLbl name="alignAcc1">
+    <dgm:fillClrLst meth="repeat">
+      <a:schemeClr val="dk1">
+        <a:alpha val="90000"/>
+        <a:tint val="40000"/>
+      </a:schemeClr>
+    </dgm:fillClrLst>
+    <dgm:linClrLst meth="repeat">
+      <a:schemeClr val="dk1"/>
+    </dgm:linClrLst>
+    <dgm:effectClrLst/>
+    <dgm:txLinClrLst/>
+    <dgm:txFillClrLst meth="repeat">
+      <a:schemeClr val="dk1"/>
+    </dgm:txFillClrLst>
+    <dgm:txEffectClrLst/>
+  </dgm:styleLbl>
+  <dgm:styleLbl name="trAlignAcc1">
+    <dgm:fillClrLst meth="repeat">
+      <a:schemeClr val="dk1">
+        <a:alpha val="40000"/>
+        <a:tint val="40000"/>
+      </a:schemeClr>
+    </dgm:fillClrLst>
+    <dgm:linClrLst meth="repeat">
+      <a:schemeClr val="dk1"/>
+    </dgm:linClrLst>
+    <dgm:effectClrLst/>
+    <dgm:txLinClrLst/>
+    <dgm:txFillClrLst meth="repeat">
+      <a:schemeClr val="dk1"/>
+    </dgm:txFillClrLst>
+    <dgm:txEffectClrLst/>
+  </dgm:styleLbl>
+  <dgm:styleLbl name="bgAcc1">
+    <dgm:fillClrLst meth="repeat">
+      <a:schemeClr val="dk1">
+        <a:alpha val="90000"/>
+        <a:tint val="40000"/>
+      </a:schemeClr>
+    </dgm:fillClrLst>
+    <dgm:linClrLst meth="repeat">
+      <a:schemeClr val="dk1"/>
+    </dgm:linClrLst>
+    <dgm:effectClrLst/>
+    <dgm:txLinClrLst/>
+    <dgm:txFillClrLst meth="repeat">
+      <a:schemeClr val="dk1"/>
+    </dgm:txFillClrLst>
+    <dgm:txEffectClrLst/>
+  </dgm:styleLbl>
+  <dgm:styleLbl name="solidFgAcc1">
+    <dgm:fillClrLst meth="repeat">
+      <a:schemeClr val="lt1"/>
+    </dgm:fillClrLst>
+    <dgm:linClrLst meth="repeat">
+      <a:schemeClr val="dk1"/>
+    </dgm:linClrLst>
+    <dgm:effectClrLst/>
+    <dgm:txLinClrLst/>
+    <dgm:txFillClrLst meth="repeat">
+      <a:schemeClr val="dk1"/>
+    </dgm:txFillClrLst>
+    <dgm:txEffectClrLst/>
+  </dgm:styleLbl>
+  <dgm:styleLbl name="solidAlignAcc1">
+    <dgm:fillClrLst meth="repeat">
+      <a:schemeClr val="lt1"/>
+    </dgm:fillClrLst>
+    <dgm:linClrLst meth="repeat">
+      <a:schemeClr val="dk1"/>
+    </dgm:linClrLst>
+    <dgm:effectClrLst/>
+    <dgm:txLinClrLst/>
+    <dgm:txFillClrLst meth="repeat">
+      <a:schemeClr val="dk1"/>
+    </dgm:txFillClrLst>
+    <dgm:txEffectClrLst/>
+  </dgm:styleLbl>
+  <dgm:styleLbl name="solidBgAcc1">
+    <dgm:fillClrLst meth="repeat">
+      <a:schemeClr val="lt1"/>
+    </dgm:fillClrLst>
+    <dgm:linClrLst meth="repeat">
+      <a:schemeClr val="dk1"/>
+    </dgm:linClrLst>
+    <dgm:effectClrLst/>
+    <dgm:txLinClrLst/>
+    <dgm:txFillClrLst meth="repeat">
+      <a:schemeClr val="dk1"/>
+    </dgm:txFillClrLst>
+    <dgm:txEffectClrLst/>
+  </dgm:styleLbl>
+  <dgm:styleLbl name="fgAccFollowNode1">
+    <dgm:fillClrLst meth="repeat">
+      <a:schemeClr val="lt1">
+        <a:alpha val="90000"/>
+        <a:tint val="40000"/>
+      </a:schemeClr>
+    </dgm:fillClrLst>
+    <dgm:linClrLst meth="repeat">
+      <a:schemeClr val="dk1">
+        <a:alpha val="90000"/>
+      </a:schemeClr>
+    </dgm:linClrLst>
+    <dgm:effectClrLst/>
+    <dgm:txLinClrLst/>
+    <dgm:txFillClrLst meth="repeat">
+      <a:schemeClr val="dk1"/>
+    </dgm:txFillClrLst>
+    <dgm:txEffectClrLst/>
+  </dgm:styleLbl>
+  <dgm:styleLbl name="alignAccFollowNode1">
+    <dgm:fillClrLst meth="repeat">
+      <a:schemeClr val="lt1">
+        <a:alpha val="90000"/>
+        <a:tint val="40000"/>
+      </a:schemeClr>
+    </dgm:fillClrLst>
+    <dgm:linClrLst meth="repeat">
+      <a:schemeClr val="dk1">
+        <a:alpha val="90000"/>
+      </a:schemeClr>
+    </dgm:linClrLst>
+    <dgm:effectClrLst/>
+    <dgm:txLinClrLst/>
+    <dgm:txFillClrLst meth="repeat">
+      <a:schemeClr val="dk1"/>
+    </dgm:txFillClrLst>
+    <dgm:txEffectClrLst/>
+  </dgm:styleLbl>
+  <dgm:styleLbl name="bgAccFollowNode1">
+    <dgm:fillClrLst meth="repeat">
+      <a:schemeClr val="lt1">
+        <a:alpha val="90000"/>
+        <a:tint val="40000"/>
+      </a:schemeClr>
+    </dgm:fillClrLst>
+    <dgm:linClrLst meth="repeat">
+      <a:schemeClr val="dk1">
+        <a:alpha val="90000"/>
+      </a:schemeClr>
+    </dgm:linClrLst>
+    <dgm:effectClrLst/>
+    <dgm:txLinClrLst/>
+    <dgm:txFillClrLst meth="repeat">
+      <a:schemeClr val="dk1"/>
+    </dgm:txFillClrLst>
+    <dgm:txEffectClrLst/>
+  </dgm:styleLbl>
+  <dgm:styleLbl name="fgAcc0">
+    <dgm:fillClrLst meth="repeat">
+      <a:schemeClr val="dk1">
+        <a:alpha val="90000"/>
+        <a:tint val="40000"/>
+      </a:schemeClr>
+    </dgm:fillClrLst>
+    <dgm:linClrLst meth="repeat">
+      <a:schemeClr val="dk1"/>
+    </dgm:linClrLst>
+    <dgm:effectClrLst/>
+    <dgm:txLinClrLst/>
+    <dgm:txFillClrLst meth="repeat">
+      <a:schemeClr val="dk1"/>
+    </dgm:txFillClrLst>
+    <dgm:txEffectClrLst/>
+  </dgm:styleLbl>
+  <dgm:styleLbl name="fgAcc2">
+    <dgm:fillClrLst meth="repeat">
+      <a:schemeClr val="dk1">
+        <a:alpha val="90000"/>
+        <a:tint val="40000"/>
+      </a:schemeClr>
+    </dgm:fillClrLst>
+    <dgm:linClrLst meth="repeat">
+      <a:schemeClr val="dk1"/>
+    </dgm:linClrLst>
+    <dgm:effectClrLst/>
+    <dgm:txLinClrLst/>
+    <dgm:txFillClrLst meth="repeat">
+      <a:schemeClr val="dk1"/>
+    </dgm:txFillClrLst>
+    <dgm:txEffectClrLst/>
+  </dgm:styleLbl>
+  <dgm:styleLbl name="fgAcc3">
+    <dgm:fillClrLst meth="repeat">
+      <a:schemeClr val="dk1">
+        <a:alpha val="90000"/>
+        <a:tint val="40000"/>
+      </a:schemeClr>
+    </dgm:fillClrLst>
+    <dgm:linClrLst meth="repeat">
+      <a:schemeClr val="dk1"/>
+    </dgm:linClrLst>
+    <dgm:effectClrLst/>
+    <dgm:txLinClrLst/>
+    <dgm:txFillClrLst meth="repeat">
+      <a:schemeClr val="dk1"/>
+    </dgm:txFillClrLst>
+    <dgm:txEffectClrLst/>
+  </dgm:styleLbl>
+  <dgm:styleLbl name="fgAcc4">
+    <dgm:fillClrLst meth="repeat">
+      <a:schemeClr val="dk1">
+        <a:alpha val="90000"/>
+        <a:tint val="40000"/>
+      </a:schemeClr>
+    </dgm:fillClrLst>
+    <dgm:linClrLst meth="repeat">
+      <a:schemeClr val="dk1"/>
+    </dgm:linClrLst>
+    <dgm:effectClrLst/>
+    <dgm:txLinClrLst/>
+    <dgm:txFillClrLst meth="repeat">
+      <a:schemeClr val="dk1"/>
+    </dgm:txFillClrLst>
+    <dgm:txEffectClrLst/>
+  </dgm:styleLbl>
+  <dgm:styleLbl name="bgShp">
+    <dgm:fillClrLst meth="repeat">
+      <a:schemeClr val="dk1">
+        <a:tint val="40000"/>
+      </a:schemeClr>
+    </dgm:fillClrLst>
+    <dgm:linClrLst meth="repeat">
+      <a:schemeClr val="dk1"/>
+    </dgm:linClrLst>
+    <dgm:effectClrLst/>
+    <dgm:txLinClrLst/>
+    <dgm:txFillClrLst meth="repeat">
+      <a:schemeClr val="dk1"/>
+    </dgm:txFillClrLst>
+    <dgm:txEffectClrLst/>
+  </dgm:styleLbl>
+  <dgm:styleLbl name="dkBgShp">
+    <dgm:fillClrLst meth="repeat">
+      <a:schemeClr val="dk1">
+        <a:shade val="80000"/>
+      </a:schemeClr>
+    </dgm:fillClrLst>
+    <dgm:linClrLst meth="repeat">
+      <a:schemeClr val="dk1"/>
+    </dgm:linClrLst>
+    <dgm:effectClrLst/>
+    <dgm:txLinClrLst/>
+    <dgm:txFillClrLst meth="repeat">
+      <a:schemeClr val="lt1"/>
+    </dgm:txFillClrLst>
+    <dgm:txEffectClrLst/>
+  </dgm:styleLbl>
+  <dgm:styleLbl name="trBgShp">
+    <dgm:fillClrLst meth="repeat">
+      <a:schemeClr val="dk1">
+        <a:tint val="50000"/>
+        <a:alpha val="40000"/>
+      </a:schemeClr>
+    </dgm:fillClrLst>
+    <dgm:linClrLst meth="repeat">
+      <a:schemeClr val="dk1"/>
+    </dgm:linClrLst>
+    <dgm:effectClrLst/>
+    <dgm:txLinClrLst/>
+    <dgm:txFillClrLst meth="repeat">
+      <a:schemeClr val="lt1"/>
+    </dgm:txFillClrLst>
+    <dgm:txEffectClrLst/>
+  </dgm:styleLbl>
+  <dgm:styleLbl name="fgShp">
+    <dgm:fillClrLst meth="repeat">
+      <a:schemeClr val="dk1">
+        <a:tint val="60000"/>
+      </a:schemeClr>
+    </dgm:fillClrLst>
+    <dgm:linClrLst meth="repeat">
+      <a:schemeClr val="lt1"/>
+    </dgm:linClrLst>
+    <dgm:effectClrLst/>
+    <dgm:txLinClrLst/>
+    <dgm:txFillClrLst meth="repeat">
+      <a:schemeClr val="dk1"/>
+    </dgm:txFillClrLst>
+    <dgm:txEffectClrLst/>
+  </dgm:styleLbl>
+  <dgm:styleLbl name="revTx">
+    <dgm:fillClrLst meth="repeat">
+      <a:schemeClr val="lt1">
+        <a:alpha val="0"/>
+      </a:schemeClr>
+    </dgm:fillClrLst>
+    <dgm:linClrLst meth="repeat">
+      <a:schemeClr val="dk1">
+        <a:alpha val="0"/>
+      </a:schemeClr>
+    </dgm:linClrLst>
+    <dgm:effectClrLst/>
+    <dgm:txLinClrLst/>
+    <dgm:txFillClrLst meth="repeat">
+      <a:schemeClr val="tx1"/>
+    </dgm:txFillClrLst>
+    <dgm:txEffectClrLst/>
+  </dgm:styleLbl>
+</dgm:colorsDef>
+</file>
+
 <file path=ppt/diagrams/data1.xml><?xml version="1.0" encoding="utf-8"?>
 <dgm:dataModel xmlns:dgm="http://schemas.openxmlformats.org/drawingml/2006/diagram" xmlns:a="http://schemas.openxmlformats.org/drawingml/2006/main">
   <dgm:ptLst>
@@ -1077,6 +1885,404 @@
 </dgm:dataModel>
 </file>
 
+<file path=ppt/diagrams/data2.xml><?xml version="1.0" encoding="utf-8"?>
+<dgm:dataModel xmlns:dgm="http://schemas.openxmlformats.org/drawingml/2006/diagram" xmlns:a="http://schemas.openxmlformats.org/drawingml/2006/main">
+  <dgm:ptLst>
+    <dgm:pt modelId="{F82051D4-56A2-2048-B4D9-810538BE31DD}" type="doc">
+      <dgm:prSet loTypeId="urn:microsoft.com/office/officeart/2005/8/layout/radial1" loCatId="list" qsTypeId="urn:microsoft.com/office/officeart/2005/8/quickstyle/simple1" qsCatId="simple" csTypeId="urn:microsoft.com/office/officeart/2005/8/colors/accent0_1" csCatId="mainScheme" phldr="1"/>
+      <dgm:spPr/>
+      <dgm:t>
+        <a:bodyPr/>
+        <a:lstStyle/>
+        <a:p>
+          <a:endParaRPr lang="en-US"/>
+        </a:p>
+      </dgm:t>
+    </dgm:pt>
+    <dgm:pt modelId="{E97F6690-0C41-1045-8E1A-CC6D550BE972}">
+      <dgm:prSet phldrT="[Text]"/>
+      <dgm:spPr/>
+      <dgm:t>
+        <a:bodyPr/>
+        <a:lstStyle/>
+        <a:p>
+          <a:r>
+            <a:rPr lang="en-US" dirty="0" err="1"/>
+            <a:t>Cloudmesh</a:t>
+          </a:r>
+          <a:r>
+            <a:rPr lang="en-US" dirty="0"/>
+            <a:t> </a:t>
+          </a:r>
+          <a:r>
+            <a:rPr lang="en-US" dirty="0" err="1"/>
+            <a:t>OpenAPI</a:t>
+          </a:r>
+          <a:endParaRPr lang="en-US" dirty="0"/>
+        </a:p>
+      </dgm:t>
+    </dgm:pt>
+    <dgm:pt modelId="{7218B075-FE22-4E4E-8F75-17EADA07E889}" type="parTrans" cxnId="{58747CBB-3574-7340-9FA1-A4D02B8EEDFF}">
+      <dgm:prSet/>
+      <dgm:spPr/>
+      <dgm:t>
+        <a:bodyPr/>
+        <a:lstStyle/>
+        <a:p>
+          <a:endParaRPr lang="en-US"/>
+        </a:p>
+      </dgm:t>
+    </dgm:pt>
+    <dgm:pt modelId="{073C4874-AEA7-5147-8A81-055F58A26288}" type="sibTrans" cxnId="{58747CBB-3574-7340-9FA1-A4D02B8EEDFF}">
+      <dgm:prSet/>
+      <dgm:spPr/>
+      <dgm:t>
+        <a:bodyPr/>
+        <a:lstStyle/>
+        <a:p>
+          <a:endParaRPr lang="en-US"/>
+        </a:p>
+      </dgm:t>
+    </dgm:pt>
+    <dgm:pt modelId="{C69D8A32-FDFF-964F-94A4-E27A9E78D677}">
+      <dgm:prSet phldrT="[Text]"/>
+      <dgm:spPr/>
+      <dgm:t>
+        <a:bodyPr/>
+        <a:lstStyle/>
+        <a:p>
+          <a:r>
+            <a:rPr lang="en-US" dirty="0"/>
+            <a:t>Concepts</a:t>
+          </a:r>
+        </a:p>
+      </dgm:t>
+    </dgm:pt>
+    <dgm:pt modelId="{B5248C2A-27FC-5F48-9029-8D3BE5262A42}" type="parTrans" cxnId="{8245547B-CF0E-AE45-96C1-52C7FCFA05A2}">
+      <dgm:prSet/>
+      <dgm:spPr/>
+      <dgm:t>
+        <a:bodyPr/>
+        <a:lstStyle/>
+        <a:p>
+          <a:endParaRPr lang="en-US"/>
+        </a:p>
+      </dgm:t>
+    </dgm:pt>
+    <dgm:pt modelId="{A84C1EAF-BE4E-9146-B622-AC46DB8A3724}" type="sibTrans" cxnId="{8245547B-CF0E-AE45-96C1-52C7FCFA05A2}">
+      <dgm:prSet/>
+      <dgm:spPr/>
+      <dgm:t>
+        <a:bodyPr/>
+        <a:lstStyle/>
+        <a:p>
+          <a:endParaRPr lang="en-US"/>
+        </a:p>
+      </dgm:t>
+    </dgm:pt>
+    <dgm:pt modelId="{ADDF84EA-921A-E449-BBBB-D12CAC09A614}">
+      <dgm:prSet phldrT="[Text]" phldr="1"/>
+      <dgm:spPr/>
+      <dgm:t>
+        <a:bodyPr/>
+        <a:lstStyle/>
+        <a:p>
+          <a:endParaRPr lang="en-US"/>
+        </a:p>
+      </dgm:t>
+    </dgm:pt>
+    <dgm:pt modelId="{BF98D8E5-AB23-9F49-B8E2-73B91C7A4B31}" type="parTrans" cxnId="{61ECF225-C205-F54E-AEDD-8752B3D0C58D}">
+      <dgm:prSet/>
+      <dgm:spPr/>
+      <dgm:t>
+        <a:bodyPr/>
+        <a:lstStyle/>
+        <a:p>
+          <a:endParaRPr lang="en-US"/>
+        </a:p>
+      </dgm:t>
+    </dgm:pt>
+    <dgm:pt modelId="{11D50DF0-CA43-844A-9F86-633D2CF95FB1}" type="sibTrans" cxnId="{61ECF225-C205-F54E-AEDD-8752B3D0C58D}">
+      <dgm:prSet/>
+      <dgm:spPr/>
+      <dgm:t>
+        <a:bodyPr/>
+        <a:lstStyle/>
+        <a:p>
+          <a:endParaRPr lang="en-US"/>
+        </a:p>
+      </dgm:t>
+    </dgm:pt>
+    <dgm:pt modelId="{09ADC6AE-B8A8-444B-946B-9BF78AC9E117}">
+      <dgm:prSet phldrT="[Text]" phldr="1"/>
+      <dgm:spPr/>
+      <dgm:t>
+        <a:bodyPr/>
+        <a:lstStyle/>
+        <a:p>
+          <a:endParaRPr lang="en-US" dirty="0"/>
+        </a:p>
+      </dgm:t>
+    </dgm:pt>
+    <dgm:pt modelId="{FC6EEB04-860F-CC46-A798-C8AB13FB0E84}" type="parTrans" cxnId="{FE1A04A2-7A2C-394C-BE6C-A638191FFDB3}">
+      <dgm:prSet/>
+      <dgm:spPr/>
+      <dgm:t>
+        <a:bodyPr/>
+        <a:lstStyle/>
+        <a:p>
+          <a:endParaRPr lang="en-US"/>
+        </a:p>
+      </dgm:t>
+    </dgm:pt>
+    <dgm:pt modelId="{348582E9-D2E3-3446-8A49-09AA9DD6F4B1}" type="sibTrans" cxnId="{FE1A04A2-7A2C-394C-BE6C-A638191FFDB3}">
+      <dgm:prSet/>
+      <dgm:spPr/>
+      <dgm:t>
+        <a:bodyPr/>
+        <a:lstStyle/>
+        <a:p>
+          <a:endParaRPr lang="en-US"/>
+        </a:p>
+      </dgm:t>
+    </dgm:pt>
+    <dgm:pt modelId="{CAF00660-173B-D34F-BF4B-6F6A733916A7}">
+      <dgm:prSet phldrT="[Text]"/>
+      <dgm:spPr/>
+      <dgm:t>
+        <a:bodyPr/>
+        <a:lstStyle/>
+        <a:p>
+          <a:r>
+            <a:rPr lang="en-US" dirty="0"/>
+            <a:t>VM Clouds</a:t>
+          </a:r>
+        </a:p>
+      </dgm:t>
+    </dgm:pt>
+    <dgm:pt modelId="{730134EF-FF7A-ED4B-8371-341CDABEBE27}" type="parTrans" cxnId="{78D88AEE-BDB5-824E-8F04-53ABEBD93131}">
+      <dgm:prSet/>
+      <dgm:spPr/>
+      <dgm:t>
+        <a:bodyPr/>
+        <a:lstStyle/>
+        <a:p>
+          <a:endParaRPr lang="en-US"/>
+        </a:p>
+      </dgm:t>
+    </dgm:pt>
+    <dgm:pt modelId="{EDF07895-165A-AF47-AD69-9B9CC22A2AC0}" type="sibTrans" cxnId="{78D88AEE-BDB5-824E-8F04-53ABEBD93131}">
+      <dgm:prSet/>
+      <dgm:spPr/>
+    </dgm:pt>
+    <dgm:pt modelId="{84EE9E6A-E8E0-5D4B-9096-F0D64B237384}">
+      <dgm:prSet phldrT="[Text]"/>
+      <dgm:spPr/>
+      <dgm:t>
+        <a:bodyPr/>
+        <a:lstStyle/>
+        <a:p>
+          <a:endParaRPr lang="en-US" dirty="0"/>
+        </a:p>
+      </dgm:t>
+    </dgm:pt>
+    <dgm:pt modelId="{9CF6882F-4900-DC4E-8F4C-47C2A75CDA67}" type="parTrans" cxnId="{7F047BA1-2181-7E4A-AE6D-62C393BB42BA}">
+      <dgm:prSet/>
+      <dgm:spPr/>
+      <dgm:t>
+        <a:bodyPr/>
+        <a:lstStyle/>
+        <a:p>
+          <a:endParaRPr lang="en-US"/>
+        </a:p>
+      </dgm:t>
+    </dgm:pt>
+    <dgm:pt modelId="{DE78495B-64C2-8041-8FE5-7DCB3B9EDF07}" type="sibTrans" cxnId="{7F047BA1-2181-7E4A-AE6D-62C393BB42BA}">
+      <dgm:prSet/>
+      <dgm:spPr/>
+    </dgm:pt>
+    <dgm:pt modelId="{DD297BED-4705-2B4D-B0DE-78BBC907AF87}">
+      <dgm:prSet phldrT="[Text]"/>
+      <dgm:spPr/>
+      <dgm:t>
+        <a:bodyPr/>
+        <a:lstStyle/>
+        <a:p>
+          <a:r>
+            <a:rPr lang="en-US" dirty="0"/>
+            <a:t>REST</a:t>
+          </a:r>
+        </a:p>
+      </dgm:t>
+    </dgm:pt>
+    <dgm:pt modelId="{C6036526-7E78-6D49-947C-8B561299483D}" type="parTrans" cxnId="{31889781-4EFC-9F4E-9C4E-3865F622CA83}">
+      <dgm:prSet/>
+      <dgm:spPr/>
+      <dgm:t>
+        <a:bodyPr/>
+        <a:lstStyle/>
+        <a:p>
+          <a:endParaRPr lang="en-US"/>
+        </a:p>
+      </dgm:t>
+    </dgm:pt>
+    <dgm:pt modelId="{6B4F8EDB-7955-D14E-ACD3-12549FCF2FF1}" type="sibTrans" cxnId="{31889781-4EFC-9F4E-9C4E-3865F622CA83}">
+      <dgm:prSet/>
+      <dgm:spPr/>
+    </dgm:pt>
+    <dgm:pt modelId="{5AA65308-CF0F-3C44-9D2E-BDFE6DE498C8}">
+      <dgm:prSet phldrT="[Text]"/>
+      <dgm:spPr/>
+      <dgm:t>
+        <a:bodyPr/>
+        <a:lstStyle/>
+        <a:p>
+          <a:r>
+            <a:rPr lang="en-US" dirty="0" err="1"/>
+            <a:t>OpenAPI</a:t>
+          </a:r>
+          <a:endParaRPr lang="en-US" dirty="0"/>
+        </a:p>
+      </dgm:t>
+    </dgm:pt>
+    <dgm:pt modelId="{0795EA6F-F902-5D41-872D-E3C902318429}" type="parTrans" cxnId="{2A3A267F-541D-9746-9792-49A25244316D}">
+      <dgm:prSet/>
+      <dgm:spPr/>
+    </dgm:pt>
+    <dgm:pt modelId="{C615EFFB-835E-6D4C-8A9E-304094324CF6}" type="sibTrans" cxnId="{2A3A267F-541D-9746-9792-49A25244316D}">
+      <dgm:prSet/>
+      <dgm:spPr/>
+    </dgm:pt>
+    <dgm:pt modelId="{17374973-579B-D84E-949A-4FF0DD956090}" type="pres">
+      <dgm:prSet presAssocID="{F82051D4-56A2-2048-B4D9-810538BE31DD}" presName="cycle" presStyleCnt="0">
+        <dgm:presLayoutVars>
+          <dgm:chMax val="1"/>
+          <dgm:dir/>
+          <dgm:animLvl val="ctr"/>
+          <dgm:resizeHandles val="exact"/>
+        </dgm:presLayoutVars>
+      </dgm:prSet>
+      <dgm:spPr/>
+    </dgm:pt>
+    <dgm:pt modelId="{DDB557E3-186C-7A49-9EB4-642FF9B431F6}" type="pres">
+      <dgm:prSet presAssocID="{E97F6690-0C41-1045-8E1A-CC6D550BE972}" presName="centerShape" presStyleLbl="node0" presStyleIdx="0" presStyleCnt="1"/>
+      <dgm:spPr/>
+    </dgm:pt>
+    <dgm:pt modelId="{19221355-0E3A-7F47-A885-9C6C48CA15A8}" type="pres">
+      <dgm:prSet presAssocID="{B5248C2A-27FC-5F48-9029-8D3BE5262A42}" presName="Name9" presStyleLbl="parChTrans1D2" presStyleIdx="0" presStyleCnt="4"/>
+      <dgm:spPr/>
+    </dgm:pt>
+    <dgm:pt modelId="{CF9D5151-5A97-A344-B7B0-0A13DF7076D3}" type="pres">
+      <dgm:prSet presAssocID="{B5248C2A-27FC-5F48-9029-8D3BE5262A42}" presName="connTx" presStyleLbl="parChTrans1D2" presStyleIdx="0" presStyleCnt="4"/>
+      <dgm:spPr/>
+    </dgm:pt>
+    <dgm:pt modelId="{EB7B1CEE-DE6D-7943-9186-D170E0911C42}" type="pres">
+      <dgm:prSet presAssocID="{C69D8A32-FDFF-964F-94A4-E27A9E78D677}" presName="node" presStyleLbl="node1" presStyleIdx="0" presStyleCnt="4">
+        <dgm:presLayoutVars>
+          <dgm:bulletEnabled val="1"/>
+        </dgm:presLayoutVars>
+      </dgm:prSet>
+      <dgm:spPr/>
+    </dgm:pt>
+    <dgm:pt modelId="{D3F8308C-3C8B-3346-9049-922D21AD4486}" type="pres">
+      <dgm:prSet presAssocID="{730134EF-FF7A-ED4B-8371-341CDABEBE27}" presName="Name9" presStyleLbl="parChTrans1D2" presStyleIdx="1" presStyleCnt="4"/>
+      <dgm:spPr/>
+    </dgm:pt>
+    <dgm:pt modelId="{AC2F3721-821A-5C47-9989-7DFC7206A559}" type="pres">
+      <dgm:prSet presAssocID="{730134EF-FF7A-ED4B-8371-341CDABEBE27}" presName="connTx" presStyleLbl="parChTrans1D2" presStyleIdx="1" presStyleCnt="4"/>
+      <dgm:spPr/>
+    </dgm:pt>
+    <dgm:pt modelId="{D0695232-5AA2-4748-BDA1-AA3DCE9AB316}" type="pres">
+      <dgm:prSet presAssocID="{CAF00660-173B-D34F-BF4B-6F6A733916A7}" presName="node" presStyleLbl="node1" presStyleIdx="1" presStyleCnt="4">
+        <dgm:presLayoutVars>
+          <dgm:bulletEnabled val="1"/>
+        </dgm:presLayoutVars>
+      </dgm:prSet>
+      <dgm:spPr/>
+    </dgm:pt>
+    <dgm:pt modelId="{DB02F47E-83AC-D549-88E9-130F7BCCEED5}" type="pres">
+      <dgm:prSet presAssocID="{BF98D8E5-AB23-9F49-B8E2-73B91C7A4B31}" presName="Name9" presStyleLbl="parChTrans1D2" presStyleIdx="2" presStyleCnt="4"/>
+      <dgm:spPr/>
+    </dgm:pt>
+    <dgm:pt modelId="{C828C742-7070-804E-AE3C-6CD982D7673B}" type="pres">
+      <dgm:prSet presAssocID="{BF98D8E5-AB23-9F49-B8E2-73B91C7A4B31}" presName="connTx" presStyleLbl="parChTrans1D2" presStyleIdx="2" presStyleCnt="4"/>
+      <dgm:spPr/>
+    </dgm:pt>
+    <dgm:pt modelId="{620E1F4F-12E5-AC46-83A4-4A7413916AD7}" type="pres">
+      <dgm:prSet presAssocID="{ADDF84EA-921A-E449-BBBB-D12CAC09A614}" presName="node" presStyleLbl="node1" presStyleIdx="2" presStyleCnt="4">
+        <dgm:presLayoutVars>
+          <dgm:bulletEnabled val="1"/>
+        </dgm:presLayoutVars>
+      </dgm:prSet>
+      <dgm:spPr/>
+    </dgm:pt>
+    <dgm:pt modelId="{C0640233-879C-D44E-8BF0-F7129C1E97D0}" type="pres">
+      <dgm:prSet presAssocID="{FC6EEB04-860F-CC46-A798-C8AB13FB0E84}" presName="Name9" presStyleLbl="parChTrans1D2" presStyleIdx="3" presStyleCnt="4"/>
+      <dgm:spPr/>
+    </dgm:pt>
+    <dgm:pt modelId="{A73F1A29-6A37-7447-9CB3-E968D5FC489A}" type="pres">
+      <dgm:prSet presAssocID="{FC6EEB04-860F-CC46-A798-C8AB13FB0E84}" presName="connTx" presStyleLbl="parChTrans1D2" presStyleIdx="3" presStyleCnt="4"/>
+      <dgm:spPr/>
+    </dgm:pt>
+    <dgm:pt modelId="{86E6A0DC-85E8-F04A-AE79-DEA52034E766}" type="pres">
+      <dgm:prSet presAssocID="{09ADC6AE-B8A8-444B-946B-9BF78AC9E117}" presName="node" presStyleLbl="node1" presStyleIdx="3" presStyleCnt="4">
+        <dgm:presLayoutVars>
+          <dgm:bulletEnabled val="1"/>
+        </dgm:presLayoutVars>
+      </dgm:prSet>
+      <dgm:spPr/>
+    </dgm:pt>
+  </dgm:ptLst>
+  <dgm:cxnLst>
+    <dgm:cxn modelId="{049E7D06-60A9-4F45-87F0-68AEE91C9493}" type="presOf" srcId="{B5248C2A-27FC-5F48-9029-8D3BE5262A42}" destId="{CF9D5151-5A97-A344-B7B0-0A13DF7076D3}" srcOrd="1" destOrd="0" presId="urn:microsoft.com/office/officeart/2005/8/layout/radial1"/>
+    <dgm:cxn modelId="{0D46D906-9D70-184E-A24F-784F5BA960EE}" type="presOf" srcId="{730134EF-FF7A-ED4B-8371-341CDABEBE27}" destId="{D3F8308C-3C8B-3346-9049-922D21AD4486}" srcOrd="0" destOrd="0" presId="urn:microsoft.com/office/officeart/2005/8/layout/radial1"/>
+    <dgm:cxn modelId="{7BFD780C-BFE6-FC47-8748-9B4915FB0771}" type="presOf" srcId="{DD297BED-4705-2B4D-B0DE-78BBC907AF87}" destId="{EB7B1CEE-DE6D-7943-9186-D170E0911C42}" srcOrd="0" destOrd="1" presId="urn:microsoft.com/office/officeart/2005/8/layout/radial1"/>
+    <dgm:cxn modelId="{42F3800E-4B0E-7F41-86F1-A893D9BFAF57}" type="presOf" srcId="{FC6EEB04-860F-CC46-A798-C8AB13FB0E84}" destId="{C0640233-879C-D44E-8BF0-F7129C1E97D0}" srcOrd="0" destOrd="0" presId="urn:microsoft.com/office/officeart/2005/8/layout/radial1"/>
+    <dgm:cxn modelId="{62D64A13-9AD4-4149-850B-B5F1972E3EB3}" type="presOf" srcId="{BF98D8E5-AB23-9F49-B8E2-73B91C7A4B31}" destId="{DB02F47E-83AC-D549-88E9-130F7BCCEED5}" srcOrd="0" destOrd="0" presId="urn:microsoft.com/office/officeart/2005/8/layout/radial1"/>
+    <dgm:cxn modelId="{81147921-8F5F-F047-B3F2-ECA75A2B7D55}" type="presOf" srcId="{ADDF84EA-921A-E449-BBBB-D12CAC09A614}" destId="{620E1F4F-12E5-AC46-83A4-4A7413916AD7}" srcOrd="0" destOrd="0" presId="urn:microsoft.com/office/officeart/2005/8/layout/radial1"/>
+    <dgm:cxn modelId="{61ECF225-C205-F54E-AEDD-8752B3D0C58D}" srcId="{E97F6690-0C41-1045-8E1A-CC6D550BE972}" destId="{ADDF84EA-921A-E449-BBBB-D12CAC09A614}" srcOrd="2" destOrd="0" parTransId="{BF98D8E5-AB23-9F49-B8E2-73B91C7A4B31}" sibTransId="{11D50DF0-CA43-844A-9F86-633D2CF95FB1}"/>
+    <dgm:cxn modelId="{9C2E0629-B584-6542-9DB3-7C0D97001CDA}" type="presOf" srcId="{E97F6690-0C41-1045-8E1A-CC6D550BE972}" destId="{DDB557E3-186C-7A49-9EB4-642FF9B431F6}" srcOrd="0" destOrd="0" presId="urn:microsoft.com/office/officeart/2005/8/layout/radial1"/>
+    <dgm:cxn modelId="{4E3D4163-F23F-4944-8233-5D0571EF0DB8}" type="presOf" srcId="{BF98D8E5-AB23-9F49-B8E2-73B91C7A4B31}" destId="{C828C742-7070-804E-AE3C-6CD982D7673B}" srcOrd="1" destOrd="0" presId="urn:microsoft.com/office/officeart/2005/8/layout/radial1"/>
+    <dgm:cxn modelId="{E409D26D-1981-044D-87AF-CD1E7246E0BB}" type="presOf" srcId="{FC6EEB04-860F-CC46-A798-C8AB13FB0E84}" destId="{A73F1A29-6A37-7447-9CB3-E968D5FC489A}" srcOrd="1" destOrd="0" presId="urn:microsoft.com/office/officeart/2005/8/layout/radial1"/>
+    <dgm:cxn modelId="{8245547B-CF0E-AE45-96C1-52C7FCFA05A2}" srcId="{E97F6690-0C41-1045-8E1A-CC6D550BE972}" destId="{C69D8A32-FDFF-964F-94A4-E27A9E78D677}" srcOrd="0" destOrd="0" parTransId="{B5248C2A-27FC-5F48-9029-8D3BE5262A42}" sibTransId="{A84C1EAF-BE4E-9146-B622-AC46DB8A3724}"/>
+    <dgm:cxn modelId="{2A3A267F-541D-9746-9792-49A25244316D}" srcId="{C69D8A32-FDFF-964F-94A4-E27A9E78D677}" destId="{5AA65308-CF0F-3C44-9D2E-BDFE6DE498C8}" srcOrd="1" destOrd="0" parTransId="{0795EA6F-F902-5D41-872D-E3C902318429}" sibTransId="{C615EFFB-835E-6D4C-8A9E-304094324CF6}"/>
+    <dgm:cxn modelId="{74CE3180-2EE3-D648-B277-DDC2BE213621}" type="presOf" srcId="{09ADC6AE-B8A8-444B-946B-9BF78AC9E117}" destId="{86E6A0DC-85E8-F04A-AE79-DEA52034E766}" srcOrd="0" destOrd="0" presId="urn:microsoft.com/office/officeart/2005/8/layout/radial1"/>
+    <dgm:cxn modelId="{5C11A680-C5D9-6041-AA0B-3F256A1AABC8}" type="presOf" srcId="{F82051D4-56A2-2048-B4D9-810538BE31DD}" destId="{17374973-579B-D84E-949A-4FF0DD956090}" srcOrd="0" destOrd="0" presId="urn:microsoft.com/office/officeart/2005/8/layout/radial1"/>
+    <dgm:cxn modelId="{31889781-4EFC-9F4E-9C4E-3865F622CA83}" srcId="{C69D8A32-FDFF-964F-94A4-E27A9E78D677}" destId="{DD297BED-4705-2B4D-B0DE-78BBC907AF87}" srcOrd="0" destOrd="0" parTransId="{C6036526-7E78-6D49-947C-8B561299483D}" sibTransId="{6B4F8EDB-7955-D14E-ACD3-12549FCF2FF1}"/>
+    <dgm:cxn modelId="{2E220987-A6A9-8940-BC3A-E7BC85D497AA}" type="presOf" srcId="{84EE9E6A-E8E0-5D4B-9096-F0D64B237384}" destId="{D0695232-5AA2-4748-BDA1-AA3DCE9AB316}" srcOrd="0" destOrd="1" presId="urn:microsoft.com/office/officeart/2005/8/layout/radial1"/>
+    <dgm:cxn modelId="{9FEE2991-5708-7B43-BEC6-88626458AF1C}" type="presOf" srcId="{C69D8A32-FDFF-964F-94A4-E27A9E78D677}" destId="{EB7B1CEE-DE6D-7943-9186-D170E0911C42}" srcOrd="0" destOrd="0" presId="urn:microsoft.com/office/officeart/2005/8/layout/radial1"/>
+    <dgm:cxn modelId="{64FB5194-9D16-AA49-A2D1-40D412B3A952}" type="presOf" srcId="{5AA65308-CF0F-3C44-9D2E-BDFE6DE498C8}" destId="{EB7B1CEE-DE6D-7943-9186-D170E0911C42}" srcOrd="0" destOrd="2" presId="urn:microsoft.com/office/officeart/2005/8/layout/radial1"/>
+    <dgm:cxn modelId="{D322549E-6800-FB47-8CAD-EC600E8B3BBF}" type="presOf" srcId="{B5248C2A-27FC-5F48-9029-8D3BE5262A42}" destId="{19221355-0E3A-7F47-A885-9C6C48CA15A8}" srcOrd="0" destOrd="0" presId="urn:microsoft.com/office/officeart/2005/8/layout/radial1"/>
+    <dgm:cxn modelId="{7F047BA1-2181-7E4A-AE6D-62C393BB42BA}" srcId="{CAF00660-173B-D34F-BF4B-6F6A733916A7}" destId="{84EE9E6A-E8E0-5D4B-9096-F0D64B237384}" srcOrd="0" destOrd="0" parTransId="{9CF6882F-4900-DC4E-8F4C-47C2A75CDA67}" sibTransId="{DE78495B-64C2-8041-8FE5-7DCB3B9EDF07}"/>
+    <dgm:cxn modelId="{FE1A04A2-7A2C-394C-BE6C-A638191FFDB3}" srcId="{E97F6690-0C41-1045-8E1A-CC6D550BE972}" destId="{09ADC6AE-B8A8-444B-946B-9BF78AC9E117}" srcOrd="3" destOrd="0" parTransId="{FC6EEB04-860F-CC46-A798-C8AB13FB0E84}" sibTransId="{348582E9-D2E3-3446-8A49-09AA9DD6F4B1}"/>
+    <dgm:cxn modelId="{458A40A5-39C3-4B4F-9060-792963F7EDA6}" type="presOf" srcId="{CAF00660-173B-D34F-BF4B-6F6A733916A7}" destId="{D0695232-5AA2-4748-BDA1-AA3DCE9AB316}" srcOrd="0" destOrd="0" presId="urn:microsoft.com/office/officeart/2005/8/layout/radial1"/>
+    <dgm:cxn modelId="{58747CBB-3574-7340-9FA1-A4D02B8EEDFF}" srcId="{F82051D4-56A2-2048-B4D9-810538BE31DD}" destId="{E97F6690-0C41-1045-8E1A-CC6D550BE972}" srcOrd="0" destOrd="0" parTransId="{7218B075-FE22-4E4E-8F75-17EADA07E889}" sibTransId="{073C4874-AEA7-5147-8A81-055F58A26288}"/>
+    <dgm:cxn modelId="{BBC31FD2-D032-0449-9237-072EC613C484}" type="presOf" srcId="{730134EF-FF7A-ED4B-8371-341CDABEBE27}" destId="{AC2F3721-821A-5C47-9989-7DFC7206A559}" srcOrd="1" destOrd="0" presId="urn:microsoft.com/office/officeart/2005/8/layout/radial1"/>
+    <dgm:cxn modelId="{78D88AEE-BDB5-824E-8F04-53ABEBD93131}" srcId="{E97F6690-0C41-1045-8E1A-CC6D550BE972}" destId="{CAF00660-173B-D34F-BF4B-6F6A733916A7}" srcOrd="1" destOrd="0" parTransId="{730134EF-FF7A-ED4B-8371-341CDABEBE27}" sibTransId="{EDF07895-165A-AF47-AD69-9B9CC22A2AC0}"/>
+    <dgm:cxn modelId="{72BDFBC4-0AAD-FA43-987B-87C79A18F634}" type="presParOf" srcId="{17374973-579B-D84E-949A-4FF0DD956090}" destId="{DDB557E3-186C-7A49-9EB4-642FF9B431F6}" srcOrd="0" destOrd="0" presId="urn:microsoft.com/office/officeart/2005/8/layout/radial1"/>
+    <dgm:cxn modelId="{21E32D39-EA28-2445-9A84-FCB3BE2EB783}" type="presParOf" srcId="{17374973-579B-D84E-949A-4FF0DD956090}" destId="{19221355-0E3A-7F47-A885-9C6C48CA15A8}" srcOrd="1" destOrd="0" presId="urn:microsoft.com/office/officeart/2005/8/layout/radial1"/>
+    <dgm:cxn modelId="{10618A10-1DBF-6B45-9B42-5B8925CAFEA9}" type="presParOf" srcId="{19221355-0E3A-7F47-A885-9C6C48CA15A8}" destId="{CF9D5151-5A97-A344-B7B0-0A13DF7076D3}" srcOrd="0" destOrd="0" presId="urn:microsoft.com/office/officeart/2005/8/layout/radial1"/>
+    <dgm:cxn modelId="{BB23B095-3763-0B44-8821-C91D199D7E83}" type="presParOf" srcId="{17374973-579B-D84E-949A-4FF0DD956090}" destId="{EB7B1CEE-DE6D-7943-9186-D170E0911C42}" srcOrd="2" destOrd="0" presId="urn:microsoft.com/office/officeart/2005/8/layout/radial1"/>
+    <dgm:cxn modelId="{02E4725B-CDB1-254F-84ED-808211F0688F}" type="presParOf" srcId="{17374973-579B-D84E-949A-4FF0DD956090}" destId="{D3F8308C-3C8B-3346-9049-922D21AD4486}" srcOrd="3" destOrd="0" presId="urn:microsoft.com/office/officeart/2005/8/layout/radial1"/>
+    <dgm:cxn modelId="{11E757FD-F964-0B49-8773-027BDF4C05F1}" type="presParOf" srcId="{D3F8308C-3C8B-3346-9049-922D21AD4486}" destId="{AC2F3721-821A-5C47-9989-7DFC7206A559}" srcOrd="0" destOrd="0" presId="urn:microsoft.com/office/officeart/2005/8/layout/radial1"/>
+    <dgm:cxn modelId="{7D85A7CD-0FA9-3148-B2D5-7BE06AC03B24}" type="presParOf" srcId="{17374973-579B-D84E-949A-4FF0DD956090}" destId="{D0695232-5AA2-4748-BDA1-AA3DCE9AB316}" srcOrd="4" destOrd="0" presId="urn:microsoft.com/office/officeart/2005/8/layout/radial1"/>
+    <dgm:cxn modelId="{ACDBA792-7F7C-1543-8819-7BED57B15E42}" type="presParOf" srcId="{17374973-579B-D84E-949A-4FF0DD956090}" destId="{DB02F47E-83AC-D549-88E9-130F7BCCEED5}" srcOrd="5" destOrd="0" presId="urn:microsoft.com/office/officeart/2005/8/layout/radial1"/>
+    <dgm:cxn modelId="{E5CDCC53-B072-DF43-BB50-A7354A3FDFA1}" type="presParOf" srcId="{DB02F47E-83AC-D549-88E9-130F7BCCEED5}" destId="{C828C742-7070-804E-AE3C-6CD982D7673B}" srcOrd="0" destOrd="0" presId="urn:microsoft.com/office/officeart/2005/8/layout/radial1"/>
+    <dgm:cxn modelId="{5B87C504-DCEE-E040-BBE6-453C0C9AFBD3}" type="presParOf" srcId="{17374973-579B-D84E-949A-4FF0DD956090}" destId="{620E1F4F-12E5-AC46-83A4-4A7413916AD7}" srcOrd="6" destOrd="0" presId="urn:microsoft.com/office/officeart/2005/8/layout/radial1"/>
+    <dgm:cxn modelId="{AD9241F4-CC8D-9D42-9B0E-5D99A9EC5153}" type="presParOf" srcId="{17374973-579B-D84E-949A-4FF0DD956090}" destId="{C0640233-879C-D44E-8BF0-F7129C1E97D0}" srcOrd="7" destOrd="0" presId="urn:microsoft.com/office/officeart/2005/8/layout/radial1"/>
+    <dgm:cxn modelId="{36D037D7-98ED-DA42-82CD-4737615E87BD}" type="presParOf" srcId="{C0640233-879C-D44E-8BF0-F7129C1E97D0}" destId="{A73F1A29-6A37-7447-9CB3-E968D5FC489A}" srcOrd="0" destOrd="0" presId="urn:microsoft.com/office/officeart/2005/8/layout/radial1"/>
+    <dgm:cxn modelId="{C954173E-897E-044F-B703-DE8FA584404F}" type="presParOf" srcId="{17374973-579B-D84E-949A-4FF0DD956090}" destId="{86E6A0DC-85E8-F04A-AE79-DEA52034E766}" srcOrd="8" destOrd="0" presId="urn:microsoft.com/office/officeart/2005/8/layout/radial1"/>
+  </dgm:cxnLst>
+  <dgm:bg/>
+  <dgm:whole/>
+  <dgm:extLst>
+    <a:ext uri="http://schemas.microsoft.com/office/drawing/2008/diagram">
+      <dsp:dataModelExt xmlns:dsp="http://schemas.microsoft.com/office/drawing/2008/diagram" relId="rId6" minVer="http://schemas.openxmlformats.org/drawingml/2006/diagram"/>
+    </a:ext>
+  </dgm:extLst>
+</dgm:dataModel>
+</file>
+
 <file path=ppt/diagrams/drawing1.xml><?xml version="1.0" encoding="utf-8"?>
 <dsp:drawing xmlns:dgm="http://schemas.openxmlformats.org/drawingml/2006/diagram" xmlns:dsp="http://schemas.microsoft.com/office/drawing/2008/diagram" xmlns:a="http://schemas.openxmlformats.org/drawingml/2006/main">
   <dsp:spTree>
@@ -1085,6 +2291,792 @@
       <dsp:cNvGrpSpPr/>
     </dsp:nvGrpSpPr>
     <dsp:grpSpPr/>
+  </dsp:spTree>
+</dsp:drawing>
+</file>
+
+<file path=ppt/diagrams/drawing2.xml><?xml version="1.0" encoding="utf-8"?>
+<dsp:drawing xmlns:dgm="http://schemas.openxmlformats.org/drawingml/2006/diagram" xmlns:dsp="http://schemas.microsoft.com/office/drawing/2008/diagram" xmlns:a="http://schemas.openxmlformats.org/drawingml/2006/main">
+  <dsp:spTree>
+    <dsp:nvGrpSpPr>
+      <dsp:cNvPr id="0" name=""/>
+      <dsp:cNvGrpSpPr/>
+    </dsp:nvGrpSpPr>
+    <dsp:grpSpPr/>
+    <dsp:sp modelId="{DDB557E3-186C-7A49-9EB4-642FF9B431F6}">
+      <dsp:nvSpPr>
+        <dsp:cNvPr id="0" name=""/>
+        <dsp:cNvSpPr/>
+      </dsp:nvSpPr>
+      <dsp:spPr>
+        <a:xfrm>
+          <a:off x="3317797" y="1963130"/>
+          <a:ext cx="1492405" cy="1492405"/>
+        </a:xfrm>
+        <a:prstGeom prst="ellipse">
+          <a:avLst/>
+        </a:prstGeom>
+        <a:solidFill>
+          <a:schemeClr val="lt1">
+            <a:hueOff val="0"/>
+            <a:satOff val="0"/>
+            <a:lumOff val="0"/>
+            <a:alphaOff val="0"/>
+          </a:schemeClr>
+        </a:solidFill>
+        <a:ln w="12700" cap="flat" cmpd="sng" algn="ctr">
+          <a:solidFill>
+            <a:schemeClr val="dk1">
+              <a:shade val="80000"/>
+              <a:hueOff val="0"/>
+              <a:satOff val="0"/>
+              <a:lumOff val="0"/>
+              <a:alphaOff val="0"/>
+            </a:schemeClr>
+          </a:solidFill>
+          <a:prstDash val="solid"/>
+          <a:miter lim="800000"/>
+        </a:ln>
+        <a:effectLst/>
+      </dsp:spPr>
+      <dsp:style>
+        <a:lnRef idx="2">
+          <a:scrgbClr r="0" g="0" b="0"/>
+        </a:lnRef>
+        <a:fillRef idx="1">
+          <a:scrgbClr r="0" g="0" b="0"/>
+        </a:fillRef>
+        <a:effectRef idx="0">
+          <a:scrgbClr r="0" g="0" b="0"/>
+        </a:effectRef>
+        <a:fontRef idx="minor">
+          <a:schemeClr val="lt1"/>
+        </a:fontRef>
+      </dsp:style>
+      <dsp:txBody>
+        <a:bodyPr spcFirstLastPara="0" vert="horz" wrap="square" lIns="10795" tIns="10795" rIns="10795" bIns="10795" numCol="1" spcCol="1270" anchor="ctr" anchorCtr="0">
+          <a:noAutofit/>
+        </a:bodyPr>
+        <a:lstStyle/>
+        <a:p>
+          <a:pPr marL="0" lvl="0" indent="0" algn="ctr" defTabSz="755650">
+            <a:lnSpc>
+              <a:spcPct val="90000"/>
+            </a:lnSpc>
+            <a:spcBef>
+              <a:spcPct val="0"/>
+            </a:spcBef>
+            <a:spcAft>
+              <a:spcPct val="35000"/>
+            </a:spcAft>
+            <a:buNone/>
+          </a:pPr>
+          <a:r>
+            <a:rPr lang="en-US" sz="1700" kern="1200" dirty="0" err="1"/>
+            <a:t>Cloudmesh</a:t>
+          </a:r>
+          <a:r>
+            <a:rPr lang="en-US" sz="1700" kern="1200" dirty="0"/>
+            <a:t> </a:t>
+          </a:r>
+          <a:r>
+            <a:rPr lang="en-US" sz="1700" kern="1200" dirty="0" err="1"/>
+            <a:t>OpenAPI</a:t>
+          </a:r>
+          <a:endParaRPr lang="en-US" sz="1700" kern="1200" dirty="0"/>
+        </a:p>
+      </dsp:txBody>
+      <dsp:txXfrm>
+        <a:off x="3536355" y="2181688"/>
+        <a:ext cx="1055289" cy="1055289"/>
+      </dsp:txXfrm>
+    </dsp:sp>
+    <dsp:sp modelId="{19221355-0E3A-7F47-A885-9C6C48CA15A8}">
+      <dsp:nvSpPr>
+        <dsp:cNvPr id="0" name=""/>
+        <dsp:cNvSpPr/>
+      </dsp:nvSpPr>
+      <dsp:spPr>
+        <a:xfrm rot="16200000">
+          <a:off x="3838366" y="1720972"/>
+          <a:ext cx="451266" cy="33050"/>
+        </a:xfrm>
+        <a:custGeom>
+          <a:avLst/>
+          <a:gdLst/>
+          <a:ahLst/>
+          <a:cxnLst/>
+          <a:rect l="0" t="0" r="0" b="0"/>
+          <a:pathLst>
+            <a:path>
+              <a:moveTo>
+                <a:pt x="0" y="16525"/>
+              </a:moveTo>
+              <a:lnTo>
+                <a:pt x="451266" y="16525"/>
+              </a:lnTo>
+            </a:path>
+          </a:pathLst>
+        </a:custGeom>
+        <a:noFill/>
+        <a:ln w="12700" cap="flat" cmpd="sng" algn="ctr">
+          <a:solidFill>
+            <a:schemeClr val="dk1">
+              <a:shade val="60000"/>
+              <a:hueOff val="0"/>
+              <a:satOff val="0"/>
+              <a:lumOff val="0"/>
+              <a:alphaOff val="0"/>
+            </a:schemeClr>
+          </a:solidFill>
+          <a:prstDash val="solid"/>
+          <a:miter lim="800000"/>
+        </a:ln>
+        <a:effectLst/>
+      </dsp:spPr>
+      <dsp:style>
+        <a:lnRef idx="2">
+          <a:scrgbClr r="0" g="0" b="0"/>
+        </a:lnRef>
+        <a:fillRef idx="0">
+          <a:scrgbClr r="0" g="0" b="0"/>
+        </a:fillRef>
+        <a:effectRef idx="0">
+          <a:scrgbClr r="0" g="0" b="0"/>
+        </a:effectRef>
+        <a:fontRef idx="minor"/>
+      </dsp:style>
+      <dsp:txBody>
+        <a:bodyPr spcFirstLastPara="0" vert="horz" wrap="square" lIns="12700" tIns="0" rIns="12700" bIns="0" numCol="1" spcCol="1270" anchor="ctr" anchorCtr="0">
+          <a:noAutofit/>
+        </a:bodyPr>
+        <a:lstStyle/>
+        <a:p>
+          <a:pPr marL="0" lvl="0" indent="0" algn="ctr" defTabSz="222250">
+            <a:lnSpc>
+              <a:spcPct val="90000"/>
+            </a:lnSpc>
+            <a:spcBef>
+              <a:spcPct val="0"/>
+            </a:spcBef>
+            <a:spcAft>
+              <a:spcPct val="35000"/>
+            </a:spcAft>
+            <a:buNone/>
+          </a:pPr>
+          <a:endParaRPr lang="en-US" sz="500" kern="1200"/>
+        </a:p>
+      </dsp:txBody>
+      <dsp:txXfrm>
+        <a:off x="4052718" y="1726216"/>
+        <a:ext cx="22563" cy="22563"/>
+      </dsp:txXfrm>
+    </dsp:sp>
+    <dsp:sp modelId="{EB7B1CEE-DE6D-7943-9186-D170E0911C42}">
+      <dsp:nvSpPr>
+        <dsp:cNvPr id="0" name=""/>
+        <dsp:cNvSpPr/>
+      </dsp:nvSpPr>
+      <dsp:spPr>
+        <a:xfrm>
+          <a:off x="3317797" y="19459"/>
+          <a:ext cx="1492405" cy="1492405"/>
+        </a:xfrm>
+        <a:prstGeom prst="ellipse">
+          <a:avLst/>
+        </a:prstGeom>
+        <a:solidFill>
+          <a:schemeClr val="lt1">
+            <a:hueOff val="0"/>
+            <a:satOff val="0"/>
+            <a:lumOff val="0"/>
+            <a:alphaOff val="0"/>
+          </a:schemeClr>
+        </a:solidFill>
+        <a:ln w="12700" cap="flat" cmpd="sng" algn="ctr">
+          <a:solidFill>
+            <a:schemeClr val="dk1">
+              <a:shade val="80000"/>
+              <a:hueOff val="0"/>
+              <a:satOff val="0"/>
+              <a:lumOff val="0"/>
+              <a:alphaOff val="0"/>
+            </a:schemeClr>
+          </a:solidFill>
+          <a:prstDash val="solid"/>
+          <a:miter lim="800000"/>
+        </a:ln>
+        <a:effectLst/>
+      </dsp:spPr>
+      <dsp:style>
+        <a:lnRef idx="2">
+          <a:scrgbClr r="0" g="0" b="0"/>
+        </a:lnRef>
+        <a:fillRef idx="1">
+          <a:scrgbClr r="0" g="0" b="0"/>
+        </a:fillRef>
+        <a:effectRef idx="0">
+          <a:scrgbClr r="0" g="0" b="0"/>
+        </a:effectRef>
+        <a:fontRef idx="minor">
+          <a:schemeClr val="lt1"/>
+        </a:fontRef>
+      </dsp:style>
+      <dsp:txBody>
+        <a:bodyPr spcFirstLastPara="0" vert="horz" wrap="square" lIns="13335" tIns="13335" rIns="13335" bIns="13335" numCol="1" spcCol="1270" anchor="ctr" anchorCtr="0">
+          <a:noAutofit/>
+        </a:bodyPr>
+        <a:lstStyle/>
+        <a:p>
+          <a:pPr marL="0" lvl="0" indent="0" algn="l" defTabSz="933450">
+            <a:lnSpc>
+              <a:spcPct val="90000"/>
+            </a:lnSpc>
+            <a:spcBef>
+              <a:spcPct val="0"/>
+            </a:spcBef>
+            <a:spcAft>
+              <a:spcPct val="35000"/>
+            </a:spcAft>
+            <a:buNone/>
+          </a:pPr>
+          <a:r>
+            <a:rPr lang="en-US" sz="2100" kern="1200" dirty="0"/>
+            <a:t>Concepts</a:t>
+          </a:r>
+        </a:p>
+        <a:p>
+          <a:pPr marL="171450" lvl="1" indent="-171450" algn="l" defTabSz="711200">
+            <a:lnSpc>
+              <a:spcPct val="90000"/>
+            </a:lnSpc>
+            <a:spcBef>
+              <a:spcPct val="0"/>
+            </a:spcBef>
+            <a:spcAft>
+              <a:spcPct val="15000"/>
+            </a:spcAft>
+            <a:buChar char="•"/>
+          </a:pPr>
+          <a:r>
+            <a:rPr lang="en-US" sz="1600" kern="1200" dirty="0"/>
+            <a:t>REST</a:t>
+          </a:r>
+        </a:p>
+        <a:p>
+          <a:pPr marL="171450" lvl="1" indent="-171450" algn="l" defTabSz="711200">
+            <a:lnSpc>
+              <a:spcPct val="90000"/>
+            </a:lnSpc>
+            <a:spcBef>
+              <a:spcPct val="0"/>
+            </a:spcBef>
+            <a:spcAft>
+              <a:spcPct val="15000"/>
+            </a:spcAft>
+            <a:buChar char="•"/>
+          </a:pPr>
+          <a:r>
+            <a:rPr lang="en-US" sz="1600" kern="1200" dirty="0" err="1"/>
+            <a:t>OpenAPI</a:t>
+          </a:r>
+          <a:endParaRPr lang="en-US" sz="1600" kern="1200" dirty="0"/>
+        </a:p>
+      </dsp:txBody>
+      <dsp:txXfrm>
+        <a:off x="3536355" y="238017"/>
+        <a:ext cx="1055289" cy="1055289"/>
+      </dsp:txXfrm>
+    </dsp:sp>
+    <dsp:sp modelId="{D3F8308C-3C8B-3346-9049-922D21AD4486}">
+      <dsp:nvSpPr>
+        <dsp:cNvPr id="0" name=""/>
+        <dsp:cNvSpPr/>
+      </dsp:nvSpPr>
+      <dsp:spPr>
+        <a:xfrm>
+          <a:off x="4810202" y="2692808"/>
+          <a:ext cx="451266" cy="33050"/>
+        </a:xfrm>
+        <a:custGeom>
+          <a:avLst/>
+          <a:gdLst/>
+          <a:ahLst/>
+          <a:cxnLst/>
+          <a:rect l="0" t="0" r="0" b="0"/>
+          <a:pathLst>
+            <a:path>
+              <a:moveTo>
+                <a:pt x="0" y="16525"/>
+              </a:moveTo>
+              <a:lnTo>
+                <a:pt x="451266" y="16525"/>
+              </a:lnTo>
+            </a:path>
+          </a:pathLst>
+        </a:custGeom>
+        <a:noFill/>
+        <a:ln w="12700" cap="flat" cmpd="sng" algn="ctr">
+          <a:solidFill>
+            <a:schemeClr val="dk1">
+              <a:shade val="60000"/>
+              <a:hueOff val="0"/>
+              <a:satOff val="0"/>
+              <a:lumOff val="0"/>
+              <a:alphaOff val="0"/>
+            </a:schemeClr>
+          </a:solidFill>
+          <a:prstDash val="solid"/>
+          <a:miter lim="800000"/>
+        </a:ln>
+        <a:effectLst/>
+      </dsp:spPr>
+      <dsp:style>
+        <a:lnRef idx="2">
+          <a:scrgbClr r="0" g="0" b="0"/>
+        </a:lnRef>
+        <a:fillRef idx="0">
+          <a:scrgbClr r="0" g="0" b="0"/>
+        </a:fillRef>
+        <a:effectRef idx="0">
+          <a:scrgbClr r="0" g="0" b="0"/>
+        </a:effectRef>
+        <a:fontRef idx="minor"/>
+      </dsp:style>
+      <dsp:txBody>
+        <a:bodyPr spcFirstLastPara="0" vert="horz" wrap="square" lIns="12700" tIns="0" rIns="12700" bIns="0" numCol="1" spcCol="1270" anchor="ctr" anchorCtr="0">
+          <a:noAutofit/>
+        </a:bodyPr>
+        <a:lstStyle/>
+        <a:p>
+          <a:pPr marL="0" lvl="0" indent="0" algn="ctr" defTabSz="222250">
+            <a:lnSpc>
+              <a:spcPct val="90000"/>
+            </a:lnSpc>
+            <a:spcBef>
+              <a:spcPct val="0"/>
+            </a:spcBef>
+            <a:spcAft>
+              <a:spcPct val="35000"/>
+            </a:spcAft>
+            <a:buNone/>
+          </a:pPr>
+          <a:endParaRPr lang="en-US" sz="500" kern="1200"/>
+        </a:p>
+      </dsp:txBody>
+      <dsp:txXfrm>
+        <a:off x="5024554" y="2698051"/>
+        <a:ext cx="22563" cy="22563"/>
+      </dsp:txXfrm>
+    </dsp:sp>
+    <dsp:sp modelId="{D0695232-5AA2-4748-BDA1-AA3DCE9AB316}">
+      <dsp:nvSpPr>
+        <dsp:cNvPr id="0" name=""/>
+        <dsp:cNvSpPr/>
+      </dsp:nvSpPr>
+      <dsp:spPr>
+        <a:xfrm>
+          <a:off x="5261469" y="1963130"/>
+          <a:ext cx="1492405" cy="1492405"/>
+        </a:xfrm>
+        <a:prstGeom prst="ellipse">
+          <a:avLst/>
+        </a:prstGeom>
+        <a:solidFill>
+          <a:schemeClr val="lt1">
+            <a:hueOff val="0"/>
+            <a:satOff val="0"/>
+            <a:lumOff val="0"/>
+            <a:alphaOff val="0"/>
+          </a:schemeClr>
+        </a:solidFill>
+        <a:ln w="12700" cap="flat" cmpd="sng" algn="ctr">
+          <a:solidFill>
+            <a:schemeClr val="dk1">
+              <a:shade val="80000"/>
+              <a:hueOff val="0"/>
+              <a:satOff val="0"/>
+              <a:lumOff val="0"/>
+              <a:alphaOff val="0"/>
+            </a:schemeClr>
+          </a:solidFill>
+          <a:prstDash val="solid"/>
+          <a:miter lim="800000"/>
+        </a:ln>
+        <a:effectLst/>
+      </dsp:spPr>
+      <dsp:style>
+        <a:lnRef idx="2">
+          <a:scrgbClr r="0" g="0" b="0"/>
+        </a:lnRef>
+        <a:fillRef idx="1">
+          <a:scrgbClr r="0" g="0" b="0"/>
+        </a:fillRef>
+        <a:effectRef idx="0">
+          <a:scrgbClr r="0" g="0" b="0"/>
+        </a:effectRef>
+        <a:fontRef idx="minor">
+          <a:schemeClr val="lt1"/>
+        </a:fontRef>
+      </dsp:style>
+      <dsp:txBody>
+        <a:bodyPr spcFirstLastPara="0" vert="horz" wrap="square" lIns="13335" tIns="13335" rIns="13335" bIns="13335" numCol="1" spcCol="1270" anchor="ctr" anchorCtr="0">
+          <a:noAutofit/>
+        </a:bodyPr>
+        <a:lstStyle/>
+        <a:p>
+          <a:pPr marL="0" lvl="0" indent="0" algn="l" defTabSz="933450">
+            <a:lnSpc>
+              <a:spcPct val="90000"/>
+            </a:lnSpc>
+            <a:spcBef>
+              <a:spcPct val="0"/>
+            </a:spcBef>
+            <a:spcAft>
+              <a:spcPct val="35000"/>
+            </a:spcAft>
+            <a:buNone/>
+          </a:pPr>
+          <a:r>
+            <a:rPr lang="en-US" sz="2100" kern="1200" dirty="0"/>
+            <a:t>VM Clouds</a:t>
+          </a:r>
+        </a:p>
+        <a:p>
+          <a:pPr marL="171450" lvl="1" indent="-171450" algn="l" defTabSz="711200">
+            <a:lnSpc>
+              <a:spcPct val="90000"/>
+            </a:lnSpc>
+            <a:spcBef>
+              <a:spcPct val="0"/>
+            </a:spcBef>
+            <a:spcAft>
+              <a:spcPct val="15000"/>
+            </a:spcAft>
+            <a:buChar char="•"/>
+          </a:pPr>
+          <a:endParaRPr lang="en-US" sz="1600" kern="1200" dirty="0"/>
+        </a:p>
+      </dsp:txBody>
+      <dsp:txXfrm>
+        <a:off x="5480027" y="2181688"/>
+        <a:ext cx="1055289" cy="1055289"/>
+      </dsp:txXfrm>
+    </dsp:sp>
+    <dsp:sp modelId="{DB02F47E-83AC-D549-88E9-130F7BCCEED5}">
+      <dsp:nvSpPr>
+        <dsp:cNvPr id="0" name=""/>
+        <dsp:cNvSpPr/>
+      </dsp:nvSpPr>
+      <dsp:spPr>
+        <a:xfrm rot="5400000">
+          <a:off x="3838366" y="3664644"/>
+          <a:ext cx="451266" cy="33050"/>
+        </a:xfrm>
+        <a:custGeom>
+          <a:avLst/>
+          <a:gdLst/>
+          <a:ahLst/>
+          <a:cxnLst/>
+          <a:rect l="0" t="0" r="0" b="0"/>
+          <a:pathLst>
+            <a:path>
+              <a:moveTo>
+                <a:pt x="0" y="16525"/>
+              </a:moveTo>
+              <a:lnTo>
+                <a:pt x="451266" y="16525"/>
+              </a:lnTo>
+            </a:path>
+          </a:pathLst>
+        </a:custGeom>
+        <a:noFill/>
+        <a:ln w="12700" cap="flat" cmpd="sng" algn="ctr">
+          <a:solidFill>
+            <a:schemeClr val="dk1">
+              <a:shade val="60000"/>
+              <a:hueOff val="0"/>
+              <a:satOff val="0"/>
+              <a:lumOff val="0"/>
+              <a:alphaOff val="0"/>
+            </a:schemeClr>
+          </a:solidFill>
+          <a:prstDash val="solid"/>
+          <a:miter lim="800000"/>
+        </a:ln>
+        <a:effectLst/>
+      </dsp:spPr>
+      <dsp:style>
+        <a:lnRef idx="2">
+          <a:scrgbClr r="0" g="0" b="0"/>
+        </a:lnRef>
+        <a:fillRef idx="0">
+          <a:scrgbClr r="0" g="0" b="0"/>
+        </a:fillRef>
+        <a:effectRef idx="0">
+          <a:scrgbClr r="0" g="0" b="0"/>
+        </a:effectRef>
+        <a:fontRef idx="minor"/>
+      </dsp:style>
+      <dsp:txBody>
+        <a:bodyPr spcFirstLastPara="0" vert="horz" wrap="square" lIns="12700" tIns="0" rIns="12700" bIns="0" numCol="1" spcCol="1270" anchor="ctr" anchorCtr="0">
+          <a:noAutofit/>
+        </a:bodyPr>
+        <a:lstStyle/>
+        <a:p>
+          <a:pPr marL="0" lvl="0" indent="0" algn="ctr" defTabSz="222250">
+            <a:lnSpc>
+              <a:spcPct val="90000"/>
+            </a:lnSpc>
+            <a:spcBef>
+              <a:spcPct val="0"/>
+            </a:spcBef>
+            <a:spcAft>
+              <a:spcPct val="35000"/>
+            </a:spcAft>
+            <a:buNone/>
+          </a:pPr>
+          <a:endParaRPr lang="en-US" sz="500" kern="1200"/>
+        </a:p>
+      </dsp:txBody>
+      <dsp:txXfrm>
+        <a:off x="4052718" y="3669887"/>
+        <a:ext cx="22563" cy="22563"/>
+      </dsp:txXfrm>
+    </dsp:sp>
+    <dsp:sp modelId="{620E1F4F-12E5-AC46-83A4-4A7413916AD7}">
+      <dsp:nvSpPr>
+        <dsp:cNvPr id="0" name=""/>
+        <dsp:cNvSpPr/>
+      </dsp:nvSpPr>
+      <dsp:spPr>
+        <a:xfrm>
+          <a:off x="3317797" y="3906802"/>
+          <a:ext cx="1492405" cy="1492405"/>
+        </a:xfrm>
+        <a:prstGeom prst="ellipse">
+          <a:avLst/>
+        </a:prstGeom>
+        <a:solidFill>
+          <a:schemeClr val="lt1">
+            <a:hueOff val="0"/>
+            <a:satOff val="0"/>
+            <a:lumOff val="0"/>
+            <a:alphaOff val="0"/>
+          </a:schemeClr>
+        </a:solidFill>
+        <a:ln w="12700" cap="flat" cmpd="sng" algn="ctr">
+          <a:solidFill>
+            <a:schemeClr val="dk1">
+              <a:shade val="80000"/>
+              <a:hueOff val="0"/>
+              <a:satOff val="0"/>
+              <a:lumOff val="0"/>
+              <a:alphaOff val="0"/>
+            </a:schemeClr>
+          </a:solidFill>
+          <a:prstDash val="solid"/>
+          <a:miter lim="800000"/>
+        </a:ln>
+        <a:effectLst/>
+      </dsp:spPr>
+      <dsp:style>
+        <a:lnRef idx="2">
+          <a:scrgbClr r="0" g="0" b="0"/>
+        </a:lnRef>
+        <a:fillRef idx="1">
+          <a:scrgbClr r="0" g="0" b="0"/>
+        </a:fillRef>
+        <a:effectRef idx="0">
+          <a:scrgbClr r="0" g="0" b="0"/>
+        </a:effectRef>
+        <a:fontRef idx="minor">
+          <a:schemeClr val="lt1"/>
+        </a:fontRef>
+      </dsp:style>
+      <dsp:txBody>
+        <a:bodyPr spcFirstLastPara="0" vert="horz" wrap="square" lIns="13335" tIns="13335" rIns="13335" bIns="13335" numCol="1" spcCol="1270" anchor="ctr" anchorCtr="0">
+          <a:noAutofit/>
+        </a:bodyPr>
+        <a:lstStyle/>
+        <a:p>
+          <a:pPr marL="0" lvl="0" indent="0" algn="ctr" defTabSz="933450">
+            <a:lnSpc>
+              <a:spcPct val="90000"/>
+            </a:lnSpc>
+            <a:spcBef>
+              <a:spcPct val="0"/>
+            </a:spcBef>
+            <a:spcAft>
+              <a:spcPct val="35000"/>
+            </a:spcAft>
+            <a:buNone/>
+          </a:pPr>
+          <a:endParaRPr lang="en-US" sz="2100" kern="1200"/>
+        </a:p>
+      </dsp:txBody>
+      <dsp:txXfrm>
+        <a:off x="3536355" y="4125360"/>
+        <a:ext cx="1055289" cy="1055289"/>
+      </dsp:txXfrm>
+    </dsp:sp>
+    <dsp:sp modelId="{C0640233-879C-D44E-8BF0-F7129C1E97D0}">
+      <dsp:nvSpPr>
+        <dsp:cNvPr id="0" name=""/>
+        <dsp:cNvSpPr/>
+      </dsp:nvSpPr>
+      <dsp:spPr>
+        <a:xfrm rot="10800000">
+          <a:off x="2866530" y="2692808"/>
+          <a:ext cx="451266" cy="33050"/>
+        </a:xfrm>
+        <a:custGeom>
+          <a:avLst/>
+          <a:gdLst/>
+          <a:ahLst/>
+          <a:cxnLst/>
+          <a:rect l="0" t="0" r="0" b="0"/>
+          <a:pathLst>
+            <a:path>
+              <a:moveTo>
+                <a:pt x="0" y="16525"/>
+              </a:moveTo>
+              <a:lnTo>
+                <a:pt x="451266" y="16525"/>
+              </a:lnTo>
+            </a:path>
+          </a:pathLst>
+        </a:custGeom>
+        <a:noFill/>
+        <a:ln w="12700" cap="flat" cmpd="sng" algn="ctr">
+          <a:solidFill>
+            <a:schemeClr val="dk1">
+              <a:shade val="60000"/>
+              <a:hueOff val="0"/>
+              <a:satOff val="0"/>
+              <a:lumOff val="0"/>
+              <a:alphaOff val="0"/>
+            </a:schemeClr>
+          </a:solidFill>
+          <a:prstDash val="solid"/>
+          <a:miter lim="800000"/>
+        </a:ln>
+        <a:effectLst/>
+      </dsp:spPr>
+      <dsp:style>
+        <a:lnRef idx="2">
+          <a:scrgbClr r="0" g="0" b="0"/>
+        </a:lnRef>
+        <a:fillRef idx="0">
+          <a:scrgbClr r="0" g="0" b="0"/>
+        </a:fillRef>
+        <a:effectRef idx="0">
+          <a:scrgbClr r="0" g="0" b="0"/>
+        </a:effectRef>
+        <a:fontRef idx="minor"/>
+      </dsp:style>
+      <dsp:txBody>
+        <a:bodyPr spcFirstLastPara="0" vert="horz" wrap="square" lIns="12700" tIns="0" rIns="12700" bIns="0" numCol="1" spcCol="1270" anchor="ctr" anchorCtr="0">
+          <a:noAutofit/>
+        </a:bodyPr>
+        <a:lstStyle/>
+        <a:p>
+          <a:pPr marL="0" lvl="0" indent="0" algn="ctr" defTabSz="222250">
+            <a:lnSpc>
+              <a:spcPct val="90000"/>
+            </a:lnSpc>
+            <a:spcBef>
+              <a:spcPct val="0"/>
+            </a:spcBef>
+            <a:spcAft>
+              <a:spcPct val="35000"/>
+            </a:spcAft>
+            <a:buNone/>
+          </a:pPr>
+          <a:endParaRPr lang="en-US" sz="500" kern="1200"/>
+        </a:p>
+      </dsp:txBody>
+      <dsp:txXfrm rot="10800000">
+        <a:off x="3080882" y="2698051"/>
+        <a:ext cx="22563" cy="22563"/>
+      </dsp:txXfrm>
+    </dsp:sp>
+    <dsp:sp modelId="{86E6A0DC-85E8-F04A-AE79-DEA52034E766}">
+      <dsp:nvSpPr>
+        <dsp:cNvPr id="0" name=""/>
+        <dsp:cNvSpPr/>
+      </dsp:nvSpPr>
+      <dsp:spPr>
+        <a:xfrm>
+          <a:off x="1374125" y="1963130"/>
+          <a:ext cx="1492405" cy="1492405"/>
+        </a:xfrm>
+        <a:prstGeom prst="ellipse">
+          <a:avLst/>
+        </a:prstGeom>
+        <a:solidFill>
+          <a:schemeClr val="lt1">
+            <a:hueOff val="0"/>
+            <a:satOff val="0"/>
+            <a:lumOff val="0"/>
+            <a:alphaOff val="0"/>
+          </a:schemeClr>
+        </a:solidFill>
+        <a:ln w="12700" cap="flat" cmpd="sng" algn="ctr">
+          <a:solidFill>
+            <a:schemeClr val="dk1">
+              <a:shade val="80000"/>
+              <a:hueOff val="0"/>
+              <a:satOff val="0"/>
+              <a:lumOff val="0"/>
+              <a:alphaOff val="0"/>
+            </a:schemeClr>
+          </a:solidFill>
+          <a:prstDash val="solid"/>
+          <a:miter lim="800000"/>
+        </a:ln>
+        <a:effectLst/>
+      </dsp:spPr>
+      <dsp:style>
+        <a:lnRef idx="2">
+          <a:scrgbClr r="0" g="0" b="0"/>
+        </a:lnRef>
+        <a:fillRef idx="1">
+          <a:scrgbClr r="0" g="0" b="0"/>
+        </a:fillRef>
+        <a:effectRef idx="0">
+          <a:scrgbClr r="0" g="0" b="0"/>
+        </a:effectRef>
+        <a:fontRef idx="minor">
+          <a:schemeClr val="lt1"/>
+        </a:fontRef>
+      </dsp:style>
+      <dsp:txBody>
+        <a:bodyPr spcFirstLastPara="0" vert="horz" wrap="square" lIns="13335" tIns="13335" rIns="13335" bIns="13335" numCol="1" spcCol="1270" anchor="ctr" anchorCtr="0">
+          <a:noAutofit/>
+        </a:bodyPr>
+        <a:lstStyle/>
+        <a:p>
+          <a:pPr marL="0" lvl="0" indent="0" algn="ctr" defTabSz="933450">
+            <a:lnSpc>
+              <a:spcPct val="90000"/>
+            </a:lnSpc>
+            <a:spcBef>
+              <a:spcPct val="0"/>
+            </a:spcBef>
+            <a:spcAft>
+              <a:spcPct val="35000"/>
+            </a:spcAft>
+            <a:buNone/>
+          </a:pPr>
+          <a:endParaRPr lang="en-US" sz="2100" kern="1200"/>
+        </a:p>
+      </dsp:txBody>
+      <dsp:txXfrm>
+        <a:off x="1592683" y="2181688"/>
+        <a:ext cx="1055289" cy="1055289"/>
+      </dsp:txXfrm>
+    </dsp:sp>
   </dsp:spTree>
 </dsp:drawing>
 </file>
@@ -2315,7 +4307,1269 @@
 </dgm:layoutDef>
 </file>
 
+<file path=ppt/diagrams/layout2.xml><?xml version="1.0" encoding="utf-8"?>
+<dgm:layoutDef xmlns:dgm="http://schemas.openxmlformats.org/drawingml/2006/diagram" xmlns:a="http://schemas.openxmlformats.org/drawingml/2006/main" uniqueId="urn:microsoft.com/office/officeart/2005/8/layout/radial1">
+  <dgm:title val=""/>
+  <dgm:desc val=""/>
+  <dgm:catLst>
+    <dgm:cat type="relationship" pri="22000"/>
+    <dgm:cat type="cycle" pri="10000"/>
+  </dgm:catLst>
+  <dgm:sampData>
+    <dgm:dataModel>
+      <dgm:ptLst>
+        <dgm:pt modelId="0" type="doc"/>
+        <dgm:pt modelId="1">
+          <dgm:prSet phldr="1"/>
+        </dgm:pt>
+        <dgm:pt modelId="11">
+          <dgm:prSet phldr="1"/>
+        </dgm:pt>
+        <dgm:pt modelId="12">
+          <dgm:prSet phldr="1"/>
+        </dgm:pt>
+        <dgm:pt modelId="13">
+          <dgm:prSet phldr="1"/>
+        </dgm:pt>
+        <dgm:pt modelId="14">
+          <dgm:prSet phldr="1"/>
+        </dgm:pt>
+      </dgm:ptLst>
+      <dgm:cxnLst>
+        <dgm:cxn modelId="2" srcId="0" destId="1" srcOrd="0" destOrd="0"/>
+        <dgm:cxn modelId="3" srcId="1" destId="11" srcOrd="0" destOrd="0"/>
+        <dgm:cxn modelId="4" srcId="1" destId="12" srcOrd="1" destOrd="0"/>
+        <dgm:cxn modelId="5" srcId="1" destId="13" srcOrd="2" destOrd="0"/>
+        <dgm:cxn modelId="6" srcId="1" destId="14" srcOrd="3" destOrd="0"/>
+      </dgm:cxnLst>
+      <dgm:bg/>
+      <dgm:whole/>
+    </dgm:dataModel>
+  </dgm:sampData>
+  <dgm:styleData>
+    <dgm:dataModel>
+      <dgm:ptLst>
+        <dgm:pt modelId="0" type="doc"/>
+        <dgm:pt modelId="1"/>
+        <dgm:pt modelId="11"/>
+        <dgm:pt modelId="12"/>
+        <dgm:pt modelId="13"/>
+      </dgm:ptLst>
+      <dgm:cxnLst>
+        <dgm:cxn modelId="2" srcId="0" destId="1" srcOrd="0" destOrd="0"/>
+        <dgm:cxn modelId="15" srcId="1" destId="11" srcOrd="0" destOrd="0"/>
+        <dgm:cxn modelId="16" srcId="1" destId="12" srcOrd="1" destOrd="0"/>
+        <dgm:cxn modelId="17" srcId="1" destId="13" srcOrd="2" destOrd="0"/>
+      </dgm:cxnLst>
+      <dgm:bg/>
+      <dgm:whole/>
+    </dgm:dataModel>
+  </dgm:styleData>
+  <dgm:clrData>
+    <dgm:dataModel>
+      <dgm:ptLst>
+        <dgm:pt modelId="0" type="doc"/>
+        <dgm:pt modelId="1"/>
+        <dgm:pt modelId="11"/>
+        <dgm:pt modelId="12"/>
+        <dgm:pt modelId="13"/>
+        <dgm:pt modelId="14"/>
+        <dgm:pt modelId="15"/>
+        <dgm:pt modelId="16"/>
+      </dgm:ptLst>
+      <dgm:cxnLst>
+        <dgm:cxn modelId="2" srcId="0" destId="1" srcOrd="0" destOrd="0"/>
+        <dgm:cxn modelId="16" srcId="1" destId="11" srcOrd="0" destOrd="0"/>
+        <dgm:cxn modelId="17" srcId="1" destId="12" srcOrd="1" destOrd="0"/>
+        <dgm:cxn modelId="18" srcId="1" destId="13" srcOrd="2" destOrd="0"/>
+        <dgm:cxn modelId="19" srcId="1" destId="14" srcOrd="3" destOrd="0"/>
+        <dgm:cxn modelId="20" srcId="1" destId="15" srcOrd="4" destOrd="0"/>
+        <dgm:cxn modelId="21" srcId="1" destId="16" srcOrd="5" destOrd="0"/>
+      </dgm:cxnLst>
+      <dgm:bg/>
+      <dgm:whole/>
+    </dgm:dataModel>
+  </dgm:clrData>
+  <dgm:layoutNode name="cycle">
+    <dgm:varLst>
+      <dgm:chMax val="1"/>
+      <dgm:dir/>
+      <dgm:animLvl val="ctr"/>
+      <dgm:resizeHandles val="exact"/>
+    </dgm:varLst>
+    <dgm:choose name="Name0">
+      <dgm:if name="Name1" func="var" arg="dir" op="equ" val="norm">
+        <dgm:choose name="Name2">
+          <dgm:if name="Name3" axis="ch ch" ptType="node node" st="1 1" cnt="1 0" func="cnt" op="lte" val="1">
+            <dgm:alg type="cycle">
+              <dgm:param type="stAng" val="90"/>
+              <dgm:param type="spanAng" val="360"/>
+              <dgm:param type="ctrShpMap" val="fNode"/>
+            </dgm:alg>
+          </dgm:if>
+          <dgm:else name="Name4">
+            <dgm:alg type="cycle">
+              <dgm:param type="stAng" val="0"/>
+              <dgm:param type="spanAng" val="360"/>
+              <dgm:param type="ctrShpMap" val="fNode"/>
+            </dgm:alg>
+          </dgm:else>
+        </dgm:choose>
+      </dgm:if>
+      <dgm:else name="Name5">
+        <dgm:alg type="cycle">
+          <dgm:param type="stAng" val="0"/>
+          <dgm:param type="spanAng" val="-360"/>
+          <dgm:param type="ctrShpMap" val="fNode"/>
+        </dgm:alg>
+      </dgm:else>
+    </dgm:choose>
+    <dgm:shape xmlns:r="http://schemas.openxmlformats.org/officeDocument/2006/relationships" r:blip="">
+      <dgm:adjLst/>
+    </dgm:shape>
+    <dgm:presOf/>
+    <dgm:constrLst>
+      <dgm:constr type="w" for="ch" forName="centerShape" refType="w"/>
+      <dgm:constr type="w" for="ch" forName="node" refType="w" refFor="ch" refForName="centerShape" op="equ"/>
+      <dgm:constr type="sp" refType="w" refFor="ch" refForName="node" fact="0.3"/>
+      <dgm:constr type="sibSp" refType="w" refFor="ch" refForName="node" fact="0.3"/>
+      <dgm:constr type="primFontSz" for="ch" forName="centerShape" val="65"/>
+      <dgm:constr type="primFontSz" for="des" forName="node" op="equ" val="65"/>
+      <dgm:constr type="primFontSz" for="des" forName="connTx" val="55"/>
+      <dgm:constr type="primFontSz" for="des" forName="connTx" refType="primFontSz" refFor="ch" refForName="centerShape" op="lte" fact="0.8"/>
+    </dgm:constrLst>
+    <dgm:ruleLst/>
+    <dgm:forEach name="Name6" axis="ch" ptType="node" cnt="1">
+      <dgm:layoutNode name="centerShape" styleLbl="node0">
+        <dgm:alg type="tx"/>
+        <dgm:shape xmlns:r="http://schemas.openxmlformats.org/officeDocument/2006/relationships" type="ellipse" r:blip="">
+          <dgm:adjLst/>
+        </dgm:shape>
+        <dgm:presOf axis="self"/>
+        <dgm:constrLst>
+          <dgm:constr type="h" refType="w"/>
+          <dgm:constr type="tMarg" refType="primFontSz" fact="0.05"/>
+          <dgm:constr type="bMarg" refType="primFontSz" fact="0.05"/>
+          <dgm:constr type="lMarg" refType="primFontSz" fact="0.05"/>
+          <dgm:constr type="rMarg" refType="primFontSz" fact="0.05"/>
+        </dgm:constrLst>
+        <dgm:ruleLst>
+          <dgm:rule type="primFontSz" val="5" fact="NaN" max="NaN"/>
+        </dgm:ruleLst>
+      </dgm:layoutNode>
+      <dgm:forEach name="Name7" axis="ch">
+        <dgm:forEach name="Name8" axis="self" ptType="parTrans">
+          <dgm:layoutNode name="Name9">
+            <dgm:alg type="conn">
+              <dgm:param type="dim" val="1D"/>
+              <dgm:param type="begPts" val="auto"/>
+              <dgm:param type="endPts" val="auto"/>
+              <dgm:param type="begSty" val="noArr"/>
+              <dgm:param type="endSty" val="noArr"/>
+            </dgm:alg>
+            <dgm:shape xmlns:r="http://schemas.openxmlformats.org/officeDocument/2006/relationships" type="conn" r:blip="">
+              <dgm:adjLst/>
+            </dgm:shape>
+            <dgm:presOf axis="self"/>
+            <dgm:constrLst>
+              <dgm:constr type="connDist"/>
+              <dgm:constr type="userA" for="ch" refType="connDist"/>
+              <dgm:constr type="w" val="1"/>
+              <dgm:constr type="h" val="5"/>
+              <dgm:constr type="begPad"/>
+              <dgm:constr type="endPad"/>
+            </dgm:constrLst>
+            <dgm:ruleLst/>
+            <dgm:layoutNode name="connTx">
+              <dgm:alg type="tx">
+                <dgm:param type="autoTxRot" val="grav"/>
+              </dgm:alg>
+              <dgm:shape xmlns:r="http://schemas.openxmlformats.org/officeDocument/2006/relationships" type="rect" r:blip="" hideGeom="1">
+                <dgm:adjLst/>
+              </dgm:shape>
+              <dgm:presOf axis="self"/>
+              <dgm:constrLst>
+                <dgm:constr type="userA"/>
+                <dgm:constr type="w" refType="userA" fact="0.05"/>
+                <dgm:constr type="h" refType="userA" fact="0.05"/>
+                <dgm:constr type="lMarg" val="1"/>
+                <dgm:constr type="rMarg" val="1"/>
+                <dgm:constr type="tMarg"/>
+                <dgm:constr type="bMarg"/>
+              </dgm:constrLst>
+              <dgm:ruleLst>
+                <dgm:rule type="w" val="NaN" fact="0.8" max="NaN"/>
+                <dgm:rule type="h" val="NaN" fact="1" max="NaN"/>
+                <dgm:rule type="primFontSz" val="5" fact="NaN" max="NaN"/>
+              </dgm:ruleLst>
+            </dgm:layoutNode>
+          </dgm:layoutNode>
+        </dgm:forEach>
+        <dgm:forEach name="Name10" axis="self" ptType="node">
+          <dgm:layoutNode name="node" styleLbl="node1">
+            <dgm:varLst>
+              <dgm:bulletEnabled val="1"/>
+            </dgm:varLst>
+            <dgm:alg type="tx">
+              <dgm:param type="txAnchorVertCh" val="mid"/>
+            </dgm:alg>
+            <dgm:shape xmlns:r="http://schemas.openxmlformats.org/officeDocument/2006/relationships" type="ellipse" r:blip="">
+              <dgm:adjLst/>
+            </dgm:shape>
+            <dgm:presOf axis="desOrSelf" ptType="node"/>
+            <dgm:constrLst>
+              <dgm:constr type="h" refType="w"/>
+              <dgm:constr type="tMarg" refType="primFontSz" fact="0.05"/>
+              <dgm:constr type="bMarg" refType="primFontSz" fact="0.05"/>
+              <dgm:constr type="lMarg" refType="primFontSz" fact="0.05"/>
+              <dgm:constr type="rMarg" refType="primFontSz" fact="0.05"/>
+            </dgm:constrLst>
+            <dgm:ruleLst>
+              <dgm:rule type="primFontSz" val="5" fact="NaN" max="NaN"/>
+            </dgm:ruleLst>
+          </dgm:layoutNode>
+        </dgm:forEach>
+      </dgm:forEach>
+    </dgm:forEach>
+  </dgm:layoutNode>
+</dgm:layoutDef>
+</file>
+
 <file path=ppt/diagrams/quickStyle1.xml><?xml version="1.0" encoding="utf-8"?>
+<dgm:styleDef xmlns:dgm="http://schemas.openxmlformats.org/drawingml/2006/diagram" xmlns:a="http://schemas.openxmlformats.org/drawingml/2006/main" uniqueId="urn:microsoft.com/office/officeart/2005/8/quickstyle/simple1">
+  <dgm:title val=""/>
+  <dgm:desc val=""/>
+  <dgm:catLst>
+    <dgm:cat type="simple" pri="10100"/>
+  </dgm:catLst>
+  <dgm:scene3d>
+    <a:camera prst="orthographicFront"/>
+    <a:lightRig rig="threePt" dir="t"/>
+  </dgm:scene3d>
+  <dgm:styleLbl name="node0">
+    <dgm:scene3d>
+      <a:camera prst="orthographicFront"/>
+      <a:lightRig rig="threePt" dir="t"/>
+    </dgm:scene3d>
+    <dgm:sp3d/>
+    <dgm:txPr/>
+    <dgm:style>
+      <a:lnRef idx="2">
+        <a:scrgbClr r="0" g="0" b="0"/>
+      </a:lnRef>
+      <a:fillRef idx="1">
+        <a:scrgbClr r="0" g="0" b="0"/>
+      </a:fillRef>
+      <a:effectRef idx="0">
+        <a:scrgbClr r="0" g="0" b="0"/>
+      </a:effectRef>
+      <a:fontRef idx="minor">
+        <a:schemeClr val="lt1"/>
+      </a:fontRef>
+    </dgm:style>
+  </dgm:styleLbl>
+  <dgm:styleLbl name="lnNode1">
+    <dgm:scene3d>
+      <a:camera prst="orthographicFront"/>
+      <a:lightRig rig="threePt" dir="t"/>
+    </dgm:scene3d>
+    <dgm:sp3d/>
+    <dgm:txPr/>
+    <dgm:style>
+      <a:lnRef idx="2">
+        <a:scrgbClr r="0" g="0" b="0"/>
+      </a:lnRef>
+      <a:fillRef idx="1">
+        <a:scrgbClr r="0" g="0" b="0"/>
+      </a:fillRef>
+      <a:effectRef idx="0">
+        <a:scrgbClr r="0" g="0" b="0"/>
+      </a:effectRef>
+      <a:fontRef idx="minor">
+        <a:schemeClr val="lt1"/>
+      </a:fontRef>
+    </dgm:style>
+  </dgm:styleLbl>
+  <dgm:styleLbl name="vennNode1">
+    <dgm:scene3d>
+      <a:camera prst="orthographicFront"/>
+      <a:lightRig rig="threePt" dir="t"/>
+    </dgm:scene3d>
+    <dgm:sp3d/>
+    <dgm:txPr/>
+    <dgm:style>
+      <a:lnRef idx="2">
+        <a:scrgbClr r="0" g="0" b="0"/>
+      </a:lnRef>
+      <a:fillRef idx="1">
+        <a:scrgbClr r="0" g="0" b="0"/>
+      </a:fillRef>
+      <a:effectRef idx="0">
+        <a:scrgbClr r="0" g="0" b="0"/>
+      </a:effectRef>
+      <a:fontRef idx="minor">
+        <a:schemeClr val="tx1"/>
+      </a:fontRef>
+    </dgm:style>
+  </dgm:styleLbl>
+  <dgm:styleLbl name="alignNode1">
+    <dgm:scene3d>
+      <a:camera prst="orthographicFront"/>
+      <a:lightRig rig="threePt" dir="t"/>
+    </dgm:scene3d>
+    <dgm:sp3d/>
+    <dgm:txPr/>
+    <dgm:style>
+      <a:lnRef idx="2">
+        <a:scrgbClr r="0" g="0" b="0"/>
+      </a:lnRef>
+      <a:fillRef idx="1">
+        <a:scrgbClr r="0" g="0" b="0"/>
+      </a:fillRef>
+      <a:effectRef idx="0">
+        <a:scrgbClr r="0" g="0" b="0"/>
+      </a:effectRef>
+      <a:fontRef idx="minor">
+        <a:schemeClr val="lt1"/>
+      </a:fontRef>
+    </dgm:style>
+  </dgm:styleLbl>
+  <dgm:styleLbl name="node1">
+    <dgm:scene3d>
+      <a:camera prst="orthographicFront"/>
+      <a:lightRig rig="threePt" dir="t"/>
+    </dgm:scene3d>
+    <dgm:sp3d/>
+    <dgm:txPr/>
+    <dgm:style>
+      <a:lnRef idx="2">
+        <a:scrgbClr r="0" g="0" b="0"/>
+      </a:lnRef>
+      <a:fillRef idx="1">
+        <a:scrgbClr r="0" g="0" b="0"/>
+      </a:fillRef>
+      <a:effectRef idx="0">
+        <a:scrgbClr r="0" g="0" b="0"/>
+      </a:effectRef>
+      <a:fontRef idx="minor">
+        <a:schemeClr val="lt1"/>
+      </a:fontRef>
+    </dgm:style>
+  </dgm:styleLbl>
+  <dgm:styleLbl name="node2">
+    <dgm:scene3d>
+      <a:camera prst="orthographicFront"/>
+      <a:lightRig rig="threePt" dir="t"/>
+    </dgm:scene3d>
+    <dgm:sp3d/>
+    <dgm:txPr/>
+    <dgm:style>
+      <a:lnRef idx="2">
+        <a:scrgbClr r="0" g="0" b="0"/>
+      </a:lnRef>
+      <a:fillRef idx="1">
+        <a:scrgbClr r="0" g="0" b="0"/>
+      </a:fillRef>
+      <a:effectRef idx="0">
+        <a:scrgbClr r="0" g="0" b="0"/>
+      </a:effectRef>
+      <a:fontRef idx="minor">
+        <a:schemeClr val="lt1"/>
+      </a:fontRef>
+    </dgm:style>
+  </dgm:styleLbl>
+  <dgm:styleLbl name="node3">
+    <dgm:scene3d>
+      <a:camera prst="orthographicFront"/>
+      <a:lightRig rig="threePt" dir="t"/>
+    </dgm:scene3d>
+    <dgm:sp3d/>
+    <dgm:txPr/>
+    <dgm:style>
+      <a:lnRef idx="2">
+        <a:scrgbClr r="0" g="0" b="0"/>
+      </a:lnRef>
+      <a:fillRef idx="1">
+        <a:scrgbClr r="0" g="0" b="0"/>
+      </a:fillRef>
+      <a:effectRef idx="0">
+        <a:scrgbClr r="0" g="0" b="0"/>
+      </a:effectRef>
+      <a:fontRef idx="minor">
+        <a:schemeClr val="lt1"/>
+      </a:fontRef>
+    </dgm:style>
+  </dgm:styleLbl>
+  <dgm:styleLbl name="node4">
+    <dgm:scene3d>
+      <a:camera prst="orthographicFront"/>
+      <a:lightRig rig="threePt" dir="t"/>
+    </dgm:scene3d>
+    <dgm:sp3d/>
+    <dgm:txPr/>
+    <dgm:style>
+      <a:lnRef idx="2">
+        <a:scrgbClr r="0" g="0" b="0"/>
+      </a:lnRef>
+      <a:fillRef idx="1">
+        <a:scrgbClr r="0" g="0" b="0"/>
+      </a:fillRef>
+      <a:effectRef idx="0">
+        <a:scrgbClr r="0" g="0" b="0"/>
+      </a:effectRef>
+      <a:fontRef idx="minor">
+        <a:schemeClr val="lt1"/>
+      </a:fontRef>
+    </dgm:style>
+  </dgm:styleLbl>
+  <dgm:styleLbl name="fgImgPlace1">
+    <dgm:scene3d>
+      <a:camera prst="orthographicFront"/>
+      <a:lightRig rig="threePt" dir="t"/>
+    </dgm:scene3d>
+    <dgm:sp3d/>
+    <dgm:txPr/>
+    <dgm:style>
+      <a:lnRef idx="2">
+        <a:scrgbClr r="0" g="0" b="0"/>
+      </a:lnRef>
+      <a:fillRef idx="1">
+        <a:scrgbClr r="0" g="0" b="0"/>
+      </a:fillRef>
+      <a:effectRef idx="0">
+        <a:scrgbClr r="0" g="0" b="0"/>
+      </a:effectRef>
+      <a:fontRef idx="minor"/>
+    </dgm:style>
+  </dgm:styleLbl>
+  <dgm:styleLbl name="alignImgPlace1">
+    <dgm:scene3d>
+      <a:camera prst="orthographicFront"/>
+      <a:lightRig rig="threePt" dir="t"/>
+    </dgm:scene3d>
+    <dgm:sp3d/>
+    <dgm:txPr/>
+    <dgm:style>
+      <a:lnRef idx="2">
+        <a:scrgbClr r="0" g="0" b="0"/>
+      </a:lnRef>
+      <a:fillRef idx="1">
+        <a:scrgbClr r="0" g="0" b="0"/>
+      </a:fillRef>
+      <a:effectRef idx="0">
+        <a:scrgbClr r="0" g="0" b="0"/>
+      </a:effectRef>
+      <a:fontRef idx="minor"/>
+    </dgm:style>
+  </dgm:styleLbl>
+  <dgm:styleLbl name="bgImgPlace1">
+    <dgm:scene3d>
+      <a:camera prst="orthographicFront"/>
+      <a:lightRig rig="threePt" dir="t"/>
+    </dgm:scene3d>
+    <dgm:sp3d/>
+    <dgm:txPr/>
+    <dgm:style>
+      <a:lnRef idx="2">
+        <a:scrgbClr r="0" g="0" b="0"/>
+      </a:lnRef>
+      <a:fillRef idx="1">
+        <a:scrgbClr r="0" g="0" b="0"/>
+      </a:fillRef>
+      <a:effectRef idx="0">
+        <a:scrgbClr r="0" g="0" b="0"/>
+      </a:effectRef>
+      <a:fontRef idx="minor"/>
+    </dgm:style>
+  </dgm:styleLbl>
+  <dgm:styleLbl name="sibTrans2D1">
+    <dgm:scene3d>
+      <a:camera prst="orthographicFront"/>
+      <a:lightRig rig="threePt" dir="t"/>
+    </dgm:scene3d>
+    <dgm:sp3d/>
+    <dgm:txPr/>
+    <dgm:style>
+      <a:lnRef idx="0">
+        <a:scrgbClr r="0" g="0" b="0"/>
+      </a:lnRef>
+      <a:fillRef idx="1">
+        <a:scrgbClr r="0" g="0" b="0"/>
+      </a:fillRef>
+      <a:effectRef idx="0">
+        <a:scrgbClr r="0" g="0" b="0"/>
+      </a:effectRef>
+      <a:fontRef idx="minor">
+        <a:schemeClr val="lt1"/>
+      </a:fontRef>
+    </dgm:style>
+  </dgm:styleLbl>
+  <dgm:styleLbl name="fgSibTrans2D1">
+    <dgm:scene3d>
+      <a:camera prst="orthographicFront"/>
+      <a:lightRig rig="threePt" dir="t"/>
+    </dgm:scene3d>
+    <dgm:sp3d/>
+    <dgm:txPr/>
+    <dgm:style>
+      <a:lnRef idx="0">
+        <a:scrgbClr r="0" g="0" b="0"/>
+      </a:lnRef>
+      <a:fillRef idx="1">
+        <a:scrgbClr r="0" g="0" b="0"/>
+      </a:fillRef>
+      <a:effectRef idx="0">
+        <a:scrgbClr r="0" g="0" b="0"/>
+      </a:effectRef>
+      <a:fontRef idx="minor">
+        <a:schemeClr val="lt1"/>
+      </a:fontRef>
+    </dgm:style>
+  </dgm:styleLbl>
+  <dgm:styleLbl name="bgSibTrans2D1">
+    <dgm:scene3d>
+      <a:camera prst="orthographicFront"/>
+      <a:lightRig rig="threePt" dir="t"/>
+    </dgm:scene3d>
+    <dgm:sp3d/>
+    <dgm:txPr/>
+    <dgm:style>
+      <a:lnRef idx="0">
+        <a:scrgbClr r="0" g="0" b="0"/>
+      </a:lnRef>
+      <a:fillRef idx="1">
+        <a:scrgbClr r="0" g="0" b="0"/>
+      </a:fillRef>
+      <a:effectRef idx="0">
+        <a:scrgbClr r="0" g="0" b="0"/>
+      </a:effectRef>
+      <a:fontRef idx="minor">
+        <a:schemeClr val="lt1"/>
+      </a:fontRef>
+    </dgm:style>
+  </dgm:styleLbl>
+  <dgm:styleLbl name="sibTrans1D1">
+    <dgm:scene3d>
+      <a:camera prst="orthographicFront"/>
+      <a:lightRig rig="threePt" dir="t"/>
+    </dgm:scene3d>
+    <dgm:sp3d/>
+    <dgm:txPr/>
+    <dgm:style>
+      <a:lnRef idx="1">
+        <a:scrgbClr r="0" g="0" b="0"/>
+      </a:lnRef>
+      <a:fillRef idx="0">
+        <a:scrgbClr r="0" g="0" b="0"/>
+      </a:fillRef>
+      <a:effectRef idx="0">
+        <a:scrgbClr r="0" g="0" b="0"/>
+      </a:effectRef>
+      <a:fontRef idx="minor"/>
+    </dgm:style>
+  </dgm:styleLbl>
+  <dgm:styleLbl name="callout">
+    <dgm:scene3d>
+      <a:camera prst="orthographicFront"/>
+      <a:lightRig rig="threePt" dir="t"/>
+    </dgm:scene3d>
+    <dgm:sp3d/>
+    <dgm:txPr/>
+    <dgm:style>
+      <a:lnRef idx="2">
+        <a:scrgbClr r="0" g="0" b="0"/>
+      </a:lnRef>
+      <a:fillRef idx="1">
+        <a:scrgbClr r="0" g="0" b="0"/>
+      </a:fillRef>
+      <a:effectRef idx="0">
+        <a:scrgbClr r="0" g="0" b="0"/>
+      </a:effectRef>
+      <a:fontRef idx="minor"/>
+    </dgm:style>
+  </dgm:styleLbl>
+  <dgm:styleLbl name="asst0">
+    <dgm:scene3d>
+      <a:camera prst="orthographicFront"/>
+      <a:lightRig rig="threePt" dir="t"/>
+    </dgm:scene3d>
+    <dgm:sp3d/>
+    <dgm:txPr/>
+    <dgm:style>
+      <a:lnRef idx="2">
+        <a:scrgbClr r="0" g="0" b="0"/>
+      </a:lnRef>
+      <a:fillRef idx="1">
+        <a:scrgbClr r="0" g="0" b="0"/>
+      </a:fillRef>
+      <a:effectRef idx="0">
+        <a:scrgbClr r="0" g="0" b="0"/>
+      </a:effectRef>
+      <a:fontRef idx="minor">
+        <a:schemeClr val="lt1"/>
+      </a:fontRef>
+    </dgm:style>
+  </dgm:styleLbl>
+  <dgm:styleLbl name="asst1">
+    <dgm:scene3d>
+      <a:camera prst="orthographicFront"/>
+      <a:lightRig rig="threePt" dir="t"/>
+    </dgm:scene3d>
+    <dgm:sp3d/>
+    <dgm:txPr/>
+    <dgm:style>
+      <a:lnRef idx="2">
+        <a:scrgbClr r="0" g="0" b="0"/>
+      </a:lnRef>
+      <a:fillRef idx="1">
+        <a:scrgbClr r="0" g="0" b="0"/>
+      </a:fillRef>
+      <a:effectRef idx="0">
+        <a:scrgbClr r="0" g="0" b="0"/>
+      </a:effectRef>
+      <a:fontRef idx="minor">
+        <a:schemeClr val="lt1"/>
+      </a:fontRef>
+    </dgm:style>
+  </dgm:styleLbl>
+  <dgm:styleLbl name="asst2">
+    <dgm:scene3d>
+      <a:camera prst="orthographicFront"/>
+      <a:lightRig rig="threePt" dir="t"/>
+    </dgm:scene3d>
+    <dgm:sp3d/>
+    <dgm:txPr/>
+    <dgm:style>
+      <a:lnRef idx="2">
+        <a:scrgbClr r="0" g="0" b="0"/>
+      </a:lnRef>
+      <a:fillRef idx="1">
+        <a:scrgbClr r="0" g="0" b="0"/>
+      </a:fillRef>
+      <a:effectRef idx="0">
+        <a:scrgbClr r="0" g="0" b="0"/>
+      </a:effectRef>
+      <a:fontRef idx="minor">
+        <a:schemeClr val="lt1"/>
+      </a:fontRef>
+    </dgm:style>
+  </dgm:styleLbl>
+  <dgm:styleLbl name="asst3">
+    <dgm:scene3d>
+      <a:camera prst="orthographicFront"/>
+      <a:lightRig rig="threePt" dir="t"/>
+    </dgm:scene3d>
+    <dgm:sp3d/>
+    <dgm:txPr/>
+    <dgm:style>
+      <a:lnRef idx="2">
+        <a:scrgbClr r="0" g="0" b="0"/>
+      </a:lnRef>
+      <a:fillRef idx="1">
+        <a:scrgbClr r="0" g="0" b="0"/>
+      </a:fillRef>
+      <a:effectRef idx="0">
+        <a:scrgbClr r="0" g="0" b="0"/>
+      </a:effectRef>
+      <a:fontRef idx="minor">
+        <a:schemeClr val="lt1"/>
+      </a:fontRef>
+    </dgm:style>
+  </dgm:styleLbl>
+  <dgm:styleLbl name="asst4">
+    <dgm:scene3d>
+      <a:camera prst="orthographicFront"/>
+      <a:lightRig rig="threePt" dir="t"/>
+    </dgm:scene3d>
+    <dgm:sp3d/>
+    <dgm:txPr/>
+    <dgm:style>
+      <a:lnRef idx="2">
+        <a:scrgbClr r="0" g="0" b="0"/>
+      </a:lnRef>
+      <a:fillRef idx="1">
+        <a:scrgbClr r="0" g="0" b="0"/>
+      </a:fillRef>
+      <a:effectRef idx="0">
+        <a:scrgbClr r="0" g="0" b="0"/>
+      </a:effectRef>
+      <a:fontRef idx="minor">
+        <a:schemeClr val="lt1"/>
+      </a:fontRef>
+    </dgm:style>
+  </dgm:styleLbl>
+  <dgm:styleLbl name="parChTrans2D1">
+    <dgm:scene3d>
+      <a:camera prst="orthographicFront"/>
+      <a:lightRig rig="threePt" dir="t"/>
+    </dgm:scene3d>
+    <dgm:sp3d/>
+    <dgm:txPr/>
+    <dgm:style>
+      <a:lnRef idx="2">
+        <a:scrgbClr r="0" g="0" b="0"/>
+      </a:lnRef>
+      <a:fillRef idx="1">
+        <a:scrgbClr r="0" g="0" b="0"/>
+      </a:fillRef>
+      <a:effectRef idx="0">
+        <a:scrgbClr r="0" g="0" b="0"/>
+      </a:effectRef>
+      <a:fontRef idx="minor">
+        <a:schemeClr val="lt1"/>
+      </a:fontRef>
+    </dgm:style>
+  </dgm:styleLbl>
+  <dgm:styleLbl name="parChTrans2D2">
+    <dgm:scene3d>
+      <a:camera prst="orthographicFront"/>
+      <a:lightRig rig="threePt" dir="t"/>
+    </dgm:scene3d>
+    <dgm:sp3d/>
+    <dgm:txPr/>
+    <dgm:style>
+      <a:lnRef idx="2">
+        <a:scrgbClr r="0" g="0" b="0"/>
+      </a:lnRef>
+      <a:fillRef idx="1">
+        <a:scrgbClr r="0" g="0" b="0"/>
+      </a:fillRef>
+      <a:effectRef idx="0">
+        <a:scrgbClr r="0" g="0" b="0"/>
+      </a:effectRef>
+      <a:fontRef idx="minor">
+        <a:schemeClr val="lt1"/>
+      </a:fontRef>
+    </dgm:style>
+  </dgm:styleLbl>
+  <dgm:styleLbl name="parChTrans2D3">
+    <dgm:scene3d>
+      <a:camera prst="orthographicFront"/>
+      <a:lightRig rig="threePt" dir="t"/>
+    </dgm:scene3d>
+    <dgm:sp3d/>
+    <dgm:txPr/>
+    <dgm:style>
+      <a:lnRef idx="2">
+        <a:scrgbClr r="0" g="0" b="0"/>
+      </a:lnRef>
+      <a:fillRef idx="1">
+        <a:scrgbClr r="0" g="0" b="0"/>
+      </a:fillRef>
+      <a:effectRef idx="0">
+        <a:scrgbClr r="0" g="0" b="0"/>
+      </a:effectRef>
+      <a:fontRef idx="minor">
+        <a:schemeClr val="lt1"/>
+      </a:fontRef>
+    </dgm:style>
+  </dgm:styleLbl>
+  <dgm:styleLbl name="parChTrans2D4">
+    <dgm:scene3d>
+      <a:camera prst="orthographicFront"/>
+      <a:lightRig rig="threePt" dir="t"/>
+    </dgm:scene3d>
+    <dgm:sp3d/>
+    <dgm:txPr/>
+    <dgm:style>
+      <a:lnRef idx="2">
+        <a:scrgbClr r="0" g="0" b="0"/>
+      </a:lnRef>
+      <a:fillRef idx="1">
+        <a:scrgbClr r="0" g="0" b="0"/>
+      </a:fillRef>
+      <a:effectRef idx="0">
+        <a:scrgbClr r="0" g="0" b="0"/>
+      </a:effectRef>
+      <a:fontRef idx="minor">
+        <a:schemeClr val="lt1"/>
+      </a:fontRef>
+    </dgm:style>
+  </dgm:styleLbl>
+  <dgm:styleLbl name="parChTrans1D1">
+    <dgm:scene3d>
+      <a:camera prst="orthographicFront"/>
+      <a:lightRig rig="threePt" dir="t"/>
+    </dgm:scene3d>
+    <dgm:sp3d/>
+    <dgm:txPr/>
+    <dgm:style>
+      <a:lnRef idx="2">
+        <a:scrgbClr r="0" g="0" b="0"/>
+      </a:lnRef>
+      <a:fillRef idx="0">
+        <a:scrgbClr r="0" g="0" b="0"/>
+      </a:fillRef>
+      <a:effectRef idx="0">
+        <a:scrgbClr r="0" g="0" b="0"/>
+      </a:effectRef>
+      <a:fontRef idx="minor"/>
+    </dgm:style>
+  </dgm:styleLbl>
+  <dgm:styleLbl name="parChTrans1D2">
+    <dgm:scene3d>
+      <a:camera prst="orthographicFront"/>
+      <a:lightRig rig="threePt" dir="t"/>
+    </dgm:scene3d>
+    <dgm:sp3d/>
+    <dgm:txPr/>
+    <dgm:style>
+      <a:lnRef idx="2">
+        <a:scrgbClr r="0" g="0" b="0"/>
+      </a:lnRef>
+      <a:fillRef idx="0">
+        <a:scrgbClr r="0" g="0" b="0"/>
+      </a:fillRef>
+      <a:effectRef idx="0">
+        <a:scrgbClr r="0" g="0" b="0"/>
+      </a:effectRef>
+      <a:fontRef idx="minor"/>
+    </dgm:style>
+  </dgm:styleLbl>
+  <dgm:styleLbl name="parChTrans1D3">
+    <dgm:scene3d>
+      <a:camera prst="orthographicFront"/>
+      <a:lightRig rig="threePt" dir="t"/>
+    </dgm:scene3d>
+    <dgm:sp3d/>
+    <dgm:txPr/>
+    <dgm:style>
+      <a:lnRef idx="2">
+        <a:scrgbClr r="0" g="0" b="0"/>
+      </a:lnRef>
+      <a:fillRef idx="0">
+        <a:scrgbClr r="0" g="0" b="0"/>
+      </a:fillRef>
+      <a:effectRef idx="0">
+        <a:scrgbClr r="0" g="0" b="0"/>
+      </a:effectRef>
+      <a:fontRef idx="minor"/>
+    </dgm:style>
+  </dgm:styleLbl>
+  <dgm:styleLbl name="parChTrans1D4">
+    <dgm:scene3d>
+      <a:camera prst="orthographicFront"/>
+      <a:lightRig rig="threePt" dir="t"/>
+    </dgm:scene3d>
+    <dgm:sp3d/>
+    <dgm:txPr/>
+    <dgm:style>
+      <a:lnRef idx="2">
+        <a:scrgbClr r="0" g="0" b="0"/>
+      </a:lnRef>
+      <a:fillRef idx="0">
+        <a:scrgbClr r="0" g="0" b="0"/>
+      </a:fillRef>
+      <a:effectRef idx="0">
+        <a:scrgbClr r="0" g="0" b="0"/>
+      </a:effectRef>
+      <a:fontRef idx="minor"/>
+    </dgm:style>
+  </dgm:styleLbl>
+  <dgm:styleLbl name="fgAcc1">
+    <dgm:scene3d>
+      <a:camera prst="orthographicFront"/>
+      <a:lightRig rig="threePt" dir="t"/>
+    </dgm:scene3d>
+    <dgm:sp3d/>
+    <dgm:txPr/>
+    <dgm:style>
+      <a:lnRef idx="2">
+        <a:scrgbClr r="0" g="0" b="0"/>
+      </a:lnRef>
+      <a:fillRef idx="1">
+        <a:scrgbClr r="0" g="0" b="0"/>
+      </a:fillRef>
+      <a:effectRef idx="0">
+        <a:scrgbClr r="0" g="0" b="0"/>
+      </a:effectRef>
+      <a:fontRef idx="minor"/>
+    </dgm:style>
+  </dgm:styleLbl>
+  <dgm:styleLbl name="conFgAcc1">
+    <dgm:scene3d>
+      <a:camera prst="orthographicFront"/>
+      <a:lightRig rig="threePt" dir="t"/>
+    </dgm:scene3d>
+    <dgm:sp3d/>
+    <dgm:txPr/>
+    <dgm:style>
+      <a:lnRef idx="2">
+        <a:scrgbClr r="0" g="0" b="0"/>
+      </a:lnRef>
+      <a:fillRef idx="1">
+        <a:scrgbClr r="0" g="0" b="0"/>
+      </a:fillRef>
+      <a:effectRef idx="0">
+        <a:scrgbClr r="0" g="0" b="0"/>
+      </a:effectRef>
+      <a:fontRef idx="minor"/>
+    </dgm:style>
+  </dgm:styleLbl>
+  <dgm:styleLbl name="alignAcc1">
+    <dgm:scene3d>
+      <a:camera prst="orthographicFront"/>
+      <a:lightRig rig="threePt" dir="t"/>
+    </dgm:scene3d>
+    <dgm:sp3d/>
+    <dgm:txPr/>
+    <dgm:style>
+      <a:lnRef idx="2">
+        <a:scrgbClr r="0" g="0" b="0"/>
+      </a:lnRef>
+      <a:fillRef idx="1">
+        <a:scrgbClr r="0" g="0" b="0"/>
+      </a:fillRef>
+      <a:effectRef idx="0">
+        <a:scrgbClr r="0" g="0" b="0"/>
+      </a:effectRef>
+      <a:fontRef idx="minor"/>
+    </dgm:style>
+  </dgm:styleLbl>
+  <dgm:styleLbl name="trAlignAcc1">
+    <dgm:scene3d>
+      <a:camera prst="orthographicFront"/>
+      <a:lightRig rig="threePt" dir="t"/>
+    </dgm:scene3d>
+    <dgm:sp3d/>
+    <dgm:txPr/>
+    <dgm:style>
+      <a:lnRef idx="1">
+        <a:scrgbClr r="0" g="0" b="0"/>
+      </a:lnRef>
+      <a:fillRef idx="1">
+        <a:scrgbClr r="0" g="0" b="0"/>
+      </a:fillRef>
+      <a:effectRef idx="0">
+        <a:scrgbClr r="0" g="0" b="0"/>
+      </a:effectRef>
+      <a:fontRef idx="minor"/>
+    </dgm:style>
+  </dgm:styleLbl>
+  <dgm:styleLbl name="bgAcc1">
+    <dgm:scene3d>
+      <a:camera prst="orthographicFront"/>
+      <a:lightRig rig="threePt" dir="t"/>
+    </dgm:scene3d>
+    <dgm:sp3d/>
+    <dgm:txPr/>
+    <dgm:style>
+      <a:lnRef idx="2">
+        <a:scrgbClr r="0" g="0" b="0"/>
+      </a:lnRef>
+      <a:fillRef idx="1">
+        <a:scrgbClr r="0" g="0" b="0"/>
+      </a:fillRef>
+      <a:effectRef idx="0">
+        <a:scrgbClr r="0" g="0" b="0"/>
+      </a:effectRef>
+      <a:fontRef idx="minor"/>
+    </dgm:style>
+  </dgm:styleLbl>
+  <dgm:styleLbl name="solidFgAcc1">
+    <dgm:scene3d>
+      <a:camera prst="orthographicFront"/>
+      <a:lightRig rig="threePt" dir="t"/>
+    </dgm:scene3d>
+    <dgm:sp3d/>
+    <dgm:txPr/>
+    <dgm:style>
+      <a:lnRef idx="2">
+        <a:scrgbClr r="0" g="0" b="0"/>
+      </a:lnRef>
+      <a:fillRef idx="1">
+        <a:scrgbClr r="0" g="0" b="0"/>
+      </a:fillRef>
+      <a:effectRef idx="0">
+        <a:scrgbClr r="0" g="0" b="0"/>
+      </a:effectRef>
+      <a:fontRef idx="minor"/>
+    </dgm:style>
+  </dgm:styleLbl>
+  <dgm:styleLbl name="solidAlignAcc1">
+    <dgm:scene3d>
+      <a:camera prst="orthographicFront"/>
+      <a:lightRig rig="threePt" dir="t"/>
+    </dgm:scene3d>
+    <dgm:sp3d/>
+    <dgm:txPr/>
+    <dgm:style>
+      <a:lnRef idx="2">
+        <a:scrgbClr r="0" g="0" b="0"/>
+      </a:lnRef>
+      <a:fillRef idx="1">
+        <a:scrgbClr r="0" g="0" b="0"/>
+      </a:fillRef>
+      <a:effectRef idx="0">
+        <a:scrgbClr r="0" g="0" b="0"/>
+      </a:effectRef>
+      <a:fontRef idx="minor"/>
+    </dgm:style>
+  </dgm:styleLbl>
+  <dgm:styleLbl name="solidBgAcc1">
+    <dgm:scene3d>
+      <a:camera prst="orthographicFront"/>
+      <a:lightRig rig="threePt" dir="t"/>
+    </dgm:scene3d>
+    <dgm:sp3d/>
+    <dgm:txPr/>
+    <dgm:style>
+      <a:lnRef idx="2">
+        <a:scrgbClr r="0" g="0" b="0"/>
+      </a:lnRef>
+      <a:fillRef idx="1">
+        <a:scrgbClr r="0" g="0" b="0"/>
+      </a:fillRef>
+      <a:effectRef idx="0">
+        <a:scrgbClr r="0" g="0" b="0"/>
+      </a:effectRef>
+      <a:fontRef idx="minor"/>
+    </dgm:style>
+  </dgm:styleLbl>
+  <dgm:styleLbl name="fgAccFollowNode1">
+    <dgm:scene3d>
+      <a:camera prst="orthographicFront"/>
+      <a:lightRig rig="threePt" dir="t"/>
+    </dgm:scene3d>
+    <dgm:sp3d/>
+    <dgm:txPr/>
+    <dgm:style>
+      <a:lnRef idx="2">
+        <a:scrgbClr r="0" g="0" b="0"/>
+      </a:lnRef>
+      <a:fillRef idx="1">
+        <a:scrgbClr r="0" g="0" b="0"/>
+      </a:fillRef>
+      <a:effectRef idx="0">
+        <a:scrgbClr r="0" g="0" b="0"/>
+      </a:effectRef>
+      <a:fontRef idx="minor"/>
+    </dgm:style>
+  </dgm:styleLbl>
+  <dgm:styleLbl name="alignAccFollowNode1">
+    <dgm:scene3d>
+      <a:camera prst="orthographicFront"/>
+      <a:lightRig rig="threePt" dir="t"/>
+    </dgm:scene3d>
+    <dgm:sp3d/>
+    <dgm:txPr/>
+    <dgm:style>
+      <a:lnRef idx="2">
+        <a:scrgbClr r="0" g="0" b="0"/>
+      </a:lnRef>
+      <a:fillRef idx="1">
+        <a:scrgbClr r="0" g="0" b="0"/>
+      </a:fillRef>
+      <a:effectRef idx="0">
+        <a:scrgbClr r="0" g="0" b="0"/>
+      </a:effectRef>
+      <a:fontRef idx="minor"/>
+    </dgm:style>
+  </dgm:styleLbl>
+  <dgm:styleLbl name="bgAccFollowNode1">
+    <dgm:scene3d>
+      <a:camera prst="orthographicFront"/>
+      <a:lightRig rig="threePt" dir="t"/>
+    </dgm:scene3d>
+    <dgm:sp3d/>
+    <dgm:txPr/>
+    <dgm:style>
+      <a:lnRef idx="2">
+        <a:scrgbClr r="0" g="0" b="0"/>
+      </a:lnRef>
+      <a:fillRef idx="1">
+        <a:scrgbClr r="0" g="0" b="0"/>
+      </a:fillRef>
+      <a:effectRef idx="0">
+        <a:scrgbClr r="0" g="0" b="0"/>
+      </a:effectRef>
+      <a:fontRef idx="minor"/>
+    </dgm:style>
+  </dgm:styleLbl>
+  <dgm:styleLbl name="fgAcc0">
+    <dgm:scene3d>
+      <a:camera prst="orthographicFront"/>
+      <a:lightRig rig="threePt" dir="t"/>
+    </dgm:scene3d>
+    <dgm:sp3d/>
+    <dgm:txPr/>
+    <dgm:style>
+      <a:lnRef idx="2">
+        <a:scrgbClr r="0" g="0" b="0"/>
+      </a:lnRef>
+      <a:fillRef idx="1">
+        <a:scrgbClr r="0" g="0" b="0"/>
+      </a:fillRef>
+      <a:effectRef idx="0">
+        <a:scrgbClr r="0" g="0" b="0"/>
+      </a:effectRef>
+      <a:fontRef idx="minor"/>
+    </dgm:style>
+  </dgm:styleLbl>
+  <dgm:styleLbl name="fgAcc2">
+    <dgm:scene3d>
+      <a:camera prst="orthographicFront"/>
+      <a:lightRig rig="threePt" dir="t"/>
+    </dgm:scene3d>
+    <dgm:sp3d/>
+    <dgm:txPr/>
+    <dgm:style>
+      <a:lnRef idx="2">
+        <a:scrgbClr r="0" g="0" b="0"/>
+      </a:lnRef>
+      <a:fillRef idx="1">
+        <a:scrgbClr r="0" g="0" b="0"/>
+      </a:fillRef>
+      <a:effectRef idx="0">
+        <a:scrgbClr r="0" g="0" b="0"/>
+      </a:effectRef>
+      <a:fontRef idx="minor"/>
+    </dgm:style>
+  </dgm:styleLbl>
+  <dgm:styleLbl name="fgAcc3">
+    <dgm:scene3d>
+      <a:camera prst="orthographicFront"/>
+      <a:lightRig rig="threePt" dir="t"/>
+    </dgm:scene3d>
+    <dgm:sp3d/>
+    <dgm:txPr/>
+    <dgm:style>
+      <a:lnRef idx="2">
+        <a:scrgbClr r="0" g="0" b="0"/>
+      </a:lnRef>
+      <a:fillRef idx="1">
+        <a:scrgbClr r="0" g="0" b="0"/>
+      </a:fillRef>
+      <a:effectRef idx="0">
+        <a:scrgbClr r="0" g="0" b="0"/>
+      </a:effectRef>
+      <a:fontRef idx="minor"/>
+    </dgm:style>
+  </dgm:styleLbl>
+  <dgm:styleLbl name="fgAcc4">
+    <dgm:scene3d>
+      <a:camera prst="orthographicFront"/>
+      <a:lightRig rig="threePt" dir="t"/>
+    </dgm:scene3d>
+    <dgm:sp3d/>
+    <dgm:txPr/>
+    <dgm:style>
+      <a:lnRef idx="2">
+        <a:scrgbClr r="0" g="0" b="0"/>
+      </a:lnRef>
+      <a:fillRef idx="1">
+        <a:scrgbClr r="0" g="0" b="0"/>
+      </a:fillRef>
+      <a:effectRef idx="0">
+        <a:scrgbClr r="0" g="0" b="0"/>
+      </a:effectRef>
+      <a:fontRef idx="minor"/>
+    </dgm:style>
+  </dgm:styleLbl>
+  <dgm:styleLbl name="bgShp">
+    <dgm:scene3d>
+      <a:camera prst="orthographicFront"/>
+      <a:lightRig rig="threePt" dir="t"/>
+    </dgm:scene3d>
+    <dgm:sp3d/>
+    <dgm:txPr/>
+    <dgm:style>
+      <a:lnRef idx="0">
+        <a:scrgbClr r="0" g="0" b="0"/>
+      </a:lnRef>
+      <a:fillRef idx="1">
+        <a:scrgbClr r="0" g="0" b="0"/>
+      </a:fillRef>
+      <a:effectRef idx="0">
+        <a:scrgbClr r="0" g="0" b="0"/>
+      </a:effectRef>
+      <a:fontRef idx="minor"/>
+    </dgm:style>
+  </dgm:styleLbl>
+  <dgm:styleLbl name="dkBgShp">
+    <dgm:scene3d>
+      <a:camera prst="orthographicFront"/>
+      <a:lightRig rig="threePt" dir="t"/>
+    </dgm:scene3d>
+    <dgm:sp3d/>
+    <dgm:txPr/>
+    <dgm:style>
+      <a:lnRef idx="0">
+        <a:scrgbClr r="0" g="0" b="0"/>
+      </a:lnRef>
+      <a:fillRef idx="1">
+        <a:scrgbClr r="0" g="0" b="0"/>
+      </a:fillRef>
+      <a:effectRef idx="0">
+        <a:scrgbClr r="0" g="0" b="0"/>
+      </a:effectRef>
+      <a:fontRef idx="minor"/>
+    </dgm:style>
+  </dgm:styleLbl>
+  <dgm:styleLbl name="trBgShp">
+    <dgm:scene3d>
+      <a:camera prst="orthographicFront"/>
+      <a:lightRig rig="threePt" dir="t"/>
+    </dgm:scene3d>
+    <dgm:sp3d/>
+    <dgm:txPr/>
+    <dgm:style>
+      <a:lnRef idx="0">
+        <a:scrgbClr r="0" g="0" b="0"/>
+      </a:lnRef>
+      <a:fillRef idx="1">
+        <a:scrgbClr r="0" g="0" b="0"/>
+      </a:fillRef>
+      <a:effectRef idx="0">
+        <a:scrgbClr r="0" g="0" b="0"/>
+      </a:effectRef>
+      <a:fontRef idx="minor"/>
+    </dgm:style>
+  </dgm:styleLbl>
+  <dgm:styleLbl name="fgShp">
+    <dgm:scene3d>
+      <a:camera prst="orthographicFront"/>
+      <a:lightRig rig="threePt" dir="t"/>
+    </dgm:scene3d>
+    <dgm:sp3d/>
+    <dgm:txPr/>
+    <dgm:style>
+      <a:lnRef idx="2">
+        <a:scrgbClr r="0" g="0" b="0"/>
+      </a:lnRef>
+      <a:fillRef idx="1">
+        <a:scrgbClr r="0" g="0" b="0"/>
+      </a:fillRef>
+      <a:effectRef idx="0">
+        <a:scrgbClr r="0" g="0" b="0"/>
+      </a:effectRef>
+      <a:fontRef idx="minor"/>
+    </dgm:style>
+  </dgm:styleLbl>
+  <dgm:styleLbl name="revTx">
+    <dgm:scene3d>
+      <a:camera prst="orthographicFront"/>
+      <a:lightRig rig="threePt" dir="t"/>
+    </dgm:scene3d>
+    <dgm:sp3d/>
+    <dgm:txPr/>
+    <dgm:style>
+      <a:lnRef idx="0">
+        <a:scrgbClr r="0" g="0" b="0"/>
+      </a:lnRef>
+      <a:fillRef idx="0">
+        <a:scrgbClr r="0" g="0" b="0"/>
+      </a:fillRef>
+      <a:effectRef idx="0">
+        <a:scrgbClr r="0" g="0" b="0"/>
+      </a:effectRef>
+      <a:fontRef idx="minor"/>
+    </dgm:style>
+  </dgm:styleLbl>
+</dgm:styleDef>
+</file>
+
+<file path=ppt/diagrams/quickStyle2.xml><?xml version="1.0" encoding="utf-8"?>
 <dgm:styleDef xmlns:dgm="http://schemas.openxmlformats.org/drawingml/2006/diagram" xmlns:a="http://schemas.openxmlformats.org/drawingml/2006/main" uniqueId="urn:microsoft.com/office/officeart/2005/8/quickstyle/simple1">
   <dgm:title val=""/>
   <dgm:desc val=""/>
@@ -3420,35 +6674,35 @@
               <a:buNone/>
               <a:defRPr sz="2400"/>
             </a:lvl1pPr>
-            <a:lvl2pPr marL="457200" indent="0" algn="ctr">
+            <a:lvl2pPr marL="457189" indent="0" algn="ctr">
               <a:buNone/>
               <a:defRPr sz="2000"/>
             </a:lvl2pPr>
-            <a:lvl3pPr marL="914400" indent="0" algn="ctr">
+            <a:lvl3pPr marL="914377" indent="0" algn="ctr">
               <a:buNone/>
               <a:defRPr sz="1800"/>
             </a:lvl3pPr>
-            <a:lvl4pPr marL="1371600" indent="0" algn="ctr">
+            <a:lvl4pPr marL="1371566" indent="0" algn="ctr">
               <a:buNone/>
               <a:defRPr sz="1600"/>
             </a:lvl4pPr>
-            <a:lvl5pPr marL="1828800" indent="0" algn="ctr">
+            <a:lvl5pPr marL="1828754" indent="0" algn="ctr">
               <a:buNone/>
               <a:defRPr sz="1600"/>
             </a:lvl5pPr>
-            <a:lvl6pPr marL="2286000" indent="0" algn="ctr">
+            <a:lvl6pPr marL="2285943" indent="0" algn="ctr">
               <a:buNone/>
               <a:defRPr sz="1600"/>
             </a:lvl6pPr>
-            <a:lvl7pPr marL="2743200" indent="0" algn="ctr">
+            <a:lvl7pPr marL="2743131" indent="0" algn="ctr">
               <a:buNone/>
               <a:defRPr sz="1600"/>
             </a:lvl7pPr>
-            <a:lvl8pPr marL="3200400" indent="0" algn="ctr">
+            <a:lvl8pPr marL="3200320" indent="0" algn="ctr">
               <a:buNone/>
               <a:defRPr sz="1600"/>
             </a:lvl8pPr>
-            <a:lvl9pPr marL="3657600" indent="0" algn="ctr">
+            <a:lvl9pPr marL="3657509" indent="0" algn="ctr">
               <a:buNone/>
               <a:defRPr sz="1600"/>
             </a:lvl9pPr>
@@ -3736,7 +6990,7 @@
         </p:nvSpPr>
         <p:spPr>
           <a:xfrm>
-            <a:off x="8724900" y="365125"/>
+            <a:off x="8724901" y="365125"/>
             <a:ext cx="2628900" cy="5811838"/>
           </a:xfrm>
         </p:spPr>
@@ -3763,7 +7017,7 @@
         </p:nvSpPr>
         <p:spPr>
           <a:xfrm>
-            <a:off x="838200" y="365125"/>
+            <a:off x="838201" y="365125"/>
             <a:ext cx="7734300" cy="5811838"/>
           </a:xfrm>
         </p:spPr>
@@ -4082,7 +7336,7 @@
         </p:nvSpPr>
         <p:spPr>
           <a:xfrm>
-            <a:off x="831850" y="1709738"/>
+            <a:off x="831851" y="1709740"/>
             <a:ext cx="10515600" cy="2852737"/>
           </a:xfrm>
         </p:spPr>
@@ -4113,7 +7367,7 @@
         </p:nvSpPr>
         <p:spPr>
           <a:xfrm>
-            <a:off x="831850" y="4589463"/>
+            <a:off x="831851" y="4589465"/>
             <a:ext cx="10515600" cy="1500187"/>
           </a:xfrm>
         </p:spPr>
@@ -4130,7 +7384,7 @@
                 </a:solidFill>
               </a:defRPr>
             </a:lvl1pPr>
-            <a:lvl2pPr marL="457200" indent="0">
+            <a:lvl2pPr marL="457189" indent="0">
               <a:buNone/>
               <a:defRPr sz="2000">
                 <a:solidFill>
@@ -4140,7 +7394,7 @@
                 </a:solidFill>
               </a:defRPr>
             </a:lvl2pPr>
-            <a:lvl3pPr marL="914400" indent="0">
+            <a:lvl3pPr marL="914377" indent="0">
               <a:buNone/>
               <a:defRPr sz="1800">
                 <a:solidFill>
@@ -4150,7 +7404,7 @@
                 </a:solidFill>
               </a:defRPr>
             </a:lvl3pPr>
-            <a:lvl4pPr marL="1371600" indent="0">
+            <a:lvl4pPr marL="1371566" indent="0">
               <a:buNone/>
               <a:defRPr sz="1600">
                 <a:solidFill>
@@ -4160,7 +7414,7 @@
                 </a:solidFill>
               </a:defRPr>
             </a:lvl4pPr>
-            <a:lvl5pPr marL="1828800" indent="0">
+            <a:lvl5pPr marL="1828754" indent="0">
               <a:buNone/>
               <a:defRPr sz="1600">
                 <a:solidFill>
@@ -4170,7 +7424,7 @@
                 </a:solidFill>
               </a:defRPr>
             </a:lvl5pPr>
-            <a:lvl6pPr marL="2286000" indent="0">
+            <a:lvl6pPr marL="2285943" indent="0">
               <a:buNone/>
               <a:defRPr sz="1600">
                 <a:solidFill>
@@ -4180,7 +7434,7 @@
                 </a:solidFill>
               </a:defRPr>
             </a:lvl6pPr>
-            <a:lvl7pPr marL="2743200" indent="0">
+            <a:lvl7pPr marL="2743131" indent="0">
               <a:buNone/>
               <a:defRPr sz="1600">
                 <a:solidFill>
@@ -4190,7 +7444,7 @@
                 </a:solidFill>
               </a:defRPr>
             </a:lvl7pPr>
-            <a:lvl8pPr marL="3200400" indent="0">
+            <a:lvl8pPr marL="3200320" indent="0">
               <a:buNone/>
               <a:defRPr sz="1600">
                 <a:solidFill>
@@ -4200,7 +7454,7 @@
                 </a:solidFill>
               </a:defRPr>
             </a:lvl8pPr>
-            <a:lvl9pPr marL="3657600" indent="0">
+            <a:lvl9pPr marL="3657509" indent="0">
               <a:buNone/>
               <a:defRPr sz="1600">
                 <a:solidFill>
@@ -4556,7 +7810,7 @@
         </p:nvSpPr>
         <p:spPr>
           <a:xfrm>
-            <a:off x="839788" y="365125"/>
+            <a:off x="839788" y="365127"/>
             <a:ext cx="10515600" cy="1325563"/>
           </a:xfrm>
         </p:spPr>
@@ -4583,7 +7837,7 @@
         </p:nvSpPr>
         <p:spPr>
           <a:xfrm>
-            <a:off x="839788" y="1681163"/>
+            <a:off x="839789" y="1681163"/>
             <a:ext cx="5157787" cy="823912"/>
           </a:xfrm>
         </p:spPr>
@@ -4594,35 +7848,35 @@
               <a:buNone/>
               <a:defRPr sz="2400" b="1"/>
             </a:lvl1pPr>
-            <a:lvl2pPr marL="457200" indent="0">
+            <a:lvl2pPr marL="457189" indent="0">
               <a:buNone/>
               <a:defRPr sz="2000" b="1"/>
             </a:lvl2pPr>
-            <a:lvl3pPr marL="914400" indent="0">
+            <a:lvl3pPr marL="914377" indent="0">
               <a:buNone/>
               <a:defRPr sz="1800" b="1"/>
             </a:lvl3pPr>
-            <a:lvl4pPr marL="1371600" indent="0">
+            <a:lvl4pPr marL="1371566" indent="0">
               <a:buNone/>
               <a:defRPr sz="1600" b="1"/>
             </a:lvl4pPr>
-            <a:lvl5pPr marL="1828800" indent="0">
+            <a:lvl5pPr marL="1828754" indent="0">
               <a:buNone/>
               <a:defRPr sz="1600" b="1"/>
             </a:lvl5pPr>
-            <a:lvl6pPr marL="2286000" indent="0">
+            <a:lvl6pPr marL="2285943" indent="0">
               <a:buNone/>
               <a:defRPr sz="1600" b="1"/>
             </a:lvl6pPr>
-            <a:lvl7pPr marL="2743200" indent="0">
+            <a:lvl7pPr marL="2743131" indent="0">
               <a:buNone/>
               <a:defRPr sz="1600" b="1"/>
             </a:lvl7pPr>
-            <a:lvl8pPr marL="3200400" indent="0">
+            <a:lvl8pPr marL="3200320" indent="0">
               <a:buNone/>
               <a:defRPr sz="1600" b="1"/>
             </a:lvl8pPr>
-            <a:lvl9pPr marL="3657600" indent="0">
+            <a:lvl9pPr marL="3657509" indent="0">
               <a:buNone/>
               <a:defRPr sz="1600" b="1"/>
             </a:lvl9pPr>
@@ -4648,7 +7902,7 @@
         </p:nvSpPr>
         <p:spPr>
           <a:xfrm>
-            <a:off x="839788" y="2505075"/>
+            <a:off x="839789" y="2505075"/>
             <a:ext cx="5157787" cy="3684588"/>
           </a:xfrm>
         </p:spPr>
@@ -4704,7 +7958,7 @@
         </p:nvSpPr>
         <p:spPr>
           <a:xfrm>
-            <a:off x="6172200" y="1681163"/>
+            <a:off x="6172201" y="1681163"/>
             <a:ext cx="5183188" cy="823912"/>
           </a:xfrm>
         </p:spPr>
@@ -4715,35 +7969,35 @@
               <a:buNone/>
               <a:defRPr sz="2400" b="1"/>
             </a:lvl1pPr>
-            <a:lvl2pPr marL="457200" indent="0">
+            <a:lvl2pPr marL="457189" indent="0">
               <a:buNone/>
               <a:defRPr sz="2000" b="1"/>
             </a:lvl2pPr>
-            <a:lvl3pPr marL="914400" indent="0">
+            <a:lvl3pPr marL="914377" indent="0">
               <a:buNone/>
               <a:defRPr sz="1800" b="1"/>
             </a:lvl3pPr>
-            <a:lvl4pPr marL="1371600" indent="0">
+            <a:lvl4pPr marL="1371566" indent="0">
               <a:buNone/>
               <a:defRPr sz="1600" b="1"/>
             </a:lvl4pPr>
-            <a:lvl5pPr marL="1828800" indent="0">
+            <a:lvl5pPr marL="1828754" indent="0">
               <a:buNone/>
               <a:defRPr sz="1600" b="1"/>
             </a:lvl5pPr>
-            <a:lvl6pPr marL="2286000" indent="0">
+            <a:lvl6pPr marL="2285943" indent="0">
               <a:buNone/>
               <a:defRPr sz="1600" b="1"/>
             </a:lvl6pPr>
-            <a:lvl7pPr marL="2743200" indent="0">
+            <a:lvl7pPr marL="2743131" indent="0">
               <a:buNone/>
               <a:defRPr sz="1600" b="1"/>
             </a:lvl7pPr>
-            <a:lvl8pPr marL="3200400" indent="0">
+            <a:lvl8pPr marL="3200320" indent="0">
               <a:buNone/>
               <a:defRPr sz="1600" b="1"/>
             </a:lvl8pPr>
-            <a:lvl9pPr marL="3657600" indent="0">
+            <a:lvl9pPr marL="3657509" indent="0">
               <a:buNone/>
               <a:defRPr sz="1600" b="1"/>
             </a:lvl9pPr>
@@ -4769,7 +8023,7 @@
         </p:nvSpPr>
         <p:spPr>
           <a:xfrm>
-            <a:off x="6172200" y="2505075"/>
+            <a:off x="6172201" y="2505075"/>
             <a:ext cx="5183188" cy="3684588"/>
           </a:xfrm>
         </p:spPr>
@@ -5163,7 +8417,7 @@
         </p:nvSpPr>
         <p:spPr>
           <a:xfrm>
-            <a:off x="5183188" y="987425"/>
+            <a:off x="5183188" y="987427"/>
             <a:ext cx="6172200" cy="4873625"/>
           </a:xfrm>
         </p:spPr>
@@ -5258,35 +8512,35 @@
               <a:buNone/>
               <a:defRPr sz="1600"/>
             </a:lvl1pPr>
-            <a:lvl2pPr marL="457200" indent="0">
+            <a:lvl2pPr marL="457189" indent="0">
               <a:buNone/>
               <a:defRPr sz="1400"/>
             </a:lvl2pPr>
-            <a:lvl3pPr marL="914400" indent="0">
+            <a:lvl3pPr marL="914377" indent="0">
               <a:buNone/>
               <a:defRPr sz="1200"/>
             </a:lvl3pPr>
-            <a:lvl4pPr marL="1371600" indent="0">
+            <a:lvl4pPr marL="1371566" indent="0">
               <a:buNone/>
               <a:defRPr sz="1000"/>
             </a:lvl4pPr>
-            <a:lvl5pPr marL="1828800" indent="0">
+            <a:lvl5pPr marL="1828754" indent="0">
               <a:buNone/>
               <a:defRPr sz="1000"/>
             </a:lvl5pPr>
-            <a:lvl6pPr marL="2286000" indent="0">
+            <a:lvl6pPr marL="2285943" indent="0">
               <a:buNone/>
               <a:defRPr sz="1000"/>
             </a:lvl6pPr>
-            <a:lvl7pPr marL="2743200" indent="0">
+            <a:lvl7pPr marL="2743131" indent="0">
               <a:buNone/>
               <a:defRPr sz="1000"/>
             </a:lvl7pPr>
-            <a:lvl8pPr marL="3200400" indent="0">
+            <a:lvl8pPr marL="3200320" indent="0">
               <a:buNone/>
               <a:defRPr sz="1000"/>
             </a:lvl8pPr>
-            <a:lvl9pPr marL="3657600" indent="0">
+            <a:lvl9pPr marL="3657509" indent="0">
               <a:buNone/>
               <a:defRPr sz="1000"/>
             </a:lvl9pPr>
@@ -5438,7 +8692,7 @@
         </p:nvSpPr>
         <p:spPr>
           <a:xfrm>
-            <a:off x="5183188" y="987425"/>
+            <a:off x="5183188" y="987427"/>
             <a:ext cx="6172200" cy="4873625"/>
           </a:xfrm>
         </p:spPr>
@@ -5449,35 +8703,35 @@
               <a:buNone/>
               <a:defRPr sz="3200"/>
             </a:lvl1pPr>
-            <a:lvl2pPr marL="457200" indent="0">
+            <a:lvl2pPr marL="457189" indent="0">
               <a:buNone/>
               <a:defRPr sz="2800"/>
             </a:lvl2pPr>
-            <a:lvl3pPr marL="914400" indent="0">
+            <a:lvl3pPr marL="914377" indent="0">
               <a:buNone/>
               <a:defRPr sz="2400"/>
             </a:lvl3pPr>
-            <a:lvl4pPr marL="1371600" indent="0">
+            <a:lvl4pPr marL="1371566" indent="0">
               <a:buNone/>
               <a:defRPr sz="2000"/>
             </a:lvl4pPr>
-            <a:lvl5pPr marL="1828800" indent="0">
+            <a:lvl5pPr marL="1828754" indent="0">
               <a:buNone/>
               <a:defRPr sz="2000"/>
             </a:lvl5pPr>
-            <a:lvl6pPr marL="2286000" indent="0">
+            <a:lvl6pPr marL="2285943" indent="0">
               <a:buNone/>
               <a:defRPr sz="2000"/>
             </a:lvl6pPr>
-            <a:lvl7pPr marL="2743200" indent="0">
+            <a:lvl7pPr marL="2743131" indent="0">
               <a:buNone/>
               <a:defRPr sz="2000"/>
             </a:lvl7pPr>
-            <a:lvl8pPr marL="3200400" indent="0">
+            <a:lvl8pPr marL="3200320" indent="0">
               <a:buNone/>
               <a:defRPr sz="2000"/>
             </a:lvl8pPr>
-            <a:lvl9pPr marL="3657600" indent="0">
+            <a:lvl9pPr marL="3657509" indent="0">
               <a:buNone/>
               <a:defRPr sz="2000"/>
             </a:lvl9pPr>
@@ -5510,35 +8764,35 @@
               <a:buNone/>
               <a:defRPr sz="1600"/>
             </a:lvl1pPr>
-            <a:lvl2pPr marL="457200" indent="0">
+            <a:lvl2pPr marL="457189" indent="0">
               <a:buNone/>
               <a:defRPr sz="1400"/>
             </a:lvl2pPr>
-            <a:lvl3pPr marL="914400" indent="0">
+            <a:lvl3pPr marL="914377" indent="0">
               <a:buNone/>
               <a:defRPr sz="1200"/>
             </a:lvl3pPr>
-            <a:lvl4pPr marL="1371600" indent="0">
+            <a:lvl4pPr marL="1371566" indent="0">
               <a:buNone/>
               <a:defRPr sz="1000"/>
             </a:lvl4pPr>
-            <a:lvl5pPr marL="1828800" indent="0">
+            <a:lvl5pPr marL="1828754" indent="0">
               <a:buNone/>
               <a:defRPr sz="1000"/>
             </a:lvl5pPr>
-            <a:lvl6pPr marL="2286000" indent="0">
+            <a:lvl6pPr marL="2285943" indent="0">
               <a:buNone/>
               <a:defRPr sz="1000"/>
             </a:lvl6pPr>
-            <a:lvl7pPr marL="2743200" indent="0">
+            <a:lvl7pPr marL="2743131" indent="0">
               <a:buNone/>
               <a:defRPr sz="1000"/>
             </a:lvl7pPr>
-            <a:lvl8pPr marL="3200400" indent="0">
+            <a:lvl8pPr marL="3200320" indent="0">
               <a:buNone/>
               <a:defRPr sz="1000"/>
             </a:lvl8pPr>
-            <a:lvl9pPr marL="3657600" indent="0">
+            <a:lvl9pPr marL="3657509" indent="0">
               <a:buNone/>
               <a:defRPr sz="1000"/>
             </a:lvl9pPr>
@@ -5664,7 +8918,7 @@
         </p:nvSpPr>
         <p:spPr>
           <a:xfrm>
-            <a:off x="838200" y="365125"/>
+            <a:off x="838200" y="365127"/>
             <a:ext cx="10515600" cy="1325563"/>
           </a:xfrm>
           <a:prstGeom prst="rect">
@@ -5757,7 +9011,7 @@
         </p:nvSpPr>
         <p:spPr>
           <a:xfrm>
-            <a:off x="838200" y="6356350"/>
+            <a:off x="838200" y="6356352"/>
             <a:ext cx="2743200" cy="365125"/>
           </a:xfrm>
           <a:prstGeom prst="rect">
@@ -5798,7 +9052,7 @@
         </p:nvSpPr>
         <p:spPr>
           <a:xfrm>
-            <a:off x="4038600" y="6356350"/>
+            <a:off x="4038600" y="6356352"/>
             <a:ext cx="4114800" cy="365125"/>
           </a:xfrm>
           <a:prstGeom prst="rect">
@@ -5835,7 +9089,7 @@
         </p:nvSpPr>
         <p:spPr>
           <a:xfrm>
-            <a:off x="8610600" y="6356350"/>
+            <a:off x="8610600" y="6356352"/>
             <a:ext cx="2743200" cy="365125"/>
           </a:xfrm>
           <a:prstGeom prst="rect">
@@ -5887,7 +9141,7 @@
   </p:sldLayoutIdLst>
   <p:txStyles>
     <p:titleStyle>
-      <a:lvl1pPr algn="l" defTabSz="914400" rtl="0" eaLnBrk="1" latinLnBrk="0" hangingPunct="1">
+      <a:lvl1pPr algn="l" defTabSz="914377" rtl="0" eaLnBrk="1" latinLnBrk="0" hangingPunct="1">
         <a:lnSpc>
           <a:spcPct val="90000"/>
         </a:lnSpc>
@@ -5906,7 +9160,7 @@
       </a:lvl1pPr>
     </p:titleStyle>
     <p:bodyStyle>
-      <a:lvl1pPr marL="228600" indent="-228600" algn="l" defTabSz="914400" rtl="0" eaLnBrk="1" latinLnBrk="0" hangingPunct="1">
+      <a:lvl1pPr marL="228594" indent="-228594" algn="l" defTabSz="914377" rtl="0" eaLnBrk="1" latinLnBrk="0" hangingPunct="1">
         <a:lnSpc>
           <a:spcPct val="90000"/>
         </a:lnSpc>
@@ -5924,7 +9178,7 @@
           <a:cs typeface="+mn-cs"/>
         </a:defRPr>
       </a:lvl1pPr>
-      <a:lvl2pPr marL="685800" indent="-228600" algn="l" defTabSz="914400" rtl="0" eaLnBrk="1" latinLnBrk="0" hangingPunct="1">
+      <a:lvl2pPr marL="685783" indent="-228594" algn="l" defTabSz="914377" rtl="0" eaLnBrk="1" latinLnBrk="0" hangingPunct="1">
         <a:lnSpc>
           <a:spcPct val="90000"/>
         </a:lnSpc>
@@ -5942,7 +9196,7 @@
           <a:cs typeface="+mn-cs"/>
         </a:defRPr>
       </a:lvl2pPr>
-      <a:lvl3pPr marL="1143000" indent="-228600" algn="l" defTabSz="914400" rtl="0" eaLnBrk="1" latinLnBrk="0" hangingPunct="1">
+      <a:lvl3pPr marL="1142971" indent="-228594" algn="l" defTabSz="914377" rtl="0" eaLnBrk="1" latinLnBrk="0" hangingPunct="1">
         <a:lnSpc>
           <a:spcPct val="90000"/>
         </a:lnSpc>
@@ -5960,7 +9214,7 @@
           <a:cs typeface="+mn-cs"/>
         </a:defRPr>
       </a:lvl3pPr>
-      <a:lvl4pPr marL="1600200" indent="-228600" algn="l" defTabSz="914400" rtl="0" eaLnBrk="1" latinLnBrk="0" hangingPunct="1">
+      <a:lvl4pPr marL="1600160" indent="-228594" algn="l" defTabSz="914377" rtl="0" eaLnBrk="1" latinLnBrk="0" hangingPunct="1">
         <a:lnSpc>
           <a:spcPct val="90000"/>
         </a:lnSpc>
@@ -5978,7 +9232,7 @@
           <a:cs typeface="+mn-cs"/>
         </a:defRPr>
       </a:lvl4pPr>
-      <a:lvl5pPr marL="2057400" indent="-228600" algn="l" defTabSz="914400" rtl="0" eaLnBrk="1" latinLnBrk="0" hangingPunct="1">
+      <a:lvl5pPr marL="2057349" indent="-228594" algn="l" defTabSz="914377" rtl="0" eaLnBrk="1" latinLnBrk="0" hangingPunct="1">
         <a:lnSpc>
           <a:spcPct val="90000"/>
         </a:lnSpc>
@@ -5996,7 +9250,7 @@
           <a:cs typeface="+mn-cs"/>
         </a:defRPr>
       </a:lvl5pPr>
-      <a:lvl6pPr marL="2514600" indent="-228600" algn="l" defTabSz="914400" rtl="0" eaLnBrk="1" latinLnBrk="0" hangingPunct="1">
+      <a:lvl6pPr marL="2514537" indent="-228594" algn="l" defTabSz="914377" rtl="0" eaLnBrk="1" latinLnBrk="0" hangingPunct="1">
         <a:lnSpc>
           <a:spcPct val="90000"/>
         </a:lnSpc>
@@ -6014,7 +9268,7 @@
           <a:cs typeface="+mn-cs"/>
         </a:defRPr>
       </a:lvl6pPr>
-      <a:lvl7pPr marL="2971800" indent="-228600" algn="l" defTabSz="914400" rtl="0" eaLnBrk="1" latinLnBrk="0" hangingPunct="1">
+      <a:lvl7pPr marL="2971726" indent="-228594" algn="l" defTabSz="914377" rtl="0" eaLnBrk="1" latinLnBrk="0" hangingPunct="1">
         <a:lnSpc>
           <a:spcPct val="90000"/>
         </a:lnSpc>
@@ -6032,7 +9286,7 @@
           <a:cs typeface="+mn-cs"/>
         </a:defRPr>
       </a:lvl7pPr>
-      <a:lvl8pPr marL="3429000" indent="-228600" algn="l" defTabSz="914400" rtl="0" eaLnBrk="1" latinLnBrk="0" hangingPunct="1">
+      <a:lvl8pPr marL="3428914" indent="-228594" algn="l" defTabSz="914377" rtl="0" eaLnBrk="1" latinLnBrk="0" hangingPunct="1">
         <a:lnSpc>
           <a:spcPct val="90000"/>
         </a:lnSpc>
@@ -6050,7 +9304,7 @@
           <a:cs typeface="+mn-cs"/>
         </a:defRPr>
       </a:lvl8pPr>
-      <a:lvl9pPr marL="3886200" indent="-228600" algn="l" defTabSz="914400" rtl="0" eaLnBrk="1" latinLnBrk="0" hangingPunct="1">
+      <a:lvl9pPr marL="3886103" indent="-228594" algn="l" defTabSz="914377" rtl="0" eaLnBrk="1" latinLnBrk="0" hangingPunct="1">
         <a:lnSpc>
           <a:spcPct val="90000"/>
         </a:lnSpc>
@@ -6073,7 +9327,7 @@
       <a:defPPr>
         <a:defRPr lang="en-US"/>
       </a:defPPr>
-      <a:lvl1pPr marL="0" algn="l" defTabSz="914400" rtl="0" eaLnBrk="1" latinLnBrk="0" hangingPunct="1">
+      <a:lvl1pPr marL="0" algn="l" defTabSz="914377" rtl="0" eaLnBrk="1" latinLnBrk="0" hangingPunct="1">
         <a:defRPr sz="1800" kern="1200">
           <a:solidFill>
             <a:schemeClr val="tx1"/>
@@ -6083,7 +9337,7 @@
           <a:cs typeface="+mn-cs"/>
         </a:defRPr>
       </a:lvl1pPr>
-      <a:lvl2pPr marL="457200" algn="l" defTabSz="914400" rtl="0" eaLnBrk="1" latinLnBrk="0" hangingPunct="1">
+      <a:lvl2pPr marL="457189" algn="l" defTabSz="914377" rtl="0" eaLnBrk="1" latinLnBrk="0" hangingPunct="1">
         <a:defRPr sz="1800" kern="1200">
           <a:solidFill>
             <a:schemeClr val="tx1"/>
@@ -6093,7 +9347,7 @@
           <a:cs typeface="+mn-cs"/>
         </a:defRPr>
       </a:lvl2pPr>
-      <a:lvl3pPr marL="914400" algn="l" defTabSz="914400" rtl="0" eaLnBrk="1" latinLnBrk="0" hangingPunct="1">
+      <a:lvl3pPr marL="914377" algn="l" defTabSz="914377" rtl="0" eaLnBrk="1" latinLnBrk="0" hangingPunct="1">
         <a:defRPr sz="1800" kern="1200">
           <a:solidFill>
             <a:schemeClr val="tx1"/>
@@ -6103,7 +9357,7 @@
           <a:cs typeface="+mn-cs"/>
         </a:defRPr>
       </a:lvl3pPr>
-      <a:lvl4pPr marL="1371600" algn="l" defTabSz="914400" rtl="0" eaLnBrk="1" latinLnBrk="0" hangingPunct="1">
+      <a:lvl4pPr marL="1371566" algn="l" defTabSz="914377" rtl="0" eaLnBrk="1" latinLnBrk="0" hangingPunct="1">
         <a:defRPr sz="1800" kern="1200">
           <a:solidFill>
             <a:schemeClr val="tx1"/>
@@ -6113,7 +9367,7 @@
           <a:cs typeface="+mn-cs"/>
         </a:defRPr>
       </a:lvl4pPr>
-      <a:lvl5pPr marL="1828800" algn="l" defTabSz="914400" rtl="0" eaLnBrk="1" latinLnBrk="0" hangingPunct="1">
+      <a:lvl5pPr marL="1828754" algn="l" defTabSz="914377" rtl="0" eaLnBrk="1" latinLnBrk="0" hangingPunct="1">
         <a:defRPr sz="1800" kern="1200">
           <a:solidFill>
             <a:schemeClr val="tx1"/>
@@ -6123,7 +9377,7 @@
           <a:cs typeface="+mn-cs"/>
         </a:defRPr>
       </a:lvl5pPr>
-      <a:lvl6pPr marL="2286000" algn="l" defTabSz="914400" rtl="0" eaLnBrk="1" latinLnBrk="0" hangingPunct="1">
+      <a:lvl6pPr marL="2285943" algn="l" defTabSz="914377" rtl="0" eaLnBrk="1" latinLnBrk="0" hangingPunct="1">
         <a:defRPr sz="1800" kern="1200">
           <a:solidFill>
             <a:schemeClr val="tx1"/>
@@ -6133,7 +9387,7 @@
           <a:cs typeface="+mn-cs"/>
         </a:defRPr>
       </a:lvl6pPr>
-      <a:lvl7pPr marL="2743200" algn="l" defTabSz="914400" rtl="0" eaLnBrk="1" latinLnBrk="0" hangingPunct="1">
+      <a:lvl7pPr marL="2743131" algn="l" defTabSz="914377" rtl="0" eaLnBrk="1" latinLnBrk="0" hangingPunct="1">
         <a:defRPr sz="1800" kern="1200">
           <a:solidFill>
             <a:schemeClr val="tx1"/>
@@ -6143,7 +9397,7 @@
           <a:cs typeface="+mn-cs"/>
         </a:defRPr>
       </a:lvl7pPr>
-      <a:lvl8pPr marL="3200400" algn="l" defTabSz="914400" rtl="0" eaLnBrk="1" latinLnBrk="0" hangingPunct="1">
+      <a:lvl8pPr marL="3200320" algn="l" defTabSz="914377" rtl="0" eaLnBrk="1" latinLnBrk="0" hangingPunct="1">
         <a:defRPr sz="1800" kern="1200">
           <a:solidFill>
             <a:schemeClr val="tx1"/>
@@ -6153,7 +9407,7 @@
           <a:cs typeface="+mn-cs"/>
         </a:defRPr>
       </a:lvl8pPr>
-      <a:lvl9pPr marL="3657600" algn="l" defTabSz="914400" rtl="0" eaLnBrk="1" latinLnBrk="0" hangingPunct="1">
+      <a:lvl9pPr marL="3657509" algn="l" defTabSz="914377" rtl="0" eaLnBrk="1" latinLnBrk="0" hangingPunct="1">
         <a:defRPr sz="1800" kern="1200">
           <a:solidFill>
             <a:schemeClr val="tx1"/>
@@ -6185,6 +9439,156 @@
           <a:chExt cx="0" cy="0"/>
         </a:xfrm>
       </p:grpSpPr>
+      <p:sp>
+        <p:nvSpPr>
+          <p:cNvPr id="22" name="Rectangle 21"/>
+          <p:cNvSpPr/>
+          <p:nvPr/>
+        </p:nvSpPr>
+        <p:spPr>
+          <a:xfrm>
+            <a:off x="2496783" y="1953088"/>
+            <a:ext cx="6309867" cy="4643021"/>
+          </a:xfrm>
+          <a:prstGeom prst="rect">
+            <a:avLst/>
+          </a:prstGeom>
+          <a:solidFill>
+            <a:schemeClr val="bg1"/>
+          </a:solidFill>
+          <a:ln w="28575">
+            <a:solidFill>
+              <a:schemeClr val="tx1"/>
+            </a:solidFill>
+          </a:ln>
+          <a:effectLst>
+            <a:outerShdw blurRad="50800" dist="38100" dir="2700000" algn="tl" rotWithShape="0">
+              <a:prstClr val="black">
+                <a:alpha val="40000"/>
+              </a:prstClr>
+            </a:outerShdw>
+          </a:effectLst>
+        </p:spPr>
+        <p:style>
+          <a:lnRef idx="2">
+            <a:schemeClr val="accent1">
+              <a:shade val="50000"/>
+            </a:schemeClr>
+          </a:lnRef>
+          <a:fillRef idx="1">
+            <a:schemeClr val="accent1"/>
+          </a:fillRef>
+          <a:effectRef idx="0">
+            <a:schemeClr val="accent1"/>
+          </a:effectRef>
+          <a:fontRef idx="minor">
+            <a:schemeClr val="lt1"/>
+          </a:fontRef>
+        </p:style>
+        <p:txBody>
+          <a:bodyPr rtlCol="0" anchor="t"/>
+          <a:lstStyle/>
+          <a:p>
+            <a:r>
+              <a:rPr lang="en-US" dirty="0">
+                <a:solidFill>
+                  <a:schemeClr val="tx1"/>
+                </a:solidFill>
+              </a:rPr>
+              <a:t>Cloud Hosted Virtual Machine</a:t>
+            </a:r>
+          </a:p>
+          <a:p>
+            <a:endParaRPr lang="en-US" dirty="0">
+              <a:solidFill>
+                <a:schemeClr val="tx1"/>
+              </a:solidFill>
+            </a:endParaRPr>
+          </a:p>
+        </p:txBody>
+      </p:sp>
+      <p:sp>
+        <p:nvSpPr>
+          <p:cNvPr id="20" name="Rectangle 19"/>
+          <p:cNvSpPr/>
+          <p:nvPr/>
+        </p:nvSpPr>
+        <p:spPr>
+          <a:xfrm>
+            <a:off x="2839868" y="2405848"/>
+            <a:ext cx="5619565" cy="3861787"/>
+          </a:xfrm>
+          <a:prstGeom prst="rect">
+            <a:avLst/>
+          </a:prstGeom>
+          <a:solidFill>
+            <a:schemeClr val="bg1"/>
+          </a:solidFill>
+          <a:ln w="28575">
+            <a:solidFill>
+              <a:schemeClr val="tx1"/>
+            </a:solidFill>
+          </a:ln>
+          <a:effectLst>
+            <a:outerShdw blurRad="50800" dist="38100" dir="2700000" algn="tl" rotWithShape="0">
+              <a:prstClr val="black">
+                <a:alpha val="40000"/>
+              </a:prstClr>
+            </a:outerShdw>
+          </a:effectLst>
+        </p:spPr>
+        <p:style>
+          <a:lnRef idx="2">
+            <a:schemeClr val="accent1">
+              <a:shade val="50000"/>
+            </a:schemeClr>
+          </a:lnRef>
+          <a:fillRef idx="1">
+            <a:schemeClr val="accent1"/>
+          </a:fillRef>
+          <a:effectRef idx="0">
+            <a:schemeClr val="accent1"/>
+          </a:effectRef>
+          <a:fontRef idx="minor">
+            <a:schemeClr val="lt1"/>
+          </a:fontRef>
+        </p:style>
+        <p:txBody>
+          <a:bodyPr rtlCol="0" anchor="t"/>
+          <a:lstStyle/>
+          <a:p>
+            <a:r>
+              <a:rPr lang="en-US" dirty="0" err="1">
+                <a:solidFill>
+                  <a:schemeClr val="tx1"/>
+                </a:solidFill>
+              </a:rPr>
+              <a:t>Cloudmesh</a:t>
+            </a:r>
+            <a:r>
+              <a:rPr lang="en-US" dirty="0">
+                <a:solidFill>
+                  <a:schemeClr val="tx1"/>
+                </a:solidFill>
+              </a:rPr>
+              <a:t> </a:t>
+            </a:r>
+            <a:r>
+              <a:rPr lang="en-US" dirty="0" err="1">
+                <a:solidFill>
+                  <a:schemeClr val="tx1"/>
+                </a:solidFill>
+              </a:rPr>
+              <a:t>OpenAPI</a:t>
+            </a:r>
+            <a:endParaRPr lang="en-US" dirty="0">
+              <a:solidFill>
+                <a:schemeClr val="tx1"/>
+              </a:solidFill>
+            </a:endParaRPr>
+          </a:p>
+        </p:txBody>
+      </p:sp>
       <p:graphicFrame>
         <p:nvGraphicFramePr>
           <p:cNvPr id="2" name="Diagram 1"/>
@@ -6216,7 +9620,7 @@
         <p:grpSpPr>
           <a:xfrm>
             <a:off x="3329928" y="2873583"/>
-            <a:ext cx="3682162" cy="620740"/>
+            <a:ext cx="3682163" cy="620740"/>
             <a:chOff x="0" y="0"/>
             <a:chExt cx="3829136" cy="702008"/>
           </a:xfrm>
@@ -6306,7 +9710,7 @@
             </a:bodyPr>
             <a:lstStyle/>
             <a:p>
-              <a:pPr marL="0" lvl="0" indent="0" algn="l" defTabSz="1333500">
+              <a:pPr defTabSz="1333467">
                 <a:lnSpc>
                   <a:spcPct val="90000"/>
                 </a:lnSpc>
@@ -6316,10 +9720,9 @@
                 <a:spcAft>
                   <a:spcPct val="35000"/>
                 </a:spcAft>
-                <a:buNone/>
               </a:pPr>
               <a:r>
-                <a:rPr lang="en-US" sz="3000" kern="1200" dirty="0">
+                <a:rPr lang="en-US" sz="3000" dirty="0">
                   <a:solidFill>
                     <a:schemeClr val="tx1"/>
                   </a:solidFill>
@@ -6338,8 +9741,8 @@
         </p:nvGrpSpPr>
         <p:grpSpPr>
           <a:xfrm>
-            <a:off x="3650618" y="3649549"/>
-            <a:ext cx="3682162" cy="620740"/>
+            <a:off x="3650617" y="3649550"/>
+            <a:ext cx="3682163" cy="620740"/>
             <a:chOff x="320690" y="829646"/>
             <a:chExt cx="3829136" cy="702008"/>
           </a:xfrm>
@@ -6424,7 +9827,7 @@
             </a:bodyPr>
             <a:lstStyle/>
             <a:p>
-              <a:pPr marL="0" lvl="0" indent="0" algn="l" defTabSz="1333500">
+              <a:pPr defTabSz="1333467">
                 <a:lnSpc>
                   <a:spcPct val="90000"/>
                 </a:lnSpc>
@@ -6434,10 +9837,9 @@
                 <a:spcAft>
                   <a:spcPct val="35000"/>
                 </a:spcAft>
-                <a:buNone/>
               </a:pPr>
               <a:r>
-                <a:rPr lang="en-US" sz="3000" kern="1200" dirty="0">
+                <a:rPr lang="en-US" sz="3000" dirty="0">
                   <a:solidFill>
                     <a:schemeClr val="tx1"/>
                   </a:solidFill>
@@ -6457,7 +9859,7 @@
         <p:grpSpPr>
           <a:xfrm>
             <a:off x="3966521" y="4532875"/>
-            <a:ext cx="3682162" cy="620740"/>
+            <a:ext cx="3682163" cy="620740"/>
             <a:chOff x="636593" y="1659292"/>
             <a:chExt cx="3829136" cy="702008"/>
           </a:xfrm>
@@ -6539,7 +9941,7 @@
             </a:bodyPr>
             <a:lstStyle/>
             <a:p>
-              <a:pPr marL="0" lvl="0" indent="0" algn="l" defTabSz="1333500">
+              <a:pPr defTabSz="1333467">
                 <a:lnSpc>
                   <a:spcPct val="90000"/>
                 </a:lnSpc>
@@ -6549,10 +9951,9 @@
                 <a:spcAft>
                   <a:spcPct val="35000"/>
                 </a:spcAft>
-                <a:buNone/>
               </a:pPr>
               <a:r>
-                <a:rPr lang="en-US" sz="3000" kern="1200" dirty="0">
+                <a:rPr lang="en-US" sz="3000" dirty="0">
                   <a:solidFill>
                     <a:schemeClr val="tx1"/>
                   </a:solidFill>
@@ -6571,8 +9972,8 @@
         </p:nvGrpSpPr>
         <p:grpSpPr>
           <a:xfrm>
-            <a:off x="4287212" y="5362521"/>
-            <a:ext cx="3682162" cy="620740"/>
+            <a:off x="4287212" y="5362522"/>
+            <a:ext cx="3682163" cy="620740"/>
             <a:chOff x="957284" y="2488938"/>
             <a:chExt cx="3829136" cy="702008"/>
           </a:xfrm>
@@ -6654,7 +10055,7 @@
             </a:bodyPr>
             <a:lstStyle/>
             <a:p>
-              <a:pPr marL="0" lvl="0" indent="0" algn="l" defTabSz="1333500">
+              <a:pPr defTabSz="1333467">
                 <a:lnSpc>
                   <a:spcPct val="90000"/>
                 </a:lnSpc>
@@ -6664,10 +10065,9 @@
                 <a:spcAft>
                   <a:spcPct val="35000"/>
                 </a:spcAft>
-                <a:buNone/>
               </a:pPr>
               <a:r>
-                <a:rPr lang="en-US" sz="3000" kern="1200" dirty="0">
+                <a:rPr lang="en-US" sz="3000" dirty="0">
                   <a:solidFill>
                     <a:schemeClr val="tx1"/>
                   </a:solidFill>
@@ -6678,152 +10078,6 @@
           </p:txBody>
         </p:sp>
       </p:grpSp>
-      <p:sp>
-        <p:nvSpPr>
-          <p:cNvPr id="20" name="Rectangle 19"/>
-          <p:cNvSpPr/>
-          <p:nvPr/>
-        </p:nvSpPr>
-        <p:spPr>
-          <a:xfrm>
-            <a:off x="2839868" y="2405848"/>
-            <a:ext cx="5619565" cy="3861786"/>
-          </a:xfrm>
-          <a:prstGeom prst="rect">
-            <a:avLst/>
-          </a:prstGeom>
-          <a:noFill/>
-          <a:ln w="28575">
-            <a:solidFill>
-              <a:schemeClr val="tx1"/>
-            </a:solidFill>
-          </a:ln>
-          <a:effectLst>
-            <a:outerShdw blurRad="50800" dist="38100" dir="2700000" algn="tl" rotWithShape="0">
-              <a:prstClr val="black">
-                <a:alpha val="40000"/>
-              </a:prstClr>
-            </a:outerShdw>
-          </a:effectLst>
-        </p:spPr>
-        <p:style>
-          <a:lnRef idx="2">
-            <a:schemeClr val="accent1">
-              <a:shade val="50000"/>
-            </a:schemeClr>
-          </a:lnRef>
-          <a:fillRef idx="1">
-            <a:schemeClr val="accent1"/>
-          </a:fillRef>
-          <a:effectRef idx="0">
-            <a:schemeClr val="accent1"/>
-          </a:effectRef>
-          <a:fontRef idx="minor">
-            <a:schemeClr val="lt1"/>
-          </a:fontRef>
-        </p:style>
-        <p:txBody>
-          <a:bodyPr rtlCol="0" anchor="t"/>
-          <a:lstStyle/>
-          <a:p>
-            <a:r>
-              <a:rPr lang="en-US" dirty="0" err="1">
-                <a:solidFill>
-                  <a:schemeClr val="tx1"/>
-                </a:solidFill>
-              </a:rPr>
-              <a:t>Cloudmesh</a:t>
-            </a:r>
-            <a:r>
-              <a:rPr lang="en-US" dirty="0">
-                <a:solidFill>
-                  <a:schemeClr val="tx1"/>
-                </a:solidFill>
-              </a:rPr>
-              <a:t> </a:t>
-            </a:r>
-            <a:r>
-              <a:rPr lang="en-US" dirty="0" err="1">
-                <a:solidFill>
-                  <a:schemeClr val="tx1"/>
-                </a:solidFill>
-              </a:rPr>
-              <a:t>OpenAPI</a:t>
-            </a:r>
-            <a:endParaRPr lang="en-US" dirty="0">
-              <a:solidFill>
-                <a:schemeClr val="tx1"/>
-              </a:solidFill>
-            </a:endParaRPr>
-          </a:p>
-        </p:txBody>
-      </p:sp>
-      <p:sp>
-        <p:nvSpPr>
-          <p:cNvPr id="22" name="Rectangle 21"/>
-          <p:cNvSpPr/>
-          <p:nvPr/>
-        </p:nvSpPr>
-        <p:spPr>
-          <a:xfrm>
-            <a:off x="2496783" y="1953087"/>
-            <a:ext cx="6309866" cy="4643021"/>
-          </a:xfrm>
-          <a:prstGeom prst="rect">
-            <a:avLst/>
-          </a:prstGeom>
-          <a:noFill/>
-          <a:ln w="28575">
-            <a:solidFill>
-              <a:schemeClr val="tx1"/>
-            </a:solidFill>
-          </a:ln>
-          <a:effectLst>
-            <a:outerShdw blurRad="50800" dist="38100" dir="2700000" algn="tl" rotWithShape="0">
-              <a:prstClr val="black">
-                <a:alpha val="40000"/>
-              </a:prstClr>
-            </a:outerShdw>
-          </a:effectLst>
-        </p:spPr>
-        <p:style>
-          <a:lnRef idx="2">
-            <a:schemeClr val="accent1">
-              <a:shade val="50000"/>
-            </a:schemeClr>
-          </a:lnRef>
-          <a:fillRef idx="1">
-            <a:schemeClr val="accent1"/>
-          </a:fillRef>
-          <a:effectRef idx="0">
-            <a:schemeClr val="accent1"/>
-          </a:effectRef>
-          <a:fontRef idx="minor">
-            <a:schemeClr val="lt1"/>
-          </a:fontRef>
-        </p:style>
-        <p:txBody>
-          <a:bodyPr rtlCol="0" anchor="t"/>
-          <a:lstStyle/>
-          <a:p>
-            <a:r>
-              <a:rPr lang="en-US" dirty="0">
-                <a:solidFill>
-                  <a:schemeClr val="tx1"/>
-                </a:solidFill>
-              </a:rPr>
-              <a:t>Cloud Hosted Virtual Machine</a:t>
-            </a:r>
-          </a:p>
-          <a:p>
-            <a:endParaRPr lang="en-US" dirty="0">
-              <a:solidFill>
-                <a:schemeClr val="tx1"/>
-              </a:solidFill>
-            </a:endParaRPr>
-          </a:p>
-        </p:txBody>
-      </p:sp>
       <p:grpSp>
         <p:nvGrpSpPr>
           <p:cNvPr id="27" name="Group 26"/>
@@ -6926,7 +10180,7 @@
         </p:nvGrpSpPr>
         <p:grpSpPr>
           <a:xfrm>
-            <a:off x="6851603" y="3817585"/>
+            <a:off x="6851604" y="3817585"/>
             <a:ext cx="320691" cy="369332"/>
             <a:chOff x="7256718" y="383503"/>
             <a:chExt cx="320691" cy="369332"/>
@@ -7020,7 +10274,7 @@
         </p:nvGrpSpPr>
         <p:grpSpPr>
           <a:xfrm>
-            <a:off x="7224825" y="4714340"/>
+            <a:off x="7224825" y="4714341"/>
             <a:ext cx="320691" cy="369332"/>
             <a:chOff x="7256718" y="383503"/>
             <a:chExt cx="320691" cy="369332"/>
@@ -7114,7 +10368,7 @@
         </p:nvGrpSpPr>
         <p:grpSpPr>
           <a:xfrm>
-            <a:off x="7545516" y="5522898"/>
+            <a:off x="7545517" y="5522899"/>
             <a:ext cx="320691" cy="369332"/>
             <a:chOff x="7256718" y="383503"/>
             <a:chExt cx="320691" cy="369332"/>
@@ -7208,10 +10462,10 @@
         </p:nvGrpSpPr>
         <p:grpSpPr>
           <a:xfrm>
-            <a:off x="4441631" y="333018"/>
-            <a:ext cx="3201083" cy="1053660"/>
+            <a:off x="4441632" y="333020"/>
+            <a:ext cx="3201083" cy="535649"/>
             <a:chOff x="4864963" y="346883"/>
-            <a:chExt cx="2089892" cy="852645"/>
+            <a:chExt cx="2089892" cy="433459"/>
           </a:xfrm>
           <a:effectLst>
             <a:outerShdw blurRad="50800" dist="38100" dir="2700000" algn="tl" rotWithShape="0">
@@ -7280,7 +10534,7 @@
           <p:spPr>
             <a:xfrm>
               <a:off x="5119996" y="368531"/>
-              <a:ext cx="1834859" cy="830997"/>
+              <a:ext cx="1834859" cy="373589"/>
             </a:xfrm>
             <a:prstGeom prst="rect">
               <a:avLst/>
@@ -7312,7 +10566,7 @@
         </p:nvCxnSpPr>
         <p:spPr>
           <a:xfrm>
-            <a:off x="5601808" y="908877"/>
+            <a:off x="5601809" y="908877"/>
             <a:ext cx="1" cy="1496971"/>
           </a:xfrm>
           <a:prstGeom prst="straightConnector1">
@@ -7348,7 +10602,7 @@
         </p:nvCxnSpPr>
         <p:spPr>
           <a:xfrm flipV="1">
-            <a:off x="6246374" y="908877"/>
+            <a:off x="6246375" y="908877"/>
             <a:ext cx="0" cy="1496971"/>
           </a:xfrm>
           <a:prstGeom prst="straightConnector1">
@@ -7384,7 +10638,7 @@
         </p:nvSpPr>
         <p:spPr>
           <a:xfrm>
-            <a:off x="4720789" y="1235462"/>
+            <a:off x="4720790" y="1235461"/>
             <a:ext cx="900439" cy="369332"/>
           </a:xfrm>
           <a:prstGeom prst="rect">
@@ -7413,7 +10667,7 @@
         </p:nvSpPr>
         <p:spPr>
           <a:xfrm>
-            <a:off x="6246374" y="1235462"/>
+            <a:off x="6246374" y="1235461"/>
             <a:ext cx="1037656" cy="369332"/>
           </a:xfrm>
           <a:prstGeom prst="rect">
@@ -7472,7 +10726,7 @@
         </p:nvSpPr>
         <p:spPr>
           <a:xfrm rot="16200000">
-            <a:off x="2233202" y="3424218"/>
+            <a:off x="2233203" y="3424218"/>
             <a:ext cx="900439" cy="369332"/>
           </a:xfrm>
           <a:prstGeom prst="rect">
@@ -7501,7 +10755,7 @@
         </p:nvSpPr>
         <p:spPr>
           <a:xfrm rot="16200000">
-            <a:off x="3384985" y="3411393"/>
+            <a:off x="3384985" y="3411392"/>
             <a:ext cx="1037656" cy="369332"/>
           </a:xfrm>
           <a:prstGeom prst="rect">
@@ -7530,7 +10784,7 @@
         </p:nvSpPr>
         <p:spPr>
           <a:xfrm rot="16200000">
-            <a:off x="4796443" y="3424218"/>
+            <a:off x="4796445" y="3424218"/>
             <a:ext cx="900439" cy="369332"/>
           </a:xfrm>
           <a:prstGeom prst="rect">
@@ -7588,7 +10842,7 @@
         </p:nvSpPr>
         <p:spPr>
           <a:xfrm rot="16200000">
-            <a:off x="7319526" y="3424218"/>
+            <a:off x="7319527" y="3424218"/>
             <a:ext cx="900439" cy="369332"/>
           </a:xfrm>
           <a:prstGeom prst="rect">
@@ -7646,7 +10900,7 @@
         </p:nvSpPr>
         <p:spPr>
           <a:xfrm>
-            <a:off x="2452590" y="4290397"/>
+            <a:off x="2452592" y="4290398"/>
             <a:ext cx="2195249" cy="900581"/>
           </a:xfrm>
           <a:prstGeom prst="rect">
@@ -7714,7 +10968,7 @@
         </p:nvSpPr>
         <p:spPr>
           <a:xfrm>
-            <a:off x="4939817" y="4290397"/>
+            <a:off x="4939818" y="4290398"/>
             <a:ext cx="2195249" cy="900581"/>
           </a:xfrm>
           <a:prstGeom prst="rect">
@@ -7782,7 +11036,7 @@
         </p:nvSpPr>
         <p:spPr>
           <a:xfrm>
-            <a:off x="7427044" y="4290397"/>
+            <a:off x="7427045" y="4290398"/>
             <a:ext cx="2195249" cy="900581"/>
           </a:xfrm>
           <a:prstGeom prst="rect">
@@ -7850,8 +11104,8 @@
         </p:nvSpPr>
         <p:spPr>
           <a:xfrm>
-            <a:off x="2769834" y="2067951"/>
-            <a:ext cx="6338657" cy="613758"/>
+            <a:off x="2769836" y="2067951"/>
+            <a:ext cx="6338657" cy="613759"/>
           </a:xfrm>
           <a:prstGeom prst="rect">
             <a:avLst/>
@@ -7909,7 +11163,7 @@
         </p:nvGrpSpPr>
         <p:grpSpPr>
           <a:xfrm>
-            <a:off x="3056170" y="2715065"/>
+            <a:off x="3056171" y="2715065"/>
             <a:ext cx="5730104" cy="1584803"/>
             <a:chOff x="3056170" y="2383445"/>
             <a:chExt cx="5730104" cy="1916423"/>
@@ -8148,6 +11402,64 @@
     <p:extLst>
       <p:ext uri="{BB962C8B-B14F-4D97-AF65-F5344CB8AC3E}">
         <p14:creationId xmlns:p14="http://schemas.microsoft.com/office/powerpoint/2010/main" val="427183011"/>
+      </p:ext>
+    </p:extLst>
+  </p:cSld>
+  <p:clrMapOvr>
+    <a:masterClrMapping/>
+  </p:clrMapOvr>
+</p:sld>
+</file>
+
+<file path=ppt/slides/slide3.xml><?xml version="1.0" encoding="utf-8"?>
+<p:sld xmlns:a="http://schemas.openxmlformats.org/drawingml/2006/main" xmlns:r="http://schemas.openxmlformats.org/officeDocument/2006/relationships" xmlns:p="http://schemas.openxmlformats.org/presentationml/2006/main">
+  <p:cSld>
+    <p:spTree>
+      <p:nvGrpSpPr>
+        <p:cNvPr id="1" name=""/>
+        <p:cNvGrpSpPr/>
+        <p:nvPr/>
+      </p:nvGrpSpPr>
+      <p:grpSpPr>
+        <a:xfrm>
+          <a:off x="0" y="0"/>
+          <a:ext cx="0" cy="0"/>
+          <a:chOff x="0" y="0"/>
+          <a:chExt cx="0" cy="0"/>
+        </a:xfrm>
+      </p:grpSpPr>
+      <p:graphicFrame>
+        <p:nvGraphicFramePr>
+          <p:cNvPr id="3" name="Diagram 2">
+            <a:extLst>
+              <a:ext uri="{FF2B5EF4-FFF2-40B4-BE49-F238E27FC236}">
+                <a16:creationId xmlns:a16="http://schemas.microsoft.com/office/drawing/2014/main" id="{6C1A0477-4BAB-DE40-857D-2FD2D852AA09}"/>
+              </a:ext>
+            </a:extLst>
+          </p:cNvPr>
+          <p:cNvGraphicFramePr/>
+          <p:nvPr>
+            <p:extLst>
+              <p:ext uri="{D42A27DB-BD31-4B8C-83A1-F6EECF244321}">
+                <p14:modId xmlns:p14="http://schemas.microsoft.com/office/powerpoint/2010/main" val="2769797213"/>
+              </p:ext>
+            </p:extLst>
+          </p:nvPr>
+        </p:nvGraphicFramePr>
+        <p:xfrm>
+          <a:off x="2032000" y="719666"/>
+          <a:ext cx="8128000" cy="5418667"/>
+        </p:xfrm>
+        <a:graphic>
+          <a:graphicData uri="http://schemas.openxmlformats.org/drawingml/2006/diagram">
+            <dgm:relIds xmlns:dgm="http://schemas.openxmlformats.org/drawingml/2006/diagram" xmlns:r="http://schemas.openxmlformats.org/officeDocument/2006/relationships" r:dm="rId2" r:lo="rId3" r:qs="rId4" r:cs="rId5"/>
+          </a:graphicData>
+        </a:graphic>
+      </p:graphicFrame>
+    </p:spTree>
+    <p:extLst>
+      <p:ext uri="{BB962C8B-B14F-4D97-AF65-F5344CB8AC3E}">
+        <p14:creationId xmlns:p14="http://schemas.microsoft.com/office/powerpoint/2010/main" val="4121080512"/>
       </p:ext>
     </p:extLst>
   </p:cSld>
